--- a/pandog_docker[4.26].pptx
+++ b/pandog_docker[4.26].pptx
@@ -6,30 +6,39 @@
     <p:sldMasterId id="2147483661" r:id="rId2"/>
   </p:sldMasterIdLst>
   <p:notesMasterIdLst>
-    <p:notesMasterId r:id="rId24"/>
+    <p:notesMasterId r:id="rId33"/>
   </p:notesMasterIdLst>
   <p:sldIdLst>
     <p:sldId id="256" r:id="rId3"/>
     <p:sldId id="265" r:id="rId4"/>
-    <p:sldId id="260" r:id="rId5"/>
-    <p:sldId id="269" r:id="rId6"/>
-    <p:sldId id="270" r:id="rId7"/>
-    <p:sldId id="271" r:id="rId8"/>
-    <p:sldId id="257" r:id="rId9"/>
-    <p:sldId id="272" r:id="rId10"/>
-    <p:sldId id="273" r:id="rId11"/>
-    <p:sldId id="274" r:id="rId12"/>
-    <p:sldId id="275" r:id="rId13"/>
-    <p:sldId id="276" r:id="rId14"/>
-    <p:sldId id="277" r:id="rId15"/>
-    <p:sldId id="278" r:id="rId16"/>
-    <p:sldId id="279" r:id="rId17"/>
-    <p:sldId id="280" r:id="rId18"/>
-    <p:sldId id="281" r:id="rId19"/>
-    <p:sldId id="282" r:id="rId20"/>
-    <p:sldId id="285" r:id="rId21"/>
-    <p:sldId id="283" r:id="rId22"/>
-    <p:sldId id="284" r:id="rId23"/>
+    <p:sldId id="272" r:id="rId5"/>
+    <p:sldId id="260" r:id="rId6"/>
+    <p:sldId id="269" r:id="rId7"/>
+    <p:sldId id="270" r:id="rId8"/>
+    <p:sldId id="271" r:id="rId9"/>
+    <p:sldId id="257" r:id="rId10"/>
+    <p:sldId id="278" r:id="rId11"/>
+    <p:sldId id="287" r:id="rId12"/>
+    <p:sldId id="273" r:id="rId13"/>
+    <p:sldId id="274" r:id="rId14"/>
+    <p:sldId id="275" r:id="rId15"/>
+    <p:sldId id="276" r:id="rId16"/>
+    <p:sldId id="286" r:id="rId17"/>
+    <p:sldId id="277" r:id="rId18"/>
+    <p:sldId id="279" r:id="rId19"/>
+    <p:sldId id="280" r:id="rId20"/>
+    <p:sldId id="288" r:id="rId21"/>
+    <p:sldId id="281" r:id="rId22"/>
+    <p:sldId id="289" r:id="rId23"/>
+    <p:sldId id="282" r:id="rId24"/>
+    <p:sldId id="290" r:id="rId25"/>
+    <p:sldId id="285" r:id="rId26"/>
+    <p:sldId id="291" r:id="rId27"/>
+    <p:sldId id="292" r:id="rId28"/>
+    <p:sldId id="293" r:id="rId29"/>
+    <p:sldId id="283" r:id="rId30"/>
+    <p:sldId id="284" r:id="rId31"/>
+    <p:sldId id="294" r:id="rId32"/>
   </p:sldIdLst>
   <p:sldSz cx="9144000" cy="6858000" type="screen4x3"/>
   <p:notesSz cx="6858000" cy="9144000"/>
@@ -13639,7 +13648,7 @@
           <a:p>
             <a:fld id="{45F69273-3B7E-49A1-B67C-147CB5B6334F}" type="datetimeFigureOut">
               <a:rPr lang="ko-KR" altLang="en-US" smtClean="0"/>
-              <a:t>2018-04-26</a:t>
+              <a:t>2018-05-11</a:t>
             </a:fld>
             <a:endParaRPr lang="ko-KR" altLang="en-US"/>
           </a:p>
@@ -14034,7 +14043,20 @@
           <a:bodyPr/>
           <a:lstStyle/>
           <a:p>
-            <a:endParaRPr lang="ko-KR" altLang="en-US" dirty="0"/>
+            <a:r>
+              <a:rPr lang="ko-KR" altLang="en-US" dirty="0"/>
+              <a:t>하드웨어 가상화가 아닌 실행환경의 분리</a:t>
+            </a:r>
+            <a:r>
+              <a:rPr lang="en-US" altLang="ko-KR" dirty="0"/>
+              <a:t>(isolation)</a:t>
+            </a:r>
+          </a:p>
+          <a:p>
+            <a:r>
+              <a:rPr lang="ko-KR" altLang="en-US" dirty="0"/>
+              <a:t>각 컨테이너간 영향을 분리</a:t>
+            </a:r>
           </a:p>
         </p:txBody>
       </p:sp>
@@ -14064,7 +14086,7 @@
     </p:spTree>
     <p:extLst>
       <p:ext uri="{BB962C8B-B14F-4D97-AF65-F5344CB8AC3E}">
-        <p14:creationId xmlns:p14="http://schemas.microsoft.com/office/powerpoint/2010/main" val="1999087255"/>
+        <p14:creationId xmlns:p14="http://schemas.microsoft.com/office/powerpoint/2010/main" val="1689931169"/>
       </p:ext>
     </p:extLst>
   </p:cSld>
@@ -14118,442 +14140,6 @@
           <a:bodyPr/>
           <a:lstStyle/>
           <a:p>
-            <a:r>
-              <a:rPr lang="ko-KR" altLang="en-US" sz="1200" b="0" i="0" kern="1200" dirty="0">
-                <a:solidFill>
-                  <a:schemeClr val="tx1"/>
-                </a:solidFill>
-                <a:effectLst/>
-                <a:latin typeface="+mn-lt"/>
-                <a:ea typeface="+mn-ea"/>
-                <a:cs typeface="+mn-cs"/>
-              </a:rPr>
-              <a:t>전가상화</a:t>
-            </a:r>
-            <a:endParaRPr lang="en-US" altLang="ko-KR" sz="1200" b="0" i="0" kern="1200" dirty="0">
-              <a:solidFill>
-                <a:schemeClr val="tx1"/>
-              </a:solidFill>
-              <a:effectLst/>
-              <a:latin typeface="+mn-lt"/>
-              <a:ea typeface="+mn-ea"/>
-              <a:cs typeface="+mn-cs"/>
-            </a:endParaRPr>
-          </a:p>
-          <a:p>
-            <a:r>
-              <a:rPr lang="en-US" altLang="ko-KR" sz="1200" b="0" i="0" kern="1200" dirty="0">
-                <a:solidFill>
-                  <a:schemeClr val="tx1"/>
-                </a:solidFill>
-                <a:effectLst/>
-                <a:latin typeface="+mn-lt"/>
-                <a:ea typeface="+mn-ea"/>
-                <a:cs typeface="+mn-cs"/>
-              </a:rPr>
-              <a:t>- VM</a:t>
-            </a:r>
-            <a:r>
-              <a:rPr lang="ko-KR" altLang="en-US" sz="1200" b="0" i="0" kern="1200" dirty="0">
-                <a:solidFill>
-                  <a:schemeClr val="tx1"/>
-                </a:solidFill>
-                <a:effectLst/>
-                <a:latin typeface="+mn-lt"/>
-                <a:ea typeface="+mn-ea"/>
-                <a:cs typeface="+mn-cs"/>
-              </a:rPr>
-              <a:t>과 같은 </a:t>
-            </a:r>
-            <a:r>
-              <a:rPr lang="en-US" altLang="ko-KR" sz="1200" b="0" i="0" kern="1200" dirty="0">
-                <a:solidFill>
-                  <a:schemeClr val="tx1"/>
-                </a:solidFill>
-                <a:effectLst/>
-                <a:latin typeface="+mn-lt"/>
-                <a:ea typeface="+mn-ea"/>
-                <a:cs typeface="+mn-cs"/>
-              </a:rPr>
-              <a:t>Guest OS</a:t>
-            </a:r>
-            <a:r>
-              <a:rPr lang="ko-KR" altLang="en-US" sz="1200" b="0" i="0" kern="1200" dirty="0">
-                <a:solidFill>
-                  <a:schemeClr val="tx1"/>
-                </a:solidFill>
-                <a:effectLst/>
-                <a:latin typeface="+mn-lt"/>
-                <a:ea typeface="+mn-ea"/>
-                <a:cs typeface="+mn-cs"/>
-              </a:rPr>
-              <a:t>의 수정 없이 하드웨어 그 자체를 </a:t>
-            </a:r>
-            <a:r>
-              <a:rPr lang="ko-KR" altLang="en-US" sz="1200" b="0" i="0" kern="1200" dirty="0" err="1">
-                <a:solidFill>
-                  <a:schemeClr val="tx1"/>
-                </a:solidFill>
-                <a:effectLst/>
-                <a:latin typeface="+mn-lt"/>
-                <a:ea typeface="+mn-ea"/>
-                <a:cs typeface="+mn-cs"/>
-              </a:rPr>
-              <a:t>가상화하여</a:t>
-            </a:r>
-            <a:r>
-              <a:rPr lang="ko-KR" altLang="en-US" sz="1200" b="0" i="0" kern="1200" dirty="0">
-                <a:solidFill>
-                  <a:schemeClr val="tx1"/>
-                </a:solidFill>
-                <a:effectLst/>
-                <a:latin typeface="+mn-lt"/>
-                <a:ea typeface="+mn-ea"/>
-                <a:cs typeface="+mn-cs"/>
-              </a:rPr>
-              <a:t> 사용하는 방식이다</a:t>
-            </a:r>
-            <a:br>
-              <a:rPr lang="ko-KR" altLang="en-US" dirty="0"/>
-            </a:br>
-            <a:r>
-              <a:rPr lang="en-US" altLang="ko-KR" dirty="0"/>
-              <a:t>- </a:t>
-            </a:r>
-            <a:r>
-              <a:rPr lang="en-US" altLang="ko-KR" sz="1200" b="0" i="0" kern="1200" dirty="0">
-                <a:solidFill>
-                  <a:schemeClr val="tx1"/>
-                </a:solidFill>
-                <a:effectLst/>
-                <a:latin typeface="+mn-lt"/>
-                <a:ea typeface="+mn-ea"/>
-                <a:cs typeface="+mn-cs"/>
-              </a:rPr>
-              <a:t>Guest</a:t>
-            </a:r>
-            <a:r>
-              <a:rPr lang="ko-KR" altLang="en-US" sz="1200" b="0" i="0" kern="1200" dirty="0">
-                <a:solidFill>
-                  <a:schemeClr val="tx1"/>
-                </a:solidFill>
-                <a:effectLst/>
-                <a:latin typeface="+mn-lt"/>
-                <a:ea typeface="+mn-ea"/>
-                <a:cs typeface="+mn-cs"/>
-              </a:rPr>
-              <a:t>와 </a:t>
-            </a:r>
-            <a:r>
-              <a:rPr lang="en-US" altLang="ko-KR" sz="1200" b="0" i="0" kern="1200" dirty="0">
-                <a:solidFill>
-                  <a:schemeClr val="tx1"/>
-                </a:solidFill>
-                <a:effectLst/>
-                <a:latin typeface="+mn-lt"/>
-                <a:ea typeface="+mn-ea"/>
-                <a:cs typeface="+mn-cs"/>
-              </a:rPr>
-              <a:t>Host </a:t>
-            </a:r>
-            <a:r>
-              <a:rPr lang="ko-KR" altLang="en-US" sz="1200" b="0" i="0" kern="1200" dirty="0">
-                <a:solidFill>
-                  <a:schemeClr val="tx1"/>
-                </a:solidFill>
-                <a:effectLst/>
-                <a:latin typeface="+mn-lt"/>
-                <a:ea typeface="+mn-ea"/>
-                <a:cs typeface="+mn-cs"/>
-              </a:rPr>
-              <a:t>간의 통신 역할을 해주는 </a:t>
-            </a:r>
-            <a:r>
-              <a:rPr lang="en-US" altLang="ko-KR" sz="1200" b="0" i="0" kern="1200" dirty="0">
-                <a:solidFill>
-                  <a:schemeClr val="tx1"/>
-                </a:solidFill>
-                <a:effectLst/>
-                <a:latin typeface="+mn-lt"/>
-                <a:ea typeface="+mn-ea"/>
-                <a:cs typeface="+mn-cs"/>
-              </a:rPr>
-              <a:t>Hypervisor</a:t>
-            </a:r>
-            <a:r>
-              <a:rPr lang="ko-KR" altLang="en-US" sz="1200" b="0" i="0" kern="1200" dirty="0">
-                <a:solidFill>
-                  <a:schemeClr val="tx1"/>
-                </a:solidFill>
-                <a:effectLst/>
-                <a:latin typeface="+mn-lt"/>
-                <a:ea typeface="+mn-ea"/>
-                <a:cs typeface="+mn-cs"/>
-              </a:rPr>
-              <a:t>를 사용하여 </a:t>
-            </a:r>
-            <a:r>
-              <a:rPr lang="ko-KR" altLang="en-US" sz="1200" b="0" i="0" kern="1200" dirty="0" err="1">
-                <a:solidFill>
-                  <a:schemeClr val="tx1"/>
-                </a:solidFill>
-                <a:effectLst/>
-                <a:latin typeface="+mn-lt"/>
-                <a:ea typeface="+mn-ea"/>
-                <a:cs typeface="+mn-cs"/>
-              </a:rPr>
-              <a:t>가상화된</a:t>
-            </a:r>
-            <a:r>
-              <a:rPr lang="ko-KR" altLang="en-US" sz="1200" b="0" i="0" kern="1200" dirty="0">
-                <a:solidFill>
-                  <a:schemeClr val="tx1"/>
-                </a:solidFill>
-                <a:effectLst/>
-                <a:latin typeface="+mn-lt"/>
-                <a:ea typeface="+mn-ea"/>
-                <a:cs typeface="+mn-cs"/>
-              </a:rPr>
-              <a:t> 하드웨어를 직접 사용할 수 있다</a:t>
-            </a:r>
-            <a:r>
-              <a:rPr lang="en-US" altLang="ko-KR" sz="1200" b="0" i="0" kern="1200" dirty="0">
-                <a:solidFill>
-                  <a:schemeClr val="tx1"/>
-                </a:solidFill>
-                <a:effectLst/>
-                <a:latin typeface="+mn-lt"/>
-                <a:ea typeface="+mn-ea"/>
-                <a:cs typeface="+mn-cs"/>
-              </a:rPr>
-              <a:t>. </a:t>
-            </a:r>
-          </a:p>
-          <a:p>
-            <a:r>
-              <a:rPr lang="en-US" altLang="ko-KR" sz="1200" b="0" i="0" kern="1200" dirty="0">
-                <a:solidFill>
-                  <a:schemeClr val="tx1"/>
-                </a:solidFill>
-                <a:effectLst/>
-                <a:latin typeface="+mn-lt"/>
-                <a:ea typeface="+mn-ea"/>
-                <a:cs typeface="+mn-cs"/>
-              </a:rPr>
-              <a:t>- VM Ware </a:t>
-            </a:r>
-          </a:p>
-          <a:p>
-            <a:endParaRPr lang="en-US" altLang="ko-KR" sz="1200" b="0" i="0" kern="1200" dirty="0">
-              <a:solidFill>
-                <a:schemeClr val="tx1"/>
-              </a:solidFill>
-              <a:effectLst/>
-              <a:latin typeface="+mn-lt"/>
-              <a:ea typeface="+mn-ea"/>
-              <a:cs typeface="+mn-cs"/>
-            </a:endParaRPr>
-          </a:p>
-          <a:p>
-            <a:r>
-              <a:rPr lang="ko-KR" altLang="en-US" sz="1200" b="0" i="0" kern="1200" dirty="0">
-                <a:solidFill>
-                  <a:schemeClr val="tx1"/>
-                </a:solidFill>
-                <a:effectLst/>
-                <a:latin typeface="+mn-lt"/>
-                <a:ea typeface="+mn-ea"/>
-                <a:cs typeface="+mn-cs"/>
-              </a:rPr>
-              <a:t>반가상화</a:t>
-            </a:r>
-            <a:endParaRPr lang="en-US" altLang="ko-KR" sz="1200" b="0" i="0" kern="1200" dirty="0">
-              <a:solidFill>
-                <a:schemeClr val="tx1"/>
-              </a:solidFill>
-              <a:effectLst/>
-              <a:latin typeface="+mn-lt"/>
-              <a:ea typeface="+mn-ea"/>
-              <a:cs typeface="+mn-cs"/>
-            </a:endParaRPr>
-          </a:p>
-          <a:p>
-            <a:pPr marL="171450" indent="-171450">
-              <a:buFontTx/>
-              <a:buChar char="-"/>
-            </a:pPr>
-            <a:r>
-              <a:rPr lang="ko-KR" altLang="en-US" sz="1200" b="0" i="0" kern="1200" dirty="0">
-                <a:solidFill>
-                  <a:schemeClr val="tx1"/>
-                </a:solidFill>
-                <a:effectLst/>
-                <a:latin typeface="+mn-lt"/>
-                <a:ea typeface="+mn-ea"/>
-                <a:cs typeface="+mn-cs"/>
-              </a:rPr>
-              <a:t>하드웨어의 모든 부분을 가상화 하여 직접 다루는 것이 아닌 </a:t>
-            </a:r>
-            <a:r>
-              <a:rPr lang="en-US" altLang="ko-KR" sz="1200" b="0" i="0" kern="1200" dirty="0">
-                <a:solidFill>
-                  <a:schemeClr val="tx1"/>
-                </a:solidFill>
-                <a:effectLst/>
-                <a:latin typeface="+mn-lt"/>
-                <a:ea typeface="+mn-ea"/>
-                <a:cs typeface="+mn-cs"/>
-              </a:rPr>
-              <a:t>CPU</a:t>
-            </a:r>
-            <a:r>
-              <a:rPr lang="ko-KR" altLang="en-US" sz="1200" b="0" i="0" kern="1200" dirty="0">
-                <a:solidFill>
-                  <a:schemeClr val="tx1"/>
-                </a:solidFill>
-                <a:effectLst/>
-                <a:latin typeface="+mn-lt"/>
-                <a:ea typeface="+mn-ea"/>
-                <a:cs typeface="+mn-cs"/>
-              </a:rPr>
-              <a:t>나 메모리에 대한 사용을 </a:t>
-            </a:r>
-            <a:r>
-              <a:rPr lang="en-US" altLang="ko-KR" sz="1200" b="0" i="0" kern="1200" dirty="0">
-                <a:solidFill>
-                  <a:schemeClr val="tx1"/>
-                </a:solidFill>
-                <a:effectLst/>
-                <a:latin typeface="+mn-lt"/>
-                <a:ea typeface="+mn-ea"/>
-                <a:cs typeface="+mn-cs"/>
-              </a:rPr>
-              <a:t>Guest OS</a:t>
-            </a:r>
-            <a:r>
-              <a:rPr lang="ko-KR" altLang="en-US" sz="1200" b="0" i="0" kern="1200" dirty="0">
-                <a:solidFill>
-                  <a:schemeClr val="tx1"/>
-                </a:solidFill>
-                <a:effectLst/>
-                <a:latin typeface="+mn-lt"/>
-                <a:ea typeface="+mn-ea"/>
-                <a:cs typeface="+mn-cs"/>
-              </a:rPr>
-              <a:t>가 처리</a:t>
-            </a:r>
-            <a:endParaRPr lang="en-US" altLang="ko-KR" sz="1200" b="0" i="0" kern="1200" dirty="0">
-              <a:solidFill>
-                <a:schemeClr val="tx1"/>
-              </a:solidFill>
-              <a:effectLst/>
-              <a:latin typeface="+mn-lt"/>
-              <a:ea typeface="+mn-ea"/>
-              <a:cs typeface="+mn-cs"/>
-            </a:endParaRPr>
-          </a:p>
-          <a:p>
-            <a:pPr marL="171450" indent="-171450">
-              <a:buFontTx/>
-              <a:buChar char="-"/>
-            </a:pPr>
-            <a:r>
-              <a:rPr lang="en-US" altLang="ko-KR" sz="1200" b="0" i="0" kern="1200" dirty="0">
-                <a:solidFill>
-                  <a:schemeClr val="tx1"/>
-                </a:solidFill>
-                <a:effectLst/>
-                <a:latin typeface="+mn-lt"/>
-                <a:ea typeface="+mn-ea"/>
-                <a:cs typeface="+mn-cs"/>
-              </a:rPr>
-              <a:t>Virtual Box</a:t>
-            </a:r>
-          </a:p>
-          <a:p>
-            <a:endParaRPr lang="en-US" altLang="ko-KR" sz="1200" b="0" i="0" kern="1200" dirty="0">
-              <a:solidFill>
-                <a:schemeClr val="tx1"/>
-              </a:solidFill>
-              <a:effectLst/>
-              <a:latin typeface="+mn-lt"/>
-              <a:ea typeface="+mn-ea"/>
-              <a:cs typeface="+mn-cs"/>
-            </a:endParaRPr>
-          </a:p>
-          <a:p>
-            <a:r>
-              <a:rPr lang="ko-KR" altLang="en-US" sz="1200" b="0" i="0" kern="1200" dirty="0">
-                <a:solidFill>
-                  <a:schemeClr val="tx1"/>
-                </a:solidFill>
-                <a:effectLst/>
-                <a:latin typeface="+mn-lt"/>
-                <a:ea typeface="+mn-ea"/>
-                <a:cs typeface="+mn-cs"/>
-              </a:rPr>
-              <a:t>차이점</a:t>
-            </a:r>
-            <a:r>
-              <a:rPr lang="en-US" altLang="ko-KR" sz="1200" b="0" i="0" kern="1200" dirty="0">
-                <a:solidFill>
-                  <a:schemeClr val="tx1"/>
-                </a:solidFill>
-                <a:effectLst/>
-                <a:latin typeface="+mn-lt"/>
-                <a:ea typeface="+mn-ea"/>
-                <a:cs typeface="+mn-cs"/>
-              </a:rPr>
-              <a:t> :</a:t>
-            </a:r>
-            <a:r>
-              <a:rPr lang="ko-KR" altLang="en-US" sz="1200" b="0" i="0" kern="1200" dirty="0">
-                <a:solidFill>
-                  <a:schemeClr val="tx1"/>
-                </a:solidFill>
-                <a:effectLst/>
-                <a:latin typeface="+mn-lt"/>
-                <a:ea typeface="+mn-ea"/>
-                <a:cs typeface="+mn-cs"/>
-              </a:rPr>
-              <a:t> 하드웨어 가상화를 얼마나 시켰냐</a:t>
-            </a:r>
-            <a:r>
-              <a:rPr lang="en-US" altLang="ko-KR" sz="1200" b="0" i="0" kern="1200" dirty="0">
-                <a:solidFill>
-                  <a:schemeClr val="tx1"/>
-                </a:solidFill>
-                <a:effectLst/>
-                <a:latin typeface="+mn-lt"/>
-                <a:ea typeface="+mn-ea"/>
-                <a:cs typeface="+mn-cs"/>
-              </a:rPr>
-              <a:t>, </a:t>
-            </a:r>
-            <a:r>
-              <a:rPr lang="ko-KR" altLang="en-US" sz="1200" b="0" i="0" kern="1200" dirty="0" err="1">
-                <a:solidFill>
-                  <a:schemeClr val="tx1"/>
-                </a:solidFill>
-                <a:effectLst/>
-                <a:latin typeface="+mn-lt"/>
-                <a:ea typeface="+mn-ea"/>
-                <a:cs typeface="+mn-cs"/>
-              </a:rPr>
-              <a:t>하이퍼바이저의</a:t>
-            </a:r>
-            <a:r>
-              <a:rPr lang="ko-KR" altLang="en-US" sz="1200" b="0" i="0" kern="1200" dirty="0">
-                <a:solidFill>
-                  <a:schemeClr val="tx1"/>
-                </a:solidFill>
-                <a:effectLst/>
-                <a:latin typeface="+mn-lt"/>
-                <a:ea typeface="+mn-ea"/>
-                <a:cs typeface="+mn-cs"/>
-              </a:rPr>
-              <a:t> 용도가 어디까지 되느냐</a:t>
-            </a:r>
             <a:endParaRPr lang="ko-KR" altLang="en-US" dirty="0"/>
           </a:p>
         </p:txBody>
@@ -14584,7 +14170,7 @@
     </p:spTree>
     <p:extLst>
       <p:ext uri="{BB962C8B-B14F-4D97-AF65-F5344CB8AC3E}">
-        <p14:creationId xmlns:p14="http://schemas.microsoft.com/office/powerpoint/2010/main" val="1879072224"/>
+        <p14:creationId xmlns:p14="http://schemas.microsoft.com/office/powerpoint/2010/main" val="875211293"/>
       </p:ext>
     </p:extLst>
   </p:cSld>
@@ -14668,7 +14254,7 @@
     </p:spTree>
     <p:extLst>
       <p:ext uri="{BB962C8B-B14F-4D97-AF65-F5344CB8AC3E}">
-        <p14:creationId xmlns:p14="http://schemas.microsoft.com/office/powerpoint/2010/main" val="2263515559"/>
+        <p14:creationId xmlns:p14="http://schemas.microsoft.com/office/powerpoint/2010/main" val="1999087255"/>
       </p:ext>
     </p:extLst>
   </p:cSld>
@@ -14722,6 +14308,442 @@
           <a:bodyPr/>
           <a:lstStyle/>
           <a:p>
+            <a:r>
+              <a:rPr lang="ko-KR" altLang="en-US" sz="1200" b="0" i="0" kern="1200" dirty="0">
+                <a:solidFill>
+                  <a:schemeClr val="tx1"/>
+                </a:solidFill>
+                <a:effectLst/>
+                <a:latin typeface="+mn-lt"/>
+                <a:ea typeface="+mn-ea"/>
+                <a:cs typeface="+mn-cs"/>
+              </a:rPr>
+              <a:t>전가상화</a:t>
+            </a:r>
+            <a:endParaRPr lang="en-US" altLang="ko-KR" sz="1200" b="0" i="0" kern="1200" dirty="0">
+              <a:solidFill>
+                <a:schemeClr val="tx1"/>
+              </a:solidFill>
+              <a:effectLst/>
+              <a:latin typeface="+mn-lt"/>
+              <a:ea typeface="+mn-ea"/>
+              <a:cs typeface="+mn-cs"/>
+            </a:endParaRPr>
+          </a:p>
+          <a:p>
+            <a:r>
+              <a:rPr lang="en-US" altLang="ko-KR" sz="1200" b="0" i="0" kern="1200" dirty="0">
+                <a:solidFill>
+                  <a:schemeClr val="tx1"/>
+                </a:solidFill>
+                <a:effectLst/>
+                <a:latin typeface="+mn-lt"/>
+                <a:ea typeface="+mn-ea"/>
+                <a:cs typeface="+mn-cs"/>
+              </a:rPr>
+              <a:t>- VM</a:t>
+            </a:r>
+            <a:r>
+              <a:rPr lang="ko-KR" altLang="en-US" sz="1200" b="0" i="0" kern="1200" dirty="0">
+                <a:solidFill>
+                  <a:schemeClr val="tx1"/>
+                </a:solidFill>
+                <a:effectLst/>
+                <a:latin typeface="+mn-lt"/>
+                <a:ea typeface="+mn-ea"/>
+                <a:cs typeface="+mn-cs"/>
+              </a:rPr>
+              <a:t>과 같은 </a:t>
+            </a:r>
+            <a:r>
+              <a:rPr lang="en-US" altLang="ko-KR" sz="1200" b="0" i="0" kern="1200" dirty="0">
+                <a:solidFill>
+                  <a:schemeClr val="tx1"/>
+                </a:solidFill>
+                <a:effectLst/>
+                <a:latin typeface="+mn-lt"/>
+                <a:ea typeface="+mn-ea"/>
+                <a:cs typeface="+mn-cs"/>
+              </a:rPr>
+              <a:t>Guest OS</a:t>
+            </a:r>
+            <a:r>
+              <a:rPr lang="ko-KR" altLang="en-US" sz="1200" b="0" i="0" kern="1200" dirty="0">
+                <a:solidFill>
+                  <a:schemeClr val="tx1"/>
+                </a:solidFill>
+                <a:effectLst/>
+                <a:latin typeface="+mn-lt"/>
+                <a:ea typeface="+mn-ea"/>
+                <a:cs typeface="+mn-cs"/>
+              </a:rPr>
+              <a:t>의 수정 없이 하드웨어 그 자체를 </a:t>
+            </a:r>
+            <a:r>
+              <a:rPr lang="ko-KR" altLang="en-US" sz="1200" b="0" i="0" kern="1200" dirty="0" err="1">
+                <a:solidFill>
+                  <a:schemeClr val="tx1"/>
+                </a:solidFill>
+                <a:effectLst/>
+                <a:latin typeface="+mn-lt"/>
+                <a:ea typeface="+mn-ea"/>
+                <a:cs typeface="+mn-cs"/>
+              </a:rPr>
+              <a:t>가상화하여</a:t>
+            </a:r>
+            <a:r>
+              <a:rPr lang="ko-KR" altLang="en-US" sz="1200" b="0" i="0" kern="1200" dirty="0">
+                <a:solidFill>
+                  <a:schemeClr val="tx1"/>
+                </a:solidFill>
+                <a:effectLst/>
+                <a:latin typeface="+mn-lt"/>
+                <a:ea typeface="+mn-ea"/>
+                <a:cs typeface="+mn-cs"/>
+              </a:rPr>
+              <a:t> 사용하는 방식이다</a:t>
+            </a:r>
+            <a:br>
+              <a:rPr lang="ko-KR" altLang="en-US" dirty="0"/>
+            </a:br>
+            <a:r>
+              <a:rPr lang="en-US" altLang="ko-KR" dirty="0"/>
+              <a:t>- </a:t>
+            </a:r>
+            <a:r>
+              <a:rPr lang="en-US" altLang="ko-KR" sz="1200" b="0" i="0" kern="1200" dirty="0">
+                <a:solidFill>
+                  <a:schemeClr val="tx1"/>
+                </a:solidFill>
+                <a:effectLst/>
+                <a:latin typeface="+mn-lt"/>
+                <a:ea typeface="+mn-ea"/>
+                <a:cs typeface="+mn-cs"/>
+              </a:rPr>
+              <a:t>Guest</a:t>
+            </a:r>
+            <a:r>
+              <a:rPr lang="ko-KR" altLang="en-US" sz="1200" b="0" i="0" kern="1200" dirty="0">
+                <a:solidFill>
+                  <a:schemeClr val="tx1"/>
+                </a:solidFill>
+                <a:effectLst/>
+                <a:latin typeface="+mn-lt"/>
+                <a:ea typeface="+mn-ea"/>
+                <a:cs typeface="+mn-cs"/>
+              </a:rPr>
+              <a:t>와 </a:t>
+            </a:r>
+            <a:r>
+              <a:rPr lang="en-US" altLang="ko-KR" sz="1200" b="0" i="0" kern="1200" dirty="0">
+                <a:solidFill>
+                  <a:schemeClr val="tx1"/>
+                </a:solidFill>
+                <a:effectLst/>
+                <a:latin typeface="+mn-lt"/>
+                <a:ea typeface="+mn-ea"/>
+                <a:cs typeface="+mn-cs"/>
+              </a:rPr>
+              <a:t>Host </a:t>
+            </a:r>
+            <a:r>
+              <a:rPr lang="ko-KR" altLang="en-US" sz="1200" b="0" i="0" kern="1200" dirty="0">
+                <a:solidFill>
+                  <a:schemeClr val="tx1"/>
+                </a:solidFill>
+                <a:effectLst/>
+                <a:latin typeface="+mn-lt"/>
+                <a:ea typeface="+mn-ea"/>
+                <a:cs typeface="+mn-cs"/>
+              </a:rPr>
+              <a:t>간의 통신 역할을 해주는 </a:t>
+            </a:r>
+            <a:r>
+              <a:rPr lang="en-US" altLang="ko-KR" sz="1200" b="0" i="0" kern="1200" dirty="0">
+                <a:solidFill>
+                  <a:schemeClr val="tx1"/>
+                </a:solidFill>
+                <a:effectLst/>
+                <a:latin typeface="+mn-lt"/>
+                <a:ea typeface="+mn-ea"/>
+                <a:cs typeface="+mn-cs"/>
+              </a:rPr>
+              <a:t>Hypervisor</a:t>
+            </a:r>
+            <a:r>
+              <a:rPr lang="ko-KR" altLang="en-US" sz="1200" b="0" i="0" kern="1200" dirty="0">
+                <a:solidFill>
+                  <a:schemeClr val="tx1"/>
+                </a:solidFill>
+                <a:effectLst/>
+                <a:latin typeface="+mn-lt"/>
+                <a:ea typeface="+mn-ea"/>
+                <a:cs typeface="+mn-cs"/>
+              </a:rPr>
+              <a:t>를 사용하여 </a:t>
+            </a:r>
+            <a:r>
+              <a:rPr lang="ko-KR" altLang="en-US" sz="1200" b="0" i="0" kern="1200" dirty="0" err="1">
+                <a:solidFill>
+                  <a:schemeClr val="tx1"/>
+                </a:solidFill>
+                <a:effectLst/>
+                <a:latin typeface="+mn-lt"/>
+                <a:ea typeface="+mn-ea"/>
+                <a:cs typeface="+mn-cs"/>
+              </a:rPr>
+              <a:t>가상화된</a:t>
+            </a:r>
+            <a:r>
+              <a:rPr lang="ko-KR" altLang="en-US" sz="1200" b="0" i="0" kern="1200" dirty="0">
+                <a:solidFill>
+                  <a:schemeClr val="tx1"/>
+                </a:solidFill>
+                <a:effectLst/>
+                <a:latin typeface="+mn-lt"/>
+                <a:ea typeface="+mn-ea"/>
+                <a:cs typeface="+mn-cs"/>
+              </a:rPr>
+              <a:t> 하드웨어를 직접 사용할 수 있다</a:t>
+            </a:r>
+            <a:r>
+              <a:rPr lang="en-US" altLang="ko-KR" sz="1200" b="0" i="0" kern="1200" dirty="0">
+                <a:solidFill>
+                  <a:schemeClr val="tx1"/>
+                </a:solidFill>
+                <a:effectLst/>
+                <a:latin typeface="+mn-lt"/>
+                <a:ea typeface="+mn-ea"/>
+                <a:cs typeface="+mn-cs"/>
+              </a:rPr>
+              <a:t>. </a:t>
+            </a:r>
+          </a:p>
+          <a:p>
+            <a:r>
+              <a:rPr lang="en-US" altLang="ko-KR" sz="1200" b="0" i="0" kern="1200" dirty="0">
+                <a:solidFill>
+                  <a:schemeClr val="tx1"/>
+                </a:solidFill>
+                <a:effectLst/>
+                <a:latin typeface="+mn-lt"/>
+                <a:ea typeface="+mn-ea"/>
+                <a:cs typeface="+mn-cs"/>
+              </a:rPr>
+              <a:t>- VM Ware </a:t>
+            </a:r>
+          </a:p>
+          <a:p>
+            <a:endParaRPr lang="en-US" altLang="ko-KR" sz="1200" b="0" i="0" kern="1200" dirty="0">
+              <a:solidFill>
+                <a:schemeClr val="tx1"/>
+              </a:solidFill>
+              <a:effectLst/>
+              <a:latin typeface="+mn-lt"/>
+              <a:ea typeface="+mn-ea"/>
+              <a:cs typeface="+mn-cs"/>
+            </a:endParaRPr>
+          </a:p>
+          <a:p>
+            <a:r>
+              <a:rPr lang="ko-KR" altLang="en-US" sz="1200" b="0" i="0" kern="1200" dirty="0">
+                <a:solidFill>
+                  <a:schemeClr val="tx1"/>
+                </a:solidFill>
+                <a:effectLst/>
+                <a:latin typeface="+mn-lt"/>
+                <a:ea typeface="+mn-ea"/>
+                <a:cs typeface="+mn-cs"/>
+              </a:rPr>
+              <a:t>반가상화</a:t>
+            </a:r>
+            <a:endParaRPr lang="en-US" altLang="ko-KR" sz="1200" b="0" i="0" kern="1200" dirty="0">
+              <a:solidFill>
+                <a:schemeClr val="tx1"/>
+              </a:solidFill>
+              <a:effectLst/>
+              <a:latin typeface="+mn-lt"/>
+              <a:ea typeface="+mn-ea"/>
+              <a:cs typeface="+mn-cs"/>
+            </a:endParaRPr>
+          </a:p>
+          <a:p>
+            <a:pPr marL="171450" indent="-171450">
+              <a:buFontTx/>
+              <a:buChar char="-"/>
+            </a:pPr>
+            <a:r>
+              <a:rPr lang="ko-KR" altLang="en-US" sz="1200" b="0" i="0" kern="1200" dirty="0">
+                <a:solidFill>
+                  <a:schemeClr val="tx1"/>
+                </a:solidFill>
+                <a:effectLst/>
+                <a:latin typeface="+mn-lt"/>
+                <a:ea typeface="+mn-ea"/>
+                <a:cs typeface="+mn-cs"/>
+              </a:rPr>
+              <a:t>하드웨어의 모든 부분을 가상화 하여 직접 다루는 것이 아닌 </a:t>
+            </a:r>
+            <a:r>
+              <a:rPr lang="en-US" altLang="ko-KR" sz="1200" b="0" i="0" kern="1200" dirty="0">
+                <a:solidFill>
+                  <a:schemeClr val="tx1"/>
+                </a:solidFill>
+                <a:effectLst/>
+                <a:latin typeface="+mn-lt"/>
+                <a:ea typeface="+mn-ea"/>
+                <a:cs typeface="+mn-cs"/>
+              </a:rPr>
+              <a:t>CPU</a:t>
+            </a:r>
+            <a:r>
+              <a:rPr lang="ko-KR" altLang="en-US" sz="1200" b="0" i="0" kern="1200" dirty="0">
+                <a:solidFill>
+                  <a:schemeClr val="tx1"/>
+                </a:solidFill>
+                <a:effectLst/>
+                <a:latin typeface="+mn-lt"/>
+                <a:ea typeface="+mn-ea"/>
+                <a:cs typeface="+mn-cs"/>
+              </a:rPr>
+              <a:t>나 메모리에 대한 사용을 </a:t>
+            </a:r>
+            <a:r>
+              <a:rPr lang="en-US" altLang="ko-KR" sz="1200" b="0" i="0" kern="1200" dirty="0">
+                <a:solidFill>
+                  <a:schemeClr val="tx1"/>
+                </a:solidFill>
+                <a:effectLst/>
+                <a:latin typeface="+mn-lt"/>
+                <a:ea typeface="+mn-ea"/>
+                <a:cs typeface="+mn-cs"/>
+              </a:rPr>
+              <a:t>Guest OS</a:t>
+            </a:r>
+            <a:r>
+              <a:rPr lang="ko-KR" altLang="en-US" sz="1200" b="0" i="0" kern="1200" dirty="0">
+                <a:solidFill>
+                  <a:schemeClr val="tx1"/>
+                </a:solidFill>
+                <a:effectLst/>
+                <a:latin typeface="+mn-lt"/>
+                <a:ea typeface="+mn-ea"/>
+                <a:cs typeface="+mn-cs"/>
+              </a:rPr>
+              <a:t>가 처리</a:t>
+            </a:r>
+            <a:endParaRPr lang="en-US" altLang="ko-KR" sz="1200" b="0" i="0" kern="1200" dirty="0">
+              <a:solidFill>
+                <a:schemeClr val="tx1"/>
+              </a:solidFill>
+              <a:effectLst/>
+              <a:latin typeface="+mn-lt"/>
+              <a:ea typeface="+mn-ea"/>
+              <a:cs typeface="+mn-cs"/>
+            </a:endParaRPr>
+          </a:p>
+          <a:p>
+            <a:pPr marL="171450" indent="-171450">
+              <a:buFontTx/>
+              <a:buChar char="-"/>
+            </a:pPr>
+            <a:r>
+              <a:rPr lang="en-US" altLang="ko-KR" sz="1200" b="0" i="0" kern="1200" dirty="0">
+                <a:solidFill>
+                  <a:schemeClr val="tx1"/>
+                </a:solidFill>
+                <a:effectLst/>
+                <a:latin typeface="+mn-lt"/>
+                <a:ea typeface="+mn-ea"/>
+                <a:cs typeface="+mn-cs"/>
+              </a:rPr>
+              <a:t>Virtual Box</a:t>
+            </a:r>
+          </a:p>
+          <a:p>
+            <a:endParaRPr lang="en-US" altLang="ko-KR" sz="1200" b="0" i="0" kern="1200" dirty="0">
+              <a:solidFill>
+                <a:schemeClr val="tx1"/>
+              </a:solidFill>
+              <a:effectLst/>
+              <a:latin typeface="+mn-lt"/>
+              <a:ea typeface="+mn-ea"/>
+              <a:cs typeface="+mn-cs"/>
+            </a:endParaRPr>
+          </a:p>
+          <a:p>
+            <a:r>
+              <a:rPr lang="ko-KR" altLang="en-US" sz="1200" b="0" i="0" kern="1200" dirty="0">
+                <a:solidFill>
+                  <a:schemeClr val="tx1"/>
+                </a:solidFill>
+                <a:effectLst/>
+                <a:latin typeface="+mn-lt"/>
+                <a:ea typeface="+mn-ea"/>
+                <a:cs typeface="+mn-cs"/>
+              </a:rPr>
+              <a:t>차이점</a:t>
+            </a:r>
+            <a:r>
+              <a:rPr lang="en-US" altLang="ko-KR" sz="1200" b="0" i="0" kern="1200" dirty="0">
+                <a:solidFill>
+                  <a:schemeClr val="tx1"/>
+                </a:solidFill>
+                <a:effectLst/>
+                <a:latin typeface="+mn-lt"/>
+                <a:ea typeface="+mn-ea"/>
+                <a:cs typeface="+mn-cs"/>
+              </a:rPr>
+              <a:t> :</a:t>
+            </a:r>
+            <a:r>
+              <a:rPr lang="ko-KR" altLang="en-US" sz="1200" b="0" i="0" kern="1200" dirty="0">
+                <a:solidFill>
+                  <a:schemeClr val="tx1"/>
+                </a:solidFill>
+                <a:effectLst/>
+                <a:latin typeface="+mn-lt"/>
+                <a:ea typeface="+mn-ea"/>
+                <a:cs typeface="+mn-cs"/>
+              </a:rPr>
+              <a:t> 하드웨어 가상화를 얼마나 시켰냐</a:t>
+            </a:r>
+            <a:r>
+              <a:rPr lang="en-US" altLang="ko-KR" sz="1200" b="0" i="0" kern="1200" dirty="0">
+                <a:solidFill>
+                  <a:schemeClr val="tx1"/>
+                </a:solidFill>
+                <a:effectLst/>
+                <a:latin typeface="+mn-lt"/>
+                <a:ea typeface="+mn-ea"/>
+                <a:cs typeface="+mn-cs"/>
+              </a:rPr>
+              <a:t>, </a:t>
+            </a:r>
+            <a:r>
+              <a:rPr lang="ko-KR" altLang="en-US" sz="1200" b="0" i="0" kern="1200" dirty="0" err="1">
+                <a:solidFill>
+                  <a:schemeClr val="tx1"/>
+                </a:solidFill>
+                <a:effectLst/>
+                <a:latin typeface="+mn-lt"/>
+                <a:ea typeface="+mn-ea"/>
+                <a:cs typeface="+mn-cs"/>
+              </a:rPr>
+              <a:t>하이퍼바이저의</a:t>
+            </a:r>
+            <a:r>
+              <a:rPr lang="ko-KR" altLang="en-US" sz="1200" b="0" i="0" kern="1200" dirty="0">
+                <a:solidFill>
+                  <a:schemeClr val="tx1"/>
+                </a:solidFill>
+                <a:effectLst/>
+                <a:latin typeface="+mn-lt"/>
+                <a:ea typeface="+mn-ea"/>
+                <a:cs typeface="+mn-cs"/>
+              </a:rPr>
+              <a:t> 용도가 어디까지 되느냐</a:t>
+            </a:r>
             <a:endParaRPr lang="ko-KR" altLang="en-US" dirty="0"/>
           </a:p>
         </p:txBody>
@@ -14752,7 +14774,7 @@
     </p:spTree>
     <p:extLst>
       <p:ext uri="{BB962C8B-B14F-4D97-AF65-F5344CB8AC3E}">
-        <p14:creationId xmlns:p14="http://schemas.microsoft.com/office/powerpoint/2010/main" val="4005441881"/>
+        <p14:creationId xmlns:p14="http://schemas.microsoft.com/office/powerpoint/2010/main" val="1879072224"/>
       </p:ext>
     </p:extLst>
   </p:cSld>
@@ -14806,20 +14828,7 @@
           <a:bodyPr/>
           <a:lstStyle/>
           <a:p>
-            <a:r>
-              <a:rPr lang="ko-KR" altLang="en-US" dirty="0"/>
-              <a:t>하드웨어 가상화가 아닌 실행환경의 분리</a:t>
-            </a:r>
-            <a:r>
-              <a:rPr lang="en-US" altLang="ko-KR" dirty="0"/>
-              <a:t>(isolation)</a:t>
-            </a:r>
-          </a:p>
-          <a:p>
-            <a:r>
-              <a:rPr lang="ko-KR" altLang="en-US" dirty="0"/>
-              <a:t>각 컨테이너간 영향을 분리</a:t>
-            </a:r>
+            <a:endParaRPr lang="ko-KR" altLang="en-US" dirty="0"/>
           </a:p>
         </p:txBody>
       </p:sp>
@@ -14849,7 +14858,7 @@
     </p:spTree>
     <p:extLst>
       <p:ext uri="{BB962C8B-B14F-4D97-AF65-F5344CB8AC3E}">
-        <p14:creationId xmlns:p14="http://schemas.microsoft.com/office/powerpoint/2010/main" val="3425381642"/>
+        <p14:creationId xmlns:p14="http://schemas.microsoft.com/office/powerpoint/2010/main" val="2263515559"/>
       </p:ext>
     </p:extLst>
   </p:cSld>
@@ -14904,20 +14913,18 @@
           <a:lstStyle/>
           <a:p>
             <a:r>
-              <a:rPr lang="en-US" altLang="ko-KR" dirty="0" err="1"/>
-              <a:t>Libcontainer</a:t>
-            </a:r>
-            <a:r>
               <a:rPr lang="ko-KR" altLang="en-US" dirty="0"/>
-              <a:t>라는 별도의 실행 드라이버를 만들어 </a:t>
+              <a:t>하드웨어 가상화가 아닌 실행환경의 분리</a:t>
             </a:r>
             <a:r>
               <a:rPr lang="en-US" altLang="ko-KR" dirty="0"/>
-              <a:t>MacOS</a:t>
-            </a:r>
+              <a:t>(isolation)</a:t>
+            </a:r>
+          </a:p>
+          <a:p>
             <a:r>
               <a:rPr lang="ko-KR" altLang="en-US" dirty="0"/>
-              <a:t>나 윈도우에서도 사용 가능성 생김</a:t>
+              <a:t>각 컨테이너간 영향을 분리</a:t>
             </a:r>
           </a:p>
         </p:txBody>
@@ -14948,7 +14955,7 @@
     </p:spTree>
     <p:extLst>
       <p:ext uri="{BB962C8B-B14F-4D97-AF65-F5344CB8AC3E}">
-        <p14:creationId xmlns:p14="http://schemas.microsoft.com/office/powerpoint/2010/main" val="730911965"/>
+        <p14:creationId xmlns:p14="http://schemas.microsoft.com/office/powerpoint/2010/main" val="508634663"/>
       </p:ext>
     </p:extLst>
   </p:cSld>
@@ -15002,53 +15009,7 @@
           <a:bodyPr/>
           <a:lstStyle/>
           <a:p>
-            <a:r>
-              <a:rPr lang="en-US" altLang="ko-KR" dirty="0"/>
-              <a:t>LXD</a:t>
-            </a:r>
-            <a:r>
-              <a:rPr lang="ko-KR" altLang="en-US" dirty="0"/>
-              <a:t> </a:t>
-            </a:r>
-            <a:r>
-              <a:rPr lang="en-US" altLang="ko-KR" dirty="0"/>
-              <a:t>=</a:t>
-            </a:r>
-            <a:r>
-              <a:rPr lang="ko-KR" altLang="en-US" dirty="0"/>
-              <a:t> </a:t>
-            </a:r>
-            <a:r>
-              <a:rPr lang="en-US" altLang="ko-KR" dirty="0"/>
-              <a:t>LXC</a:t>
-            </a:r>
-            <a:r>
-              <a:rPr lang="ko-KR" altLang="en-US" dirty="0"/>
-              <a:t> </a:t>
-            </a:r>
-            <a:r>
-              <a:rPr lang="en-US" altLang="ko-KR" dirty="0"/>
-              <a:t>+</a:t>
-            </a:r>
-            <a:r>
-              <a:rPr lang="ko-KR" altLang="en-US" dirty="0"/>
-              <a:t> 보안</a:t>
-            </a:r>
-            <a:endParaRPr lang="en-US" altLang="ko-KR" dirty="0"/>
-          </a:p>
-          <a:p>
-            <a:r>
-              <a:rPr lang="ko-KR" altLang="en-US" dirty="0"/>
-              <a:t>경쟁 </a:t>
-            </a:r>
-            <a:r>
-              <a:rPr lang="ko-KR" altLang="en-US" dirty="0" err="1"/>
-              <a:t>기술이라기</a:t>
-            </a:r>
-            <a:r>
-              <a:rPr lang="ko-KR" altLang="en-US" dirty="0"/>
-              <a:t> 보다는 보완관계</a:t>
-            </a:r>
+            <a:endParaRPr lang="ko-KR" altLang="en-US" dirty="0"/>
           </a:p>
         </p:txBody>
       </p:sp>
@@ -15078,7 +15039,7 @@
     </p:spTree>
     <p:extLst>
       <p:ext uri="{BB962C8B-B14F-4D97-AF65-F5344CB8AC3E}">
-        <p14:creationId xmlns:p14="http://schemas.microsoft.com/office/powerpoint/2010/main" val="1386906717"/>
+        <p14:creationId xmlns:p14="http://schemas.microsoft.com/office/powerpoint/2010/main" val="4005441881"/>
       </p:ext>
     </p:extLst>
   </p:cSld>
@@ -15133,51 +15094,20 @@
           <a:lstStyle/>
           <a:p>
             <a:r>
+              <a:rPr lang="en-US" altLang="ko-KR" dirty="0" err="1"/>
+              <a:t>Libcontainer</a:t>
+            </a:r>
+            <a:r>
+              <a:rPr lang="ko-KR" altLang="en-US" dirty="0"/>
+              <a:t>라는 별도의 실행 드라이버를 만들어 </a:t>
+            </a:r>
+            <a:r>
               <a:rPr lang="en-US" altLang="ko-KR" dirty="0"/>
-              <a:t>LXD</a:t>
+              <a:t>MacOS</a:t>
             </a:r>
             <a:r>
               <a:rPr lang="ko-KR" altLang="en-US" dirty="0"/>
-              <a:t> </a:t>
-            </a:r>
-            <a:r>
-              <a:rPr lang="en-US" altLang="ko-KR" dirty="0"/>
-              <a:t>=</a:t>
-            </a:r>
-            <a:r>
-              <a:rPr lang="ko-KR" altLang="en-US" dirty="0"/>
-              <a:t> </a:t>
-            </a:r>
-            <a:r>
-              <a:rPr lang="en-US" altLang="ko-KR" dirty="0"/>
-              <a:t>LXC</a:t>
-            </a:r>
-            <a:r>
-              <a:rPr lang="ko-KR" altLang="en-US" dirty="0"/>
-              <a:t> </a:t>
-            </a:r>
-            <a:r>
-              <a:rPr lang="en-US" altLang="ko-KR" dirty="0"/>
-              <a:t>+</a:t>
-            </a:r>
-            <a:r>
-              <a:rPr lang="ko-KR" altLang="en-US" dirty="0"/>
-              <a:t> 보안</a:t>
-            </a:r>
-            <a:endParaRPr lang="en-US" altLang="ko-KR" dirty="0"/>
-          </a:p>
-          <a:p>
-            <a:r>
-              <a:rPr lang="ko-KR" altLang="en-US" dirty="0"/>
-              <a:t>경쟁 </a:t>
-            </a:r>
-            <a:r>
-              <a:rPr lang="ko-KR" altLang="en-US" dirty="0" err="1"/>
-              <a:t>기술이라기</a:t>
-            </a:r>
-            <a:r>
-              <a:rPr lang="ko-KR" altLang="en-US" dirty="0"/>
-              <a:t> 보다는 보완관계</a:t>
+              <a:t>나 윈도우에서도 사용 가능성 생김</a:t>
             </a:r>
           </a:p>
         </p:txBody>
@@ -15208,7 +15138,7 @@
     </p:spTree>
     <p:extLst>
       <p:ext uri="{BB962C8B-B14F-4D97-AF65-F5344CB8AC3E}">
-        <p14:creationId xmlns:p14="http://schemas.microsoft.com/office/powerpoint/2010/main" val="2559943777"/>
+        <p14:creationId xmlns:p14="http://schemas.microsoft.com/office/powerpoint/2010/main" val="730911965"/>
       </p:ext>
     </p:extLst>
   </p:cSld>
@@ -15263,80 +15193,52 @@
           <a:lstStyle/>
           <a:p>
             <a:r>
-              <a:rPr lang="ko-KR" altLang="en-US" sz="1200" b="0" i="0" kern="1200" dirty="0">
-                <a:solidFill>
-                  <a:schemeClr val="tx1"/>
-                </a:solidFill>
-                <a:effectLst/>
-                <a:latin typeface="+mn-lt"/>
-                <a:ea typeface="+mn-ea"/>
-                <a:cs typeface="+mn-cs"/>
-              </a:rPr>
-              <a:t> 뭘 하라고 명령어를 전달하지 않았기 때문에 컨테이너는 </a:t>
-            </a:r>
-            <a:r>
-              <a:rPr lang="ko-KR" altLang="en-US" sz="1200" b="0" i="0" kern="1200" dirty="0" err="1">
-                <a:solidFill>
-                  <a:schemeClr val="tx1"/>
-                </a:solidFill>
-                <a:effectLst/>
-                <a:latin typeface="+mn-lt"/>
-                <a:ea typeface="+mn-ea"/>
-                <a:cs typeface="+mn-cs"/>
-              </a:rPr>
-              <a:t>생성되자마자</a:t>
-            </a:r>
-            <a:r>
-              <a:rPr lang="ko-KR" altLang="en-US" sz="1200" b="0" i="0" kern="1200" dirty="0">
-                <a:solidFill>
-                  <a:schemeClr val="tx1"/>
-                </a:solidFill>
-                <a:effectLst/>
-                <a:latin typeface="+mn-lt"/>
-                <a:ea typeface="+mn-ea"/>
-                <a:cs typeface="+mn-cs"/>
-              </a:rPr>
-              <a:t> 종료됩니다</a:t>
-            </a:r>
-            <a:r>
-              <a:rPr lang="en-US" altLang="ko-KR" sz="1200" b="0" i="0" kern="1200" dirty="0">
-                <a:solidFill>
-                  <a:schemeClr val="tx1"/>
-                </a:solidFill>
-                <a:effectLst/>
-                <a:latin typeface="+mn-lt"/>
-                <a:ea typeface="+mn-ea"/>
-                <a:cs typeface="+mn-cs"/>
-              </a:rPr>
-              <a:t>.</a:t>
-            </a:r>
-          </a:p>
-          <a:p>
-            <a:r>
-              <a:rPr lang="ko-KR" altLang="en-US" sz="1200" b="0" i="0" kern="1200" dirty="0">
-                <a:solidFill>
-                  <a:schemeClr val="tx1"/>
-                </a:solidFill>
-                <a:effectLst/>
-                <a:latin typeface="+mn-lt"/>
-                <a:ea typeface="+mn-ea"/>
-                <a:cs typeface="+mn-cs"/>
-              </a:rPr>
-              <a:t>컨테이너는 프로세스이기 때문에 실행중인 프로세스가 없으면 종료된다</a:t>
-            </a:r>
-            <a:r>
-              <a:rPr lang="en-US" altLang="ko-KR" sz="1200" b="0" i="0" kern="1200" dirty="0">
-                <a:solidFill>
-                  <a:schemeClr val="tx1"/>
-                </a:solidFill>
-                <a:effectLst/>
-                <a:latin typeface="+mn-lt"/>
-                <a:ea typeface="+mn-ea"/>
-                <a:cs typeface="+mn-cs"/>
-              </a:rPr>
-              <a:t>.</a:t>
-            </a:r>
-            <a:endParaRPr lang="ko-KR" altLang="en-US" dirty="0"/>
+              <a:rPr lang="en-US" altLang="ko-KR" dirty="0"/>
+              <a:t>LXD</a:t>
+            </a:r>
+            <a:r>
+              <a:rPr lang="ko-KR" altLang="en-US" dirty="0"/>
+              <a:t> </a:t>
+            </a:r>
+            <a:r>
+              <a:rPr lang="en-US" altLang="ko-KR" dirty="0"/>
+              <a:t>=</a:t>
+            </a:r>
+            <a:r>
+              <a:rPr lang="ko-KR" altLang="en-US" dirty="0"/>
+              <a:t> </a:t>
+            </a:r>
+            <a:r>
+              <a:rPr lang="en-US" altLang="ko-KR" dirty="0"/>
+              <a:t>LXC</a:t>
+            </a:r>
+            <a:r>
+              <a:rPr lang="ko-KR" altLang="en-US" dirty="0"/>
+              <a:t> </a:t>
+            </a:r>
+            <a:r>
+              <a:rPr lang="en-US" altLang="ko-KR" dirty="0"/>
+              <a:t>+</a:t>
+            </a:r>
+            <a:r>
+              <a:rPr lang="ko-KR" altLang="en-US" dirty="0"/>
+              <a:t> 보안</a:t>
+            </a:r>
+            <a:endParaRPr lang="en-US" altLang="ko-KR" dirty="0"/>
+          </a:p>
+          <a:p>
+            <a:r>
+              <a:rPr lang="ko-KR" altLang="en-US" dirty="0"/>
+              <a:t>경쟁 </a:t>
+            </a:r>
+            <a:r>
+              <a:rPr lang="ko-KR" altLang="en-US" dirty="0" err="1"/>
+              <a:t>기술이라기</a:t>
+            </a:r>
+            <a:r>
+              <a:rPr lang="ko-KR" altLang="en-US" dirty="0"/>
+              <a:t> 보다는 보완관계</a:t>
+            </a:r>
           </a:p>
         </p:txBody>
       </p:sp>
@@ -15366,7 +15268,7 @@
     </p:spTree>
     <p:extLst>
       <p:ext uri="{BB962C8B-B14F-4D97-AF65-F5344CB8AC3E}">
-        <p14:creationId xmlns:p14="http://schemas.microsoft.com/office/powerpoint/2010/main" val="2907818818"/>
+        <p14:creationId xmlns:p14="http://schemas.microsoft.com/office/powerpoint/2010/main" val="1386906717"/>
       </p:ext>
     </p:extLst>
   </p:cSld>
@@ -15420,7 +15322,22 @@
           <a:bodyPr/>
           <a:lstStyle/>
           <a:p>
-            <a:endParaRPr lang="ko-KR" altLang="en-US" dirty="0"/>
+            <a:r>
+              <a:rPr lang="en-US" altLang="ko-KR" dirty="0" err="1"/>
+              <a:t>Libcontainer</a:t>
+            </a:r>
+            <a:r>
+              <a:rPr lang="ko-KR" altLang="en-US" dirty="0"/>
+              <a:t>라는 별도의 실행 드라이버를 만들어 </a:t>
+            </a:r>
+            <a:r>
+              <a:rPr lang="en-US" altLang="ko-KR" dirty="0"/>
+              <a:t>MacOS</a:t>
+            </a:r>
+            <a:r>
+              <a:rPr lang="ko-KR" altLang="en-US" dirty="0"/>
+              <a:t>나 윈도우에서도 사용 가능성 생김</a:t>
+            </a:r>
           </a:p>
         </p:txBody>
       </p:sp>
@@ -15450,7 +15367,7 @@
     </p:spTree>
     <p:extLst>
       <p:ext uri="{BB962C8B-B14F-4D97-AF65-F5344CB8AC3E}">
-        <p14:creationId xmlns:p14="http://schemas.microsoft.com/office/powerpoint/2010/main" val="949584474"/>
+        <p14:creationId xmlns:p14="http://schemas.microsoft.com/office/powerpoint/2010/main" val="1431975481"/>
       </p:ext>
     </p:extLst>
   </p:cSld>
@@ -15588,7 +15505,53 @@
           <a:bodyPr/>
           <a:lstStyle/>
           <a:p>
-            <a:endParaRPr lang="ko-KR" altLang="en-US" dirty="0"/>
+            <a:r>
+              <a:rPr lang="en-US" altLang="ko-KR" dirty="0"/>
+              <a:t>LXD</a:t>
+            </a:r>
+            <a:r>
+              <a:rPr lang="ko-KR" altLang="en-US" dirty="0"/>
+              <a:t> </a:t>
+            </a:r>
+            <a:r>
+              <a:rPr lang="en-US" altLang="ko-KR" dirty="0"/>
+              <a:t>=</a:t>
+            </a:r>
+            <a:r>
+              <a:rPr lang="ko-KR" altLang="en-US" dirty="0"/>
+              <a:t> </a:t>
+            </a:r>
+            <a:r>
+              <a:rPr lang="en-US" altLang="ko-KR" dirty="0"/>
+              <a:t>LXC</a:t>
+            </a:r>
+            <a:r>
+              <a:rPr lang="ko-KR" altLang="en-US" dirty="0"/>
+              <a:t> </a:t>
+            </a:r>
+            <a:r>
+              <a:rPr lang="en-US" altLang="ko-KR" dirty="0"/>
+              <a:t>+</a:t>
+            </a:r>
+            <a:r>
+              <a:rPr lang="ko-KR" altLang="en-US" dirty="0"/>
+              <a:t> 보안</a:t>
+            </a:r>
+            <a:endParaRPr lang="en-US" altLang="ko-KR" dirty="0"/>
+          </a:p>
+          <a:p>
+            <a:r>
+              <a:rPr lang="ko-KR" altLang="en-US" dirty="0"/>
+              <a:t>경쟁 </a:t>
+            </a:r>
+            <a:r>
+              <a:rPr lang="ko-KR" altLang="en-US" dirty="0" err="1"/>
+              <a:t>기술이라기</a:t>
+            </a:r>
+            <a:r>
+              <a:rPr lang="ko-KR" altLang="en-US" dirty="0"/>
+              <a:t> 보다는 보완관계</a:t>
+            </a:r>
           </a:p>
         </p:txBody>
       </p:sp>
@@ -15618,7 +15581,7 @@
     </p:spTree>
     <p:extLst>
       <p:ext uri="{BB962C8B-B14F-4D97-AF65-F5344CB8AC3E}">
-        <p14:creationId xmlns:p14="http://schemas.microsoft.com/office/powerpoint/2010/main" val="2154566891"/>
+        <p14:creationId xmlns:p14="http://schemas.microsoft.com/office/powerpoint/2010/main" val="2559943777"/>
       </p:ext>
     </p:extLst>
   </p:cSld>
@@ -15672,7 +15635,53 @@
           <a:bodyPr/>
           <a:lstStyle/>
           <a:p>
-            <a:endParaRPr lang="ko-KR" altLang="en-US" dirty="0"/>
+            <a:r>
+              <a:rPr lang="en-US" altLang="ko-KR" dirty="0"/>
+              <a:t>LXD</a:t>
+            </a:r>
+            <a:r>
+              <a:rPr lang="ko-KR" altLang="en-US" dirty="0"/>
+              <a:t> </a:t>
+            </a:r>
+            <a:r>
+              <a:rPr lang="en-US" altLang="ko-KR" dirty="0"/>
+              <a:t>=</a:t>
+            </a:r>
+            <a:r>
+              <a:rPr lang="ko-KR" altLang="en-US" dirty="0"/>
+              <a:t> </a:t>
+            </a:r>
+            <a:r>
+              <a:rPr lang="en-US" altLang="ko-KR" dirty="0"/>
+              <a:t>LXC</a:t>
+            </a:r>
+            <a:r>
+              <a:rPr lang="ko-KR" altLang="en-US" dirty="0"/>
+              <a:t> </a:t>
+            </a:r>
+            <a:r>
+              <a:rPr lang="en-US" altLang="ko-KR" dirty="0"/>
+              <a:t>+</a:t>
+            </a:r>
+            <a:r>
+              <a:rPr lang="ko-KR" altLang="en-US" dirty="0"/>
+              <a:t> 보안</a:t>
+            </a:r>
+            <a:endParaRPr lang="en-US" altLang="ko-KR" dirty="0"/>
+          </a:p>
+          <a:p>
+            <a:r>
+              <a:rPr lang="ko-KR" altLang="en-US" dirty="0"/>
+              <a:t>경쟁 </a:t>
+            </a:r>
+            <a:r>
+              <a:rPr lang="ko-KR" altLang="en-US" dirty="0" err="1"/>
+              <a:t>기술이라기</a:t>
+            </a:r>
+            <a:r>
+              <a:rPr lang="ko-KR" altLang="en-US" dirty="0"/>
+              <a:t> 보다는 보완관계</a:t>
+            </a:r>
           </a:p>
         </p:txBody>
       </p:sp>
@@ -15694,6 +15703,895 @@
             <a:fld id="{38269E9C-C03F-4610-841F-50F9D5493741}" type="slidenum">
               <a:rPr lang="ko-KR" altLang="en-US" smtClean="0"/>
               <a:t>21</a:t>
+            </a:fld>
+            <a:endParaRPr lang="ko-KR" altLang="en-US"/>
+          </a:p>
+        </p:txBody>
+      </p:sp>
+    </p:spTree>
+    <p:extLst>
+      <p:ext uri="{BB962C8B-B14F-4D97-AF65-F5344CB8AC3E}">
+        <p14:creationId xmlns:p14="http://schemas.microsoft.com/office/powerpoint/2010/main" val="1024236574"/>
+      </p:ext>
+    </p:extLst>
+  </p:cSld>
+  <p:clrMapOvr>
+    <a:masterClrMapping/>
+  </p:clrMapOvr>
+</p:notes>
+</file>
+
+<file path=ppt/notesSlides/notesSlide22.xml><?xml version="1.0" encoding="utf-8"?>
+<p:notes xmlns:a="http://schemas.openxmlformats.org/drawingml/2006/main" xmlns:r="http://schemas.openxmlformats.org/officeDocument/2006/relationships" xmlns:p="http://schemas.openxmlformats.org/presentationml/2006/main">
+  <p:cSld>
+    <p:spTree>
+      <p:nvGrpSpPr>
+        <p:cNvPr id="1" name=""/>
+        <p:cNvGrpSpPr/>
+        <p:nvPr/>
+      </p:nvGrpSpPr>
+      <p:grpSpPr>
+        <a:xfrm>
+          <a:off x="0" y="0"/>
+          <a:ext cx="0" cy="0"/>
+          <a:chOff x="0" y="0"/>
+          <a:chExt cx="0" cy="0"/>
+        </a:xfrm>
+      </p:grpSpPr>
+      <p:sp>
+        <p:nvSpPr>
+          <p:cNvPr id="2" name="슬라이드 이미지 개체 틀 1"/>
+          <p:cNvSpPr>
+            <a:spLocks noGrp="1" noRot="1" noChangeAspect="1"/>
+          </p:cNvSpPr>
+          <p:nvPr>
+            <p:ph type="sldImg"/>
+          </p:nvPr>
+        </p:nvSpPr>
+        <p:spPr/>
+      </p:sp>
+      <p:sp>
+        <p:nvSpPr>
+          <p:cNvPr id="3" name="슬라이드 노트 개체 틀 2"/>
+          <p:cNvSpPr>
+            <a:spLocks noGrp="1"/>
+          </p:cNvSpPr>
+          <p:nvPr>
+            <p:ph type="body" idx="1"/>
+          </p:nvPr>
+        </p:nvSpPr>
+        <p:spPr/>
+        <p:txBody>
+          <a:bodyPr/>
+          <a:lstStyle/>
+          <a:p>
+            <a:pPr marL="0" marR="0" lvl="0" indent="0" algn="l" defTabSz="914400" rtl="0" eaLnBrk="1" fontAlgn="auto" latinLnBrk="1" hangingPunct="1">
+              <a:lnSpc>
+                <a:spcPct val="100000"/>
+              </a:lnSpc>
+              <a:spcBef>
+                <a:spcPts val="0"/>
+              </a:spcBef>
+              <a:spcAft>
+                <a:spcPts val="0"/>
+              </a:spcAft>
+              <a:buClrTx/>
+              <a:buSzTx/>
+              <a:buFontTx/>
+              <a:buNone/>
+              <a:tabLst/>
+              <a:defRPr/>
+            </a:pPr>
+            <a:r>
+              <a:rPr lang="en-US" altLang="ko-KR" dirty="0"/>
+              <a:t>docker run --name=ubuntu </a:t>
+            </a:r>
+            <a:r>
+              <a:rPr lang="en-US" altLang="ko-KR" dirty="0" err="1"/>
+              <a:t>ubuntu</a:t>
+            </a:r>
+            <a:endParaRPr lang="en-US" altLang="ko-KR" dirty="0"/>
+          </a:p>
+          <a:p>
+            <a:endParaRPr lang="en-US" altLang="ko-KR" sz="1200" b="0" i="0" kern="1200" dirty="0">
+              <a:solidFill>
+                <a:schemeClr val="tx1"/>
+              </a:solidFill>
+              <a:effectLst/>
+              <a:latin typeface="+mn-lt"/>
+              <a:ea typeface="+mn-ea"/>
+              <a:cs typeface="+mn-cs"/>
+            </a:endParaRPr>
+          </a:p>
+          <a:p>
+            <a:r>
+              <a:rPr lang="ko-KR" altLang="en-US" sz="1200" b="0" i="0" kern="1200" dirty="0">
+                <a:solidFill>
+                  <a:schemeClr val="tx1"/>
+                </a:solidFill>
+                <a:effectLst/>
+                <a:latin typeface="+mn-lt"/>
+                <a:ea typeface="+mn-ea"/>
+                <a:cs typeface="+mn-cs"/>
+              </a:rPr>
+              <a:t>뭘 하라고 명령어를 전달하지 않았기 때문에 컨테이너는 </a:t>
+            </a:r>
+            <a:r>
+              <a:rPr lang="ko-KR" altLang="en-US" sz="1200" b="0" i="0" kern="1200" dirty="0" err="1">
+                <a:solidFill>
+                  <a:schemeClr val="tx1"/>
+                </a:solidFill>
+                <a:effectLst/>
+                <a:latin typeface="+mn-lt"/>
+                <a:ea typeface="+mn-ea"/>
+                <a:cs typeface="+mn-cs"/>
+              </a:rPr>
+              <a:t>생성되자마자</a:t>
+            </a:r>
+            <a:r>
+              <a:rPr lang="ko-KR" altLang="en-US" sz="1200" b="0" i="0" kern="1200" dirty="0">
+                <a:solidFill>
+                  <a:schemeClr val="tx1"/>
+                </a:solidFill>
+                <a:effectLst/>
+                <a:latin typeface="+mn-lt"/>
+                <a:ea typeface="+mn-ea"/>
+                <a:cs typeface="+mn-cs"/>
+              </a:rPr>
+              <a:t> 종료됩니다</a:t>
+            </a:r>
+            <a:r>
+              <a:rPr lang="en-US" altLang="ko-KR" sz="1200" b="0" i="0" kern="1200" dirty="0">
+                <a:solidFill>
+                  <a:schemeClr val="tx1"/>
+                </a:solidFill>
+                <a:effectLst/>
+                <a:latin typeface="+mn-lt"/>
+                <a:ea typeface="+mn-ea"/>
+                <a:cs typeface="+mn-cs"/>
+              </a:rPr>
+              <a:t>.</a:t>
+            </a:r>
+          </a:p>
+          <a:p>
+            <a:r>
+              <a:rPr lang="ko-KR" altLang="en-US" sz="1200" b="0" i="0" kern="1200" dirty="0">
+                <a:solidFill>
+                  <a:schemeClr val="tx1"/>
+                </a:solidFill>
+                <a:effectLst/>
+                <a:latin typeface="+mn-lt"/>
+                <a:ea typeface="+mn-ea"/>
+                <a:cs typeface="+mn-cs"/>
+              </a:rPr>
+              <a:t>컨테이너는 프로세스이기 때문에 실행중인 프로세스가 없으면 종료된다</a:t>
+            </a:r>
+            <a:r>
+              <a:rPr lang="en-US" altLang="ko-KR" sz="1200" b="0" i="0" kern="1200" dirty="0">
+                <a:solidFill>
+                  <a:schemeClr val="tx1"/>
+                </a:solidFill>
+                <a:effectLst/>
+                <a:latin typeface="+mn-lt"/>
+                <a:ea typeface="+mn-ea"/>
+                <a:cs typeface="+mn-cs"/>
+              </a:rPr>
+              <a:t>.</a:t>
+            </a:r>
+            <a:endParaRPr lang="ko-KR" altLang="en-US" dirty="0"/>
+          </a:p>
+        </p:txBody>
+      </p:sp>
+      <p:sp>
+        <p:nvSpPr>
+          <p:cNvPr id="4" name="슬라이드 번호 개체 틀 3"/>
+          <p:cNvSpPr>
+            <a:spLocks noGrp="1"/>
+          </p:cNvSpPr>
+          <p:nvPr>
+            <p:ph type="sldNum" sz="quarter" idx="10"/>
+          </p:nvPr>
+        </p:nvSpPr>
+        <p:spPr/>
+        <p:txBody>
+          <a:bodyPr/>
+          <a:lstStyle/>
+          <a:p>
+            <a:fld id="{38269E9C-C03F-4610-841F-50F9D5493741}" type="slidenum">
+              <a:rPr lang="ko-KR" altLang="en-US" smtClean="0"/>
+              <a:t>22</a:t>
+            </a:fld>
+            <a:endParaRPr lang="ko-KR" altLang="en-US"/>
+          </a:p>
+        </p:txBody>
+      </p:sp>
+    </p:spTree>
+    <p:extLst>
+      <p:ext uri="{BB962C8B-B14F-4D97-AF65-F5344CB8AC3E}">
+        <p14:creationId xmlns:p14="http://schemas.microsoft.com/office/powerpoint/2010/main" val="2907818818"/>
+      </p:ext>
+    </p:extLst>
+  </p:cSld>
+  <p:clrMapOvr>
+    <a:masterClrMapping/>
+  </p:clrMapOvr>
+</p:notes>
+</file>
+
+<file path=ppt/notesSlides/notesSlide23.xml><?xml version="1.0" encoding="utf-8"?>
+<p:notes xmlns:a="http://schemas.openxmlformats.org/drawingml/2006/main" xmlns:r="http://schemas.openxmlformats.org/officeDocument/2006/relationships" xmlns:p="http://schemas.openxmlformats.org/presentationml/2006/main">
+  <p:cSld>
+    <p:spTree>
+      <p:nvGrpSpPr>
+        <p:cNvPr id="1" name=""/>
+        <p:cNvGrpSpPr/>
+        <p:nvPr/>
+      </p:nvGrpSpPr>
+      <p:grpSpPr>
+        <a:xfrm>
+          <a:off x="0" y="0"/>
+          <a:ext cx="0" cy="0"/>
+          <a:chOff x="0" y="0"/>
+          <a:chExt cx="0" cy="0"/>
+        </a:xfrm>
+      </p:grpSpPr>
+      <p:sp>
+        <p:nvSpPr>
+          <p:cNvPr id="2" name="슬라이드 이미지 개체 틀 1"/>
+          <p:cNvSpPr>
+            <a:spLocks noGrp="1" noRot="1" noChangeAspect="1"/>
+          </p:cNvSpPr>
+          <p:nvPr>
+            <p:ph type="sldImg"/>
+          </p:nvPr>
+        </p:nvSpPr>
+        <p:spPr/>
+      </p:sp>
+      <p:sp>
+        <p:nvSpPr>
+          <p:cNvPr id="3" name="슬라이드 노트 개체 틀 2"/>
+          <p:cNvSpPr>
+            <a:spLocks noGrp="1"/>
+          </p:cNvSpPr>
+          <p:nvPr>
+            <p:ph type="body" idx="1"/>
+          </p:nvPr>
+        </p:nvSpPr>
+        <p:spPr/>
+        <p:txBody>
+          <a:bodyPr/>
+          <a:lstStyle/>
+          <a:p>
+            <a:pPr marL="0" marR="0" lvl="0" indent="0" algn="l" defTabSz="914400" rtl="0" eaLnBrk="1" fontAlgn="auto" latinLnBrk="1" hangingPunct="1">
+              <a:lnSpc>
+                <a:spcPct val="100000"/>
+              </a:lnSpc>
+              <a:spcBef>
+                <a:spcPts val="0"/>
+              </a:spcBef>
+              <a:spcAft>
+                <a:spcPts val="0"/>
+              </a:spcAft>
+              <a:buClrTx/>
+              <a:buSzTx/>
+              <a:buFontTx/>
+              <a:buNone/>
+              <a:tabLst/>
+              <a:defRPr/>
+            </a:pPr>
+            <a:endParaRPr lang="ko-KR" altLang="en-US" dirty="0"/>
+          </a:p>
+        </p:txBody>
+      </p:sp>
+      <p:sp>
+        <p:nvSpPr>
+          <p:cNvPr id="4" name="슬라이드 번호 개체 틀 3"/>
+          <p:cNvSpPr>
+            <a:spLocks noGrp="1"/>
+          </p:cNvSpPr>
+          <p:nvPr>
+            <p:ph type="sldNum" sz="quarter" idx="10"/>
+          </p:nvPr>
+        </p:nvSpPr>
+        <p:spPr/>
+        <p:txBody>
+          <a:bodyPr/>
+          <a:lstStyle/>
+          <a:p>
+            <a:fld id="{38269E9C-C03F-4610-841F-50F9D5493741}" type="slidenum">
+              <a:rPr lang="ko-KR" altLang="en-US" smtClean="0"/>
+              <a:t>23</a:t>
+            </a:fld>
+            <a:endParaRPr lang="ko-KR" altLang="en-US"/>
+          </a:p>
+        </p:txBody>
+      </p:sp>
+    </p:spTree>
+    <p:extLst>
+      <p:ext uri="{BB962C8B-B14F-4D97-AF65-F5344CB8AC3E}">
+        <p14:creationId xmlns:p14="http://schemas.microsoft.com/office/powerpoint/2010/main" val="1424910392"/>
+      </p:ext>
+    </p:extLst>
+  </p:cSld>
+  <p:clrMapOvr>
+    <a:masterClrMapping/>
+  </p:clrMapOvr>
+</p:notes>
+</file>
+
+<file path=ppt/notesSlides/notesSlide24.xml><?xml version="1.0" encoding="utf-8"?>
+<p:notes xmlns:a="http://schemas.openxmlformats.org/drawingml/2006/main" xmlns:r="http://schemas.openxmlformats.org/officeDocument/2006/relationships" xmlns:p="http://schemas.openxmlformats.org/presentationml/2006/main">
+  <p:cSld>
+    <p:spTree>
+      <p:nvGrpSpPr>
+        <p:cNvPr id="1" name=""/>
+        <p:cNvGrpSpPr/>
+        <p:nvPr/>
+      </p:nvGrpSpPr>
+      <p:grpSpPr>
+        <a:xfrm>
+          <a:off x="0" y="0"/>
+          <a:ext cx="0" cy="0"/>
+          <a:chOff x="0" y="0"/>
+          <a:chExt cx="0" cy="0"/>
+        </a:xfrm>
+      </p:grpSpPr>
+      <p:sp>
+        <p:nvSpPr>
+          <p:cNvPr id="2" name="슬라이드 이미지 개체 틀 1"/>
+          <p:cNvSpPr>
+            <a:spLocks noGrp="1" noRot="1" noChangeAspect="1"/>
+          </p:cNvSpPr>
+          <p:nvPr>
+            <p:ph type="sldImg"/>
+          </p:nvPr>
+        </p:nvSpPr>
+        <p:spPr/>
+      </p:sp>
+      <p:sp>
+        <p:nvSpPr>
+          <p:cNvPr id="3" name="슬라이드 노트 개체 틀 2"/>
+          <p:cNvSpPr>
+            <a:spLocks noGrp="1"/>
+          </p:cNvSpPr>
+          <p:nvPr>
+            <p:ph type="body" idx="1"/>
+          </p:nvPr>
+        </p:nvSpPr>
+        <p:spPr/>
+        <p:txBody>
+          <a:bodyPr/>
+          <a:lstStyle/>
+          <a:p>
+            <a:r>
+              <a:rPr lang="ko-KR" altLang="en-US" dirty="0"/>
+              <a:t>주로 </a:t>
+            </a:r>
+            <a:r>
+              <a:rPr lang="en-US" altLang="ko-KR" dirty="0"/>
+              <a:t>I </a:t>
+            </a:r>
+            <a:r>
+              <a:rPr lang="ko-KR" altLang="en-US" dirty="0"/>
+              <a:t>옵션과 </a:t>
+            </a:r>
+            <a:r>
+              <a:rPr lang="en-US" altLang="ko-KR" dirty="0"/>
+              <a:t>t </a:t>
+            </a:r>
+            <a:r>
+              <a:rPr lang="ko-KR" altLang="en-US" dirty="0"/>
+              <a:t>옵션을 같이 사용하여 터미널 입력을 위한 옵션으로 사용된다</a:t>
+            </a:r>
+            <a:r>
+              <a:rPr lang="en-US" altLang="ko-KR" dirty="0"/>
+              <a:t>.</a:t>
+            </a:r>
+            <a:endParaRPr lang="ko-KR" altLang="en-US" dirty="0"/>
+          </a:p>
+        </p:txBody>
+      </p:sp>
+      <p:sp>
+        <p:nvSpPr>
+          <p:cNvPr id="4" name="슬라이드 번호 개체 틀 3"/>
+          <p:cNvSpPr>
+            <a:spLocks noGrp="1"/>
+          </p:cNvSpPr>
+          <p:nvPr>
+            <p:ph type="sldNum" sz="quarter" idx="10"/>
+          </p:nvPr>
+        </p:nvSpPr>
+        <p:spPr/>
+        <p:txBody>
+          <a:bodyPr/>
+          <a:lstStyle/>
+          <a:p>
+            <a:fld id="{38269E9C-C03F-4610-841F-50F9D5493741}" type="slidenum">
+              <a:rPr lang="ko-KR" altLang="en-US" smtClean="0"/>
+              <a:t>24</a:t>
+            </a:fld>
+            <a:endParaRPr lang="ko-KR" altLang="en-US"/>
+          </a:p>
+        </p:txBody>
+      </p:sp>
+    </p:spTree>
+    <p:extLst>
+      <p:ext uri="{BB962C8B-B14F-4D97-AF65-F5344CB8AC3E}">
+        <p14:creationId xmlns:p14="http://schemas.microsoft.com/office/powerpoint/2010/main" val="949584474"/>
+      </p:ext>
+    </p:extLst>
+  </p:cSld>
+  <p:clrMapOvr>
+    <a:masterClrMapping/>
+  </p:clrMapOvr>
+</p:notes>
+</file>
+
+<file path=ppt/notesSlides/notesSlide25.xml><?xml version="1.0" encoding="utf-8"?>
+<p:notes xmlns:a="http://schemas.openxmlformats.org/drawingml/2006/main" xmlns:r="http://schemas.openxmlformats.org/officeDocument/2006/relationships" xmlns:p="http://schemas.openxmlformats.org/presentationml/2006/main">
+  <p:cSld>
+    <p:spTree>
+      <p:nvGrpSpPr>
+        <p:cNvPr id="1" name=""/>
+        <p:cNvGrpSpPr/>
+        <p:nvPr/>
+      </p:nvGrpSpPr>
+      <p:grpSpPr>
+        <a:xfrm>
+          <a:off x="0" y="0"/>
+          <a:ext cx="0" cy="0"/>
+          <a:chOff x="0" y="0"/>
+          <a:chExt cx="0" cy="0"/>
+        </a:xfrm>
+      </p:grpSpPr>
+      <p:sp>
+        <p:nvSpPr>
+          <p:cNvPr id="2" name="슬라이드 이미지 개체 틀 1"/>
+          <p:cNvSpPr>
+            <a:spLocks noGrp="1" noRot="1" noChangeAspect="1"/>
+          </p:cNvSpPr>
+          <p:nvPr>
+            <p:ph type="sldImg"/>
+          </p:nvPr>
+        </p:nvSpPr>
+        <p:spPr/>
+      </p:sp>
+      <p:sp>
+        <p:nvSpPr>
+          <p:cNvPr id="3" name="슬라이드 노트 개체 틀 2"/>
+          <p:cNvSpPr>
+            <a:spLocks noGrp="1"/>
+          </p:cNvSpPr>
+          <p:nvPr>
+            <p:ph type="body" idx="1"/>
+          </p:nvPr>
+        </p:nvSpPr>
+        <p:spPr/>
+        <p:txBody>
+          <a:bodyPr/>
+          <a:lstStyle/>
+          <a:p>
+            <a:pPr marL="0" marR="0" lvl="0" indent="0" algn="l" defTabSz="914400" rtl="0" eaLnBrk="1" fontAlgn="auto" latinLnBrk="1" hangingPunct="1">
+              <a:lnSpc>
+                <a:spcPct val="100000"/>
+              </a:lnSpc>
+              <a:spcBef>
+                <a:spcPts val="0"/>
+              </a:spcBef>
+              <a:spcAft>
+                <a:spcPts val="0"/>
+              </a:spcAft>
+              <a:buClrTx/>
+              <a:buSzTx/>
+              <a:buFontTx/>
+              <a:buNone/>
+              <a:tabLst/>
+              <a:defRPr/>
+            </a:pPr>
+            <a:r>
+              <a:rPr lang="en-US" altLang="ko-KR" sz="1200" b="0" i="0" kern="1200" dirty="0">
+                <a:solidFill>
+                  <a:schemeClr val="tx1"/>
+                </a:solidFill>
+                <a:effectLst/>
+                <a:latin typeface="+mn-lt"/>
+                <a:ea typeface="+mn-ea"/>
+                <a:cs typeface="+mn-cs"/>
+              </a:rPr>
+              <a:t>.</a:t>
+            </a:r>
+            <a:endParaRPr lang="ko-KR" altLang="en-US" dirty="0"/>
+          </a:p>
+        </p:txBody>
+      </p:sp>
+      <p:sp>
+        <p:nvSpPr>
+          <p:cNvPr id="4" name="슬라이드 번호 개체 틀 3"/>
+          <p:cNvSpPr>
+            <a:spLocks noGrp="1"/>
+          </p:cNvSpPr>
+          <p:nvPr>
+            <p:ph type="sldNum" sz="quarter" idx="10"/>
+          </p:nvPr>
+        </p:nvSpPr>
+        <p:spPr/>
+        <p:txBody>
+          <a:bodyPr/>
+          <a:lstStyle/>
+          <a:p>
+            <a:fld id="{38269E9C-C03F-4610-841F-50F9D5493741}" type="slidenum">
+              <a:rPr lang="ko-KR" altLang="en-US" smtClean="0"/>
+              <a:t>25</a:t>
+            </a:fld>
+            <a:endParaRPr lang="ko-KR" altLang="en-US"/>
+          </a:p>
+        </p:txBody>
+      </p:sp>
+    </p:spTree>
+    <p:extLst>
+      <p:ext uri="{BB962C8B-B14F-4D97-AF65-F5344CB8AC3E}">
+        <p14:creationId xmlns:p14="http://schemas.microsoft.com/office/powerpoint/2010/main" val="3244642378"/>
+      </p:ext>
+    </p:extLst>
+  </p:cSld>
+  <p:clrMapOvr>
+    <a:masterClrMapping/>
+  </p:clrMapOvr>
+</p:notes>
+</file>
+
+<file path=ppt/notesSlides/notesSlide26.xml><?xml version="1.0" encoding="utf-8"?>
+<p:notes xmlns:a="http://schemas.openxmlformats.org/drawingml/2006/main" xmlns:r="http://schemas.openxmlformats.org/officeDocument/2006/relationships" xmlns:p="http://schemas.openxmlformats.org/presentationml/2006/main">
+  <p:cSld>
+    <p:spTree>
+      <p:nvGrpSpPr>
+        <p:cNvPr id="1" name=""/>
+        <p:cNvGrpSpPr/>
+        <p:nvPr/>
+      </p:nvGrpSpPr>
+      <p:grpSpPr>
+        <a:xfrm>
+          <a:off x="0" y="0"/>
+          <a:ext cx="0" cy="0"/>
+          <a:chOff x="0" y="0"/>
+          <a:chExt cx="0" cy="0"/>
+        </a:xfrm>
+      </p:grpSpPr>
+      <p:sp>
+        <p:nvSpPr>
+          <p:cNvPr id="2" name="슬라이드 이미지 개체 틀 1"/>
+          <p:cNvSpPr>
+            <a:spLocks noGrp="1" noRot="1" noChangeAspect="1"/>
+          </p:cNvSpPr>
+          <p:nvPr>
+            <p:ph type="sldImg"/>
+          </p:nvPr>
+        </p:nvSpPr>
+        <p:spPr/>
+      </p:sp>
+      <p:sp>
+        <p:nvSpPr>
+          <p:cNvPr id="3" name="슬라이드 노트 개체 틀 2"/>
+          <p:cNvSpPr>
+            <a:spLocks noGrp="1"/>
+          </p:cNvSpPr>
+          <p:nvPr>
+            <p:ph type="body" idx="1"/>
+          </p:nvPr>
+        </p:nvSpPr>
+        <p:spPr/>
+        <p:txBody>
+          <a:bodyPr/>
+          <a:lstStyle/>
+          <a:p>
+            <a:pPr marL="0" marR="0" lvl="0" indent="0" algn="l" defTabSz="914400" rtl="0" eaLnBrk="1" fontAlgn="auto" latinLnBrk="1" hangingPunct="1">
+              <a:lnSpc>
+                <a:spcPct val="100000"/>
+              </a:lnSpc>
+              <a:spcBef>
+                <a:spcPts val="0"/>
+              </a:spcBef>
+              <a:spcAft>
+                <a:spcPts val="0"/>
+              </a:spcAft>
+              <a:buClrTx/>
+              <a:buSzTx/>
+              <a:buFontTx/>
+              <a:buNone/>
+              <a:tabLst/>
+              <a:defRPr/>
+            </a:pPr>
+            <a:endParaRPr lang="ko-KR" altLang="en-US" dirty="0"/>
+          </a:p>
+        </p:txBody>
+      </p:sp>
+      <p:sp>
+        <p:nvSpPr>
+          <p:cNvPr id="4" name="슬라이드 번호 개체 틀 3"/>
+          <p:cNvSpPr>
+            <a:spLocks noGrp="1"/>
+          </p:cNvSpPr>
+          <p:nvPr>
+            <p:ph type="sldNum" sz="quarter" idx="10"/>
+          </p:nvPr>
+        </p:nvSpPr>
+        <p:spPr/>
+        <p:txBody>
+          <a:bodyPr/>
+          <a:lstStyle/>
+          <a:p>
+            <a:fld id="{38269E9C-C03F-4610-841F-50F9D5493741}" type="slidenum">
+              <a:rPr lang="ko-KR" altLang="en-US" smtClean="0"/>
+              <a:t>26</a:t>
+            </a:fld>
+            <a:endParaRPr lang="ko-KR" altLang="en-US"/>
+          </a:p>
+        </p:txBody>
+      </p:sp>
+    </p:spTree>
+    <p:extLst>
+      <p:ext uri="{BB962C8B-B14F-4D97-AF65-F5344CB8AC3E}">
+        <p14:creationId xmlns:p14="http://schemas.microsoft.com/office/powerpoint/2010/main" val="1065646954"/>
+      </p:ext>
+    </p:extLst>
+  </p:cSld>
+  <p:clrMapOvr>
+    <a:masterClrMapping/>
+  </p:clrMapOvr>
+</p:notes>
+</file>
+
+<file path=ppt/notesSlides/notesSlide27.xml><?xml version="1.0" encoding="utf-8"?>
+<p:notes xmlns:a="http://schemas.openxmlformats.org/drawingml/2006/main" xmlns:r="http://schemas.openxmlformats.org/officeDocument/2006/relationships" xmlns:p="http://schemas.openxmlformats.org/presentationml/2006/main">
+  <p:cSld>
+    <p:spTree>
+      <p:nvGrpSpPr>
+        <p:cNvPr id="1" name=""/>
+        <p:cNvGrpSpPr/>
+        <p:nvPr/>
+      </p:nvGrpSpPr>
+      <p:grpSpPr>
+        <a:xfrm>
+          <a:off x="0" y="0"/>
+          <a:ext cx="0" cy="0"/>
+          <a:chOff x="0" y="0"/>
+          <a:chExt cx="0" cy="0"/>
+        </a:xfrm>
+      </p:grpSpPr>
+      <p:sp>
+        <p:nvSpPr>
+          <p:cNvPr id="2" name="슬라이드 이미지 개체 틀 1"/>
+          <p:cNvSpPr>
+            <a:spLocks noGrp="1" noRot="1" noChangeAspect="1"/>
+          </p:cNvSpPr>
+          <p:nvPr>
+            <p:ph type="sldImg"/>
+          </p:nvPr>
+        </p:nvSpPr>
+        <p:spPr/>
+      </p:sp>
+      <p:sp>
+        <p:nvSpPr>
+          <p:cNvPr id="3" name="슬라이드 노트 개체 틀 2"/>
+          <p:cNvSpPr>
+            <a:spLocks noGrp="1"/>
+          </p:cNvSpPr>
+          <p:nvPr>
+            <p:ph type="body" idx="1"/>
+          </p:nvPr>
+        </p:nvSpPr>
+        <p:spPr/>
+        <p:txBody>
+          <a:bodyPr/>
+          <a:lstStyle/>
+          <a:p>
+            <a:pPr marL="0" marR="0" lvl="0" indent="0" algn="l" defTabSz="914400" rtl="0" eaLnBrk="1" fontAlgn="auto" latinLnBrk="1" hangingPunct="1">
+              <a:lnSpc>
+                <a:spcPct val="100000"/>
+              </a:lnSpc>
+              <a:spcBef>
+                <a:spcPts val="0"/>
+              </a:spcBef>
+              <a:spcAft>
+                <a:spcPts val="0"/>
+              </a:spcAft>
+              <a:buClrTx/>
+              <a:buSzTx/>
+              <a:buFontTx/>
+              <a:buNone/>
+              <a:tabLst/>
+              <a:defRPr/>
+            </a:pPr>
+            <a:endParaRPr lang="ko-KR" altLang="en-US" dirty="0"/>
+          </a:p>
+        </p:txBody>
+      </p:sp>
+      <p:sp>
+        <p:nvSpPr>
+          <p:cNvPr id="4" name="슬라이드 번호 개체 틀 3"/>
+          <p:cNvSpPr>
+            <a:spLocks noGrp="1"/>
+          </p:cNvSpPr>
+          <p:nvPr>
+            <p:ph type="sldNum" sz="quarter" idx="10"/>
+          </p:nvPr>
+        </p:nvSpPr>
+        <p:spPr/>
+        <p:txBody>
+          <a:bodyPr/>
+          <a:lstStyle/>
+          <a:p>
+            <a:fld id="{38269E9C-C03F-4610-841F-50F9D5493741}" type="slidenum">
+              <a:rPr lang="ko-KR" altLang="en-US" smtClean="0"/>
+              <a:t>27</a:t>
+            </a:fld>
+            <a:endParaRPr lang="ko-KR" altLang="en-US"/>
+          </a:p>
+        </p:txBody>
+      </p:sp>
+    </p:spTree>
+    <p:extLst>
+      <p:ext uri="{BB962C8B-B14F-4D97-AF65-F5344CB8AC3E}">
+        <p14:creationId xmlns:p14="http://schemas.microsoft.com/office/powerpoint/2010/main" val="91234660"/>
+      </p:ext>
+    </p:extLst>
+  </p:cSld>
+  <p:clrMapOvr>
+    <a:masterClrMapping/>
+  </p:clrMapOvr>
+</p:notes>
+</file>
+
+<file path=ppt/notesSlides/notesSlide28.xml><?xml version="1.0" encoding="utf-8"?>
+<p:notes xmlns:a="http://schemas.openxmlformats.org/drawingml/2006/main" xmlns:r="http://schemas.openxmlformats.org/officeDocument/2006/relationships" xmlns:p="http://schemas.openxmlformats.org/presentationml/2006/main">
+  <p:cSld>
+    <p:spTree>
+      <p:nvGrpSpPr>
+        <p:cNvPr id="1" name=""/>
+        <p:cNvGrpSpPr/>
+        <p:nvPr/>
+      </p:nvGrpSpPr>
+      <p:grpSpPr>
+        <a:xfrm>
+          <a:off x="0" y="0"/>
+          <a:ext cx="0" cy="0"/>
+          <a:chOff x="0" y="0"/>
+          <a:chExt cx="0" cy="0"/>
+        </a:xfrm>
+      </p:grpSpPr>
+      <p:sp>
+        <p:nvSpPr>
+          <p:cNvPr id="2" name="슬라이드 이미지 개체 틀 1"/>
+          <p:cNvSpPr>
+            <a:spLocks noGrp="1" noRot="1" noChangeAspect="1"/>
+          </p:cNvSpPr>
+          <p:nvPr>
+            <p:ph type="sldImg"/>
+          </p:nvPr>
+        </p:nvSpPr>
+        <p:spPr/>
+      </p:sp>
+      <p:sp>
+        <p:nvSpPr>
+          <p:cNvPr id="3" name="슬라이드 노트 개체 틀 2"/>
+          <p:cNvSpPr>
+            <a:spLocks noGrp="1"/>
+          </p:cNvSpPr>
+          <p:nvPr>
+            <p:ph type="body" idx="1"/>
+          </p:nvPr>
+        </p:nvSpPr>
+        <p:spPr/>
+        <p:txBody>
+          <a:bodyPr/>
+          <a:lstStyle/>
+          <a:p>
+            <a:endParaRPr lang="ko-KR" altLang="en-US" dirty="0"/>
+          </a:p>
+        </p:txBody>
+      </p:sp>
+      <p:sp>
+        <p:nvSpPr>
+          <p:cNvPr id="4" name="슬라이드 번호 개체 틀 3"/>
+          <p:cNvSpPr>
+            <a:spLocks noGrp="1"/>
+          </p:cNvSpPr>
+          <p:nvPr>
+            <p:ph type="sldNum" sz="quarter" idx="10"/>
+          </p:nvPr>
+        </p:nvSpPr>
+        <p:spPr/>
+        <p:txBody>
+          <a:bodyPr/>
+          <a:lstStyle/>
+          <a:p>
+            <a:fld id="{38269E9C-C03F-4610-841F-50F9D5493741}" type="slidenum">
+              <a:rPr lang="ko-KR" altLang="en-US" smtClean="0"/>
+              <a:t>28</a:t>
+            </a:fld>
+            <a:endParaRPr lang="ko-KR" altLang="en-US"/>
+          </a:p>
+        </p:txBody>
+      </p:sp>
+    </p:spTree>
+    <p:extLst>
+      <p:ext uri="{BB962C8B-B14F-4D97-AF65-F5344CB8AC3E}">
+        <p14:creationId xmlns:p14="http://schemas.microsoft.com/office/powerpoint/2010/main" val="2154566891"/>
+      </p:ext>
+    </p:extLst>
+  </p:cSld>
+  <p:clrMapOvr>
+    <a:masterClrMapping/>
+  </p:clrMapOvr>
+</p:notes>
+</file>
+
+<file path=ppt/notesSlides/notesSlide29.xml><?xml version="1.0" encoding="utf-8"?>
+<p:notes xmlns:a="http://schemas.openxmlformats.org/drawingml/2006/main" xmlns:r="http://schemas.openxmlformats.org/officeDocument/2006/relationships" xmlns:p="http://schemas.openxmlformats.org/presentationml/2006/main">
+  <p:cSld>
+    <p:spTree>
+      <p:nvGrpSpPr>
+        <p:cNvPr id="1" name=""/>
+        <p:cNvGrpSpPr/>
+        <p:nvPr/>
+      </p:nvGrpSpPr>
+      <p:grpSpPr>
+        <a:xfrm>
+          <a:off x="0" y="0"/>
+          <a:ext cx="0" cy="0"/>
+          <a:chOff x="0" y="0"/>
+          <a:chExt cx="0" cy="0"/>
+        </a:xfrm>
+      </p:grpSpPr>
+      <p:sp>
+        <p:nvSpPr>
+          <p:cNvPr id="2" name="슬라이드 이미지 개체 틀 1"/>
+          <p:cNvSpPr>
+            <a:spLocks noGrp="1" noRot="1" noChangeAspect="1"/>
+          </p:cNvSpPr>
+          <p:nvPr>
+            <p:ph type="sldImg"/>
+          </p:nvPr>
+        </p:nvSpPr>
+        <p:spPr/>
+      </p:sp>
+      <p:sp>
+        <p:nvSpPr>
+          <p:cNvPr id="3" name="슬라이드 노트 개체 틀 2"/>
+          <p:cNvSpPr>
+            <a:spLocks noGrp="1"/>
+          </p:cNvSpPr>
+          <p:nvPr>
+            <p:ph type="body" idx="1"/>
+          </p:nvPr>
+        </p:nvSpPr>
+        <p:spPr/>
+        <p:txBody>
+          <a:bodyPr/>
+          <a:lstStyle/>
+          <a:p>
+            <a:endParaRPr lang="ko-KR" altLang="en-US" dirty="0"/>
+          </a:p>
+        </p:txBody>
+      </p:sp>
+      <p:sp>
+        <p:nvSpPr>
+          <p:cNvPr id="4" name="슬라이드 번호 개체 틀 3"/>
+          <p:cNvSpPr>
+            <a:spLocks noGrp="1"/>
+          </p:cNvSpPr>
+          <p:nvPr>
+            <p:ph type="sldNum" sz="quarter" idx="10"/>
+          </p:nvPr>
+        </p:nvSpPr>
+        <p:spPr/>
+        <p:txBody>
+          <a:bodyPr/>
+          <a:lstStyle/>
+          <a:p>
+            <a:fld id="{38269E9C-C03F-4610-841F-50F9D5493741}" type="slidenum">
+              <a:rPr lang="ko-KR" altLang="en-US" smtClean="0"/>
+              <a:t>29</a:t>
             </a:fld>
             <a:endParaRPr lang="ko-KR" altLang="en-US"/>
           </a:p>
@@ -15756,10 +16654,7 @@
           <a:bodyPr/>
           <a:lstStyle/>
           <a:p>
-            <a:r>
-              <a:rPr lang="ko-KR" altLang="en-US" dirty="0"/>
-              <a:t>리눅스의 응용 프로그램들을 컨테이너 안에 배치시키는 일을 자동화하는 오픈 소스 프로젝트</a:t>
-            </a:r>
+            <a:endParaRPr lang="ko-KR" altLang="en-US" dirty="0"/>
           </a:p>
         </p:txBody>
       </p:sp>
@@ -15789,7 +16684,108 @@
     </p:spTree>
     <p:extLst>
       <p:ext uri="{BB962C8B-B14F-4D97-AF65-F5344CB8AC3E}">
-        <p14:creationId xmlns:p14="http://schemas.microsoft.com/office/powerpoint/2010/main" val="400437069"/>
+        <p14:creationId xmlns:p14="http://schemas.microsoft.com/office/powerpoint/2010/main" val="3064201492"/>
+      </p:ext>
+    </p:extLst>
+  </p:cSld>
+  <p:clrMapOvr>
+    <a:masterClrMapping/>
+  </p:clrMapOvr>
+</p:notes>
+</file>
+
+<file path=ppt/notesSlides/notesSlide30.xml><?xml version="1.0" encoding="utf-8"?>
+<p:notes xmlns:a="http://schemas.openxmlformats.org/drawingml/2006/main" xmlns:r="http://schemas.openxmlformats.org/officeDocument/2006/relationships" xmlns:p="http://schemas.openxmlformats.org/presentationml/2006/main">
+  <p:cSld>
+    <p:spTree>
+      <p:nvGrpSpPr>
+        <p:cNvPr id="1" name=""/>
+        <p:cNvGrpSpPr/>
+        <p:nvPr/>
+      </p:nvGrpSpPr>
+      <p:grpSpPr>
+        <a:xfrm>
+          <a:off x="0" y="0"/>
+          <a:ext cx="0" cy="0"/>
+          <a:chOff x="0" y="0"/>
+          <a:chExt cx="0" cy="0"/>
+        </a:xfrm>
+      </p:grpSpPr>
+      <p:sp>
+        <p:nvSpPr>
+          <p:cNvPr id="2" name="슬라이드 이미지 개체 틀 1"/>
+          <p:cNvSpPr>
+            <a:spLocks noGrp="1" noRot="1" noChangeAspect="1"/>
+          </p:cNvSpPr>
+          <p:nvPr>
+            <p:ph type="sldImg"/>
+          </p:nvPr>
+        </p:nvSpPr>
+        <p:spPr/>
+      </p:sp>
+      <p:sp>
+        <p:nvSpPr>
+          <p:cNvPr id="3" name="슬라이드 노트 개체 틀 2"/>
+          <p:cNvSpPr>
+            <a:spLocks noGrp="1"/>
+          </p:cNvSpPr>
+          <p:nvPr>
+            <p:ph type="body" idx="1"/>
+          </p:nvPr>
+        </p:nvSpPr>
+        <p:spPr/>
+        <p:txBody>
+          <a:bodyPr/>
+          <a:lstStyle/>
+          <a:p>
+            <a:pPr marL="0" marR="0" lvl="0" indent="0" algn="l" defTabSz="914400" rtl="0" eaLnBrk="1" fontAlgn="auto" latinLnBrk="1" hangingPunct="1">
+              <a:lnSpc>
+                <a:spcPct val="100000"/>
+              </a:lnSpc>
+              <a:spcBef>
+                <a:spcPts val="0"/>
+              </a:spcBef>
+              <a:spcAft>
+                <a:spcPts val="0"/>
+              </a:spcAft>
+              <a:buClrTx/>
+              <a:buSzTx/>
+              <a:buFontTx/>
+              <a:buNone/>
+              <a:tabLst/>
+              <a:defRPr/>
+            </a:pPr>
+            <a:endParaRPr lang="ko-KR" altLang="en-US" dirty="0"/>
+          </a:p>
+        </p:txBody>
+      </p:sp>
+      <p:sp>
+        <p:nvSpPr>
+          <p:cNvPr id="4" name="슬라이드 번호 개체 틀 3"/>
+          <p:cNvSpPr>
+            <a:spLocks noGrp="1"/>
+          </p:cNvSpPr>
+          <p:nvPr>
+            <p:ph type="sldNum" sz="quarter" idx="10"/>
+          </p:nvPr>
+        </p:nvSpPr>
+        <p:spPr/>
+        <p:txBody>
+          <a:bodyPr/>
+          <a:lstStyle/>
+          <a:p>
+            <a:fld id="{38269E9C-C03F-4610-841F-50F9D5493741}" type="slidenum">
+              <a:rPr lang="ko-KR" altLang="en-US" smtClean="0"/>
+              <a:t>30</a:t>
+            </a:fld>
+            <a:endParaRPr lang="ko-KR" altLang="en-US"/>
+          </a:p>
+        </p:txBody>
+      </p:sp>
+    </p:spTree>
+    <p:extLst>
+      <p:ext uri="{BB962C8B-B14F-4D97-AF65-F5344CB8AC3E}">
+        <p14:creationId xmlns:p14="http://schemas.microsoft.com/office/powerpoint/2010/main" val="2832204849"/>
       </p:ext>
     </p:extLst>
   </p:cSld>
@@ -15844,12 +16840,8 @@
           <a:lstStyle/>
           <a:p>
             <a:r>
-              <a:rPr lang="en-US" altLang="ko-KR" dirty="0"/>
-              <a:t>Enabling Technology = </a:t>
-            </a:r>
-            <a:r>
               <a:rPr lang="ko-KR" altLang="en-US" dirty="0"/>
-              <a:t>요소 기술</a:t>
+              <a:t>리눅스의 응용 프로그램들을 컨테이너 안에 배치시키는 일을 자동화하는 오픈 소스 프로젝트</a:t>
             </a:r>
           </a:p>
         </p:txBody>
@@ -15880,7 +16872,7 @@
     </p:spTree>
     <p:extLst>
       <p:ext uri="{BB962C8B-B14F-4D97-AF65-F5344CB8AC3E}">
-        <p14:creationId xmlns:p14="http://schemas.microsoft.com/office/powerpoint/2010/main" val="1990262217"/>
+        <p14:creationId xmlns:p14="http://schemas.microsoft.com/office/powerpoint/2010/main" val="400437069"/>
       </p:ext>
     </p:extLst>
   </p:cSld>
@@ -15935,8 +16927,12 @@
           <a:lstStyle/>
           <a:p>
             <a:r>
+              <a:rPr lang="en-US" altLang="ko-KR" dirty="0"/>
+              <a:t>Enabling Technology = </a:t>
+            </a:r>
+            <a:r>
               <a:rPr lang="ko-KR" altLang="en-US" dirty="0"/>
-              <a:t>리눅스의 응용 프로그램들을 컨테이너 안에 배치시키는 일을 자동화하는 오픈 소스 프로젝트</a:t>
+              <a:t>요소 기술</a:t>
             </a:r>
           </a:p>
         </p:txBody>
@@ -15967,7 +16963,7 @@
     </p:spTree>
     <p:extLst>
       <p:ext uri="{BB962C8B-B14F-4D97-AF65-F5344CB8AC3E}">
-        <p14:creationId xmlns:p14="http://schemas.microsoft.com/office/powerpoint/2010/main" val="3395624271"/>
+        <p14:creationId xmlns:p14="http://schemas.microsoft.com/office/powerpoint/2010/main" val="1990262217"/>
       </p:ext>
     </p:extLst>
   </p:cSld>
@@ -16022,101 +17018,8 @@
           <a:lstStyle/>
           <a:p>
             <a:r>
-              <a:rPr lang="en-US" altLang="ko-KR" dirty="0"/>
-              <a:t>API : </a:t>
-            </a:r>
-            <a:r>
               <a:rPr lang="ko-KR" altLang="en-US" dirty="0"/>
-              <a:t>주로 파일 제어</a:t>
-            </a:r>
-            <a:r>
-              <a:rPr lang="en-US" altLang="ko-KR" dirty="0"/>
-              <a:t>, </a:t>
-            </a:r>
-            <a:r>
-              <a:rPr lang="ko-KR" altLang="en-US" dirty="0"/>
-              <a:t>창 제어</a:t>
-            </a:r>
-            <a:r>
-              <a:rPr lang="en-US" altLang="ko-KR" dirty="0"/>
-              <a:t>, </a:t>
-            </a:r>
-            <a:r>
-              <a:rPr lang="ko-KR" altLang="en-US" dirty="0"/>
-              <a:t>화상 처리</a:t>
-            </a:r>
-            <a:r>
-              <a:rPr lang="en-US" altLang="ko-KR" dirty="0"/>
-              <a:t>, </a:t>
-            </a:r>
-            <a:r>
-              <a:rPr lang="ko-KR" altLang="en-US" dirty="0"/>
-              <a:t>문자 제어 등을 위한 인터페이스 제공 </a:t>
-            </a:r>
-            <a:r>
-              <a:rPr lang="en-US" altLang="ko-KR" dirty="0"/>
-              <a:t>/ </a:t>
-            </a:r>
-            <a:r>
-              <a:rPr lang="ko-KR" altLang="en-US" dirty="0"/>
-              <a:t>소스 코드 기반 </a:t>
-            </a:r>
-            <a:r>
-              <a:rPr lang="en-US" altLang="ko-KR" dirty="0"/>
-              <a:t>/ </a:t>
-            </a:r>
-          </a:p>
-          <a:p>
-            <a:r>
-              <a:rPr lang="en-US" altLang="ko-KR" dirty="0"/>
-              <a:t>       </a:t>
-            </a:r>
-            <a:r>
-              <a:rPr lang="ko-KR" altLang="en-US" dirty="0"/>
-              <a:t>언어 독립성을 뛸 경우도 있다</a:t>
-            </a:r>
-            <a:r>
-              <a:rPr lang="en-US" altLang="ko-KR" dirty="0"/>
-              <a:t>.</a:t>
-            </a:r>
-          </a:p>
-          <a:p>
-            <a:endParaRPr lang="en-US" altLang="ko-KR" dirty="0"/>
-          </a:p>
-          <a:p>
-            <a:r>
-              <a:rPr lang="ko-KR" altLang="en-US" dirty="0"/>
-              <a:t>웹 </a:t>
-            </a:r>
-            <a:r>
-              <a:rPr lang="en-US" altLang="ko-KR" dirty="0"/>
-              <a:t>API : </a:t>
-            </a:r>
-            <a:r>
-              <a:rPr lang="ko-KR" altLang="en-US" dirty="0"/>
-              <a:t>웹 애플리케이션 개발에서 다른 서비스에 요청을 보내고 응답을 받기 위해 정의된 명세</a:t>
-            </a:r>
-            <a:endParaRPr lang="en-US" altLang="ko-KR" dirty="0"/>
-          </a:p>
-          <a:p>
-            <a:endParaRPr lang="en-US" altLang="ko-KR" dirty="0"/>
-          </a:p>
-          <a:p>
-            <a:r>
-              <a:rPr lang="en-US" altLang="ko-KR" dirty="0"/>
-              <a:t>Library</a:t>
-            </a:r>
-            <a:r>
-              <a:rPr lang="ko-KR" altLang="en-US" dirty="0"/>
-              <a:t>가 실제 구현이라면</a:t>
-            </a:r>
-            <a:r>
-              <a:rPr lang="en-US" altLang="ko-KR" dirty="0"/>
-              <a:t>, API</a:t>
-            </a:r>
-            <a:r>
-              <a:rPr lang="ko-KR" altLang="en-US" dirty="0"/>
-              <a:t>는 예상되어지는 행동들</a:t>
+              <a:t>리눅스의 응용 프로그램들을 컨테이너 안에 배치시키는 일을 자동화하는 오픈 소스 프로젝트</a:t>
             </a:r>
           </a:p>
         </p:txBody>
@@ -16147,7 +17050,7 @@
     </p:spTree>
     <p:extLst>
       <p:ext uri="{BB962C8B-B14F-4D97-AF65-F5344CB8AC3E}">
-        <p14:creationId xmlns:p14="http://schemas.microsoft.com/office/powerpoint/2010/main" val="3162785158"/>
+        <p14:creationId xmlns:p14="http://schemas.microsoft.com/office/powerpoint/2010/main" val="3395624271"/>
       </p:ext>
     </p:extLst>
   </p:cSld>
@@ -16201,7 +17104,103 @@
           <a:bodyPr/>
           <a:lstStyle/>
           <a:p>
-            <a:endParaRPr lang="ko-KR" altLang="en-US" dirty="0"/>
+            <a:r>
+              <a:rPr lang="en-US" altLang="ko-KR" dirty="0"/>
+              <a:t>API : </a:t>
+            </a:r>
+            <a:r>
+              <a:rPr lang="ko-KR" altLang="en-US" dirty="0"/>
+              <a:t>주로 파일 제어</a:t>
+            </a:r>
+            <a:r>
+              <a:rPr lang="en-US" altLang="ko-KR" dirty="0"/>
+              <a:t>, </a:t>
+            </a:r>
+            <a:r>
+              <a:rPr lang="ko-KR" altLang="en-US" dirty="0"/>
+              <a:t>창 제어</a:t>
+            </a:r>
+            <a:r>
+              <a:rPr lang="en-US" altLang="ko-KR" dirty="0"/>
+              <a:t>, </a:t>
+            </a:r>
+            <a:r>
+              <a:rPr lang="ko-KR" altLang="en-US" dirty="0"/>
+              <a:t>화상 처리</a:t>
+            </a:r>
+            <a:r>
+              <a:rPr lang="en-US" altLang="ko-KR" dirty="0"/>
+              <a:t>, </a:t>
+            </a:r>
+            <a:r>
+              <a:rPr lang="ko-KR" altLang="en-US" dirty="0"/>
+              <a:t>문자 제어 등을 위한 인터페이스 제공 </a:t>
+            </a:r>
+            <a:r>
+              <a:rPr lang="en-US" altLang="ko-KR" dirty="0"/>
+              <a:t>/ </a:t>
+            </a:r>
+            <a:r>
+              <a:rPr lang="ko-KR" altLang="en-US" dirty="0"/>
+              <a:t>소스 코드 기반 </a:t>
+            </a:r>
+            <a:r>
+              <a:rPr lang="en-US" altLang="ko-KR" dirty="0"/>
+              <a:t>/ </a:t>
+            </a:r>
+          </a:p>
+          <a:p>
+            <a:r>
+              <a:rPr lang="en-US" altLang="ko-KR" dirty="0"/>
+              <a:t>       </a:t>
+            </a:r>
+            <a:r>
+              <a:rPr lang="ko-KR" altLang="en-US" dirty="0"/>
+              <a:t>언어 독립성을 뛸 경우도 있다</a:t>
+            </a:r>
+            <a:r>
+              <a:rPr lang="en-US" altLang="ko-KR" dirty="0"/>
+              <a:t>.</a:t>
+            </a:r>
+          </a:p>
+          <a:p>
+            <a:endParaRPr lang="en-US" altLang="ko-KR" dirty="0"/>
+          </a:p>
+          <a:p>
+            <a:r>
+              <a:rPr lang="ko-KR" altLang="en-US" dirty="0"/>
+              <a:t>웹 </a:t>
+            </a:r>
+            <a:r>
+              <a:rPr lang="en-US" altLang="ko-KR" dirty="0"/>
+              <a:t>API : </a:t>
+            </a:r>
+            <a:r>
+              <a:rPr lang="ko-KR" altLang="en-US" dirty="0"/>
+              <a:t>웹 애플리케이션 개발에서 다른 서비스에 요청을 보내고 응답을 받기 위해 정의된 명세</a:t>
+            </a:r>
+            <a:endParaRPr lang="en-US" altLang="ko-KR" dirty="0"/>
+          </a:p>
+          <a:p>
+            <a:endParaRPr lang="en-US" altLang="ko-KR" dirty="0"/>
+          </a:p>
+          <a:p>
+            <a:r>
+              <a:rPr lang="en-US" altLang="ko-KR" dirty="0"/>
+              <a:t>Library</a:t>
+            </a:r>
+            <a:r>
+              <a:rPr lang="ko-KR" altLang="en-US" dirty="0"/>
+              <a:t>가 실제 구현이라면</a:t>
+            </a:r>
+            <a:r>
+              <a:rPr lang="en-US" altLang="ko-KR" dirty="0"/>
+              <a:t>, API</a:t>
+            </a:r>
+            <a:r>
+              <a:rPr lang="ko-KR" altLang="en-US" dirty="0"/>
+              <a:t>는 예상되어지는 행동들</a:t>
+            </a:r>
           </a:p>
         </p:txBody>
       </p:sp>
@@ -16231,7 +17230,7 @@
     </p:spTree>
     <p:extLst>
       <p:ext uri="{BB962C8B-B14F-4D97-AF65-F5344CB8AC3E}">
-        <p14:creationId xmlns:p14="http://schemas.microsoft.com/office/powerpoint/2010/main" val="2272296469"/>
+        <p14:creationId xmlns:p14="http://schemas.microsoft.com/office/powerpoint/2010/main" val="3162785158"/>
       </p:ext>
     </p:extLst>
   </p:cSld>
@@ -16315,7 +17314,7 @@
     </p:spTree>
     <p:extLst>
       <p:ext uri="{BB962C8B-B14F-4D97-AF65-F5344CB8AC3E}">
-        <p14:creationId xmlns:p14="http://schemas.microsoft.com/office/powerpoint/2010/main" val="3064201492"/>
+        <p14:creationId xmlns:p14="http://schemas.microsoft.com/office/powerpoint/2010/main" val="2272296469"/>
       </p:ext>
     </p:extLst>
   </p:cSld>
@@ -16369,7 +17368,20 @@
           <a:bodyPr/>
           <a:lstStyle/>
           <a:p>
-            <a:endParaRPr lang="ko-KR" altLang="en-US" dirty="0"/>
+            <a:r>
+              <a:rPr lang="ko-KR" altLang="en-US" dirty="0"/>
+              <a:t>하드웨어 가상화가 아닌 실행환경의 분리</a:t>
+            </a:r>
+            <a:r>
+              <a:rPr lang="en-US" altLang="ko-KR" dirty="0"/>
+              <a:t>(isolation)</a:t>
+            </a:r>
+          </a:p>
+          <a:p>
+            <a:r>
+              <a:rPr lang="ko-KR" altLang="en-US" dirty="0"/>
+              <a:t>각 컨테이너간 영향을 분리</a:t>
+            </a:r>
           </a:p>
         </p:txBody>
       </p:sp>
@@ -16399,7 +17411,7 @@
     </p:spTree>
     <p:extLst>
       <p:ext uri="{BB962C8B-B14F-4D97-AF65-F5344CB8AC3E}">
-        <p14:creationId xmlns:p14="http://schemas.microsoft.com/office/powerpoint/2010/main" val="875211293"/>
+        <p14:creationId xmlns:p14="http://schemas.microsoft.com/office/powerpoint/2010/main" val="3425381642"/>
       </p:ext>
     </p:extLst>
   </p:cSld>
@@ -16487,7 +17499,7 @@
           <a:p>
             <a:fld id="{18DCCD61-643D-44A5-A450-3A42A50CBC1E}" type="datetimeFigureOut">
               <a:rPr lang="en-US" smtClean="0"/>
-              <a:t>4/26/2018</a:t>
+              <a:t>5/11/2018</a:t>
             </a:fld>
             <a:endParaRPr lang="en-US"/>
           </a:p>
@@ -16762,7 +17774,7 @@
           <a:p>
             <a:fld id="{18DCCD61-643D-44A5-A450-3A42A50CBC1E}" type="datetimeFigureOut">
               <a:rPr lang="en-US" smtClean="0"/>
-              <a:t>4/26/2018</a:t>
+              <a:t>5/11/2018</a:t>
             </a:fld>
             <a:endParaRPr lang="en-US"/>
           </a:p>
@@ -17014,7 +18026,7 @@
           <a:p>
             <a:fld id="{18DCCD61-643D-44A5-A450-3A42A50CBC1E}" type="datetimeFigureOut">
               <a:rPr lang="en-US" smtClean="0"/>
-              <a:t>4/26/2018</a:t>
+              <a:t>5/11/2018</a:t>
             </a:fld>
             <a:endParaRPr lang="en-US"/>
           </a:p>
@@ -17182,7 +18194,7 @@
           <a:p>
             <a:fld id="{18DCCD61-643D-44A5-A450-3A42A50CBC1E}" type="datetimeFigureOut">
               <a:rPr lang="en-US" smtClean="0"/>
-              <a:t>4/26/2018</a:t>
+              <a:t>5/11/2018</a:t>
             </a:fld>
             <a:endParaRPr lang="en-US"/>
           </a:p>
@@ -17360,7 +18372,7 @@
           <a:p>
             <a:fld id="{18DCCD61-643D-44A5-A450-3A42A50CBC1E}" type="datetimeFigureOut">
               <a:rPr lang="en-US" smtClean="0"/>
-              <a:t>4/26/2018</a:t>
+              <a:t>5/11/2018</a:t>
             </a:fld>
             <a:endParaRPr lang="en-US"/>
           </a:p>
@@ -17954,7 +18966,7 @@
           <a:p>
             <a:fld id="{18DCCD61-643D-44A5-A450-3A42A50CBC1E}" type="datetimeFigureOut">
               <a:rPr lang="en-US" smtClean="0"/>
-              <a:t>4/26/2018</a:t>
+              <a:t>5/11/2018</a:t>
             </a:fld>
             <a:endParaRPr lang="en-US"/>
           </a:p>
@@ -18122,7 +19134,7 @@
           <a:p>
             <a:fld id="{18DCCD61-643D-44A5-A450-3A42A50CBC1E}" type="datetimeFigureOut">
               <a:rPr lang="en-US" smtClean="0"/>
-              <a:t>4/26/2018</a:t>
+              <a:t>5/11/2018</a:t>
             </a:fld>
             <a:endParaRPr lang="en-US"/>
           </a:p>
@@ -18367,7 +19379,7 @@
           <a:p>
             <a:fld id="{18DCCD61-643D-44A5-A450-3A42A50CBC1E}" type="datetimeFigureOut">
               <a:rPr lang="en-US" smtClean="0"/>
-              <a:t>4/26/2018</a:t>
+              <a:t>5/11/2018</a:t>
             </a:fld>
             <a:endParaRPr lang="en-US"/>
           </a:p>
@@ -18652,7 +19664,7 @@
           <a:p>
             <a:fld id="{18DCCD61-643D-44A5-A450-3A42A50CBC1E}" type="datetimeFigureOut">
               <a:rPr lang="en-US" smtClean="0"/>
-              <a:t>4/26/2018</a:t>
+              <a:t>5/11/2018</a:t>
             </a:fld>
             <a:endParaRPr lang="en-US"/>
           </a:p>
@@ -19071,7 +20083,7 @@
           <a:p>
             <a:fld id="{18DCCD61-643D-44A5-A450-3A42A50CBC1E}" type="datetimeFigureOut">
               <a:rPr lang="en-US" smtClean="0"/>
-              <a:t>4/26/2018</a:t>
+              <a:t>5/11/2018</a:t>
             </a:fld>
             <a:endParaRPr lang="en-US"/>
           </a:p>
@@ -19188,7 +20200,7 @@
           <a:p>
             <a:fld id="{18DCCD61-643D-44A5-A450-3A42A50CBC1E}" type="datetimeFigureOut">
               <a:rPr lang="en-US" smtClean="0"/>
-              <a:t>4/26/2018</a:t>
+              <a:t>5/11/2018</a:t>
             </a:fld>
             <a:endParaRPr lang="en-US"/>
           </a:p>
@@ -19690,7 +20702,7 @@
           <a:p>
             <a:fld id="{18DCCD61-643D-44A5-A450-3A42A50CBC1E}" type="datetimeFigureOut">
               <a:rPr lang="en-US" smtClean="0"/>
-              <a:t>4/26/2018</a:t>
+              <a:t>5/11/2018</a:t>
             </a:fld>
             <a:endParaRPr lang="en-US"/>
           </a:p>
@@ -20317,6 +21329,536 @@
 </file>
 
 <file path=ppt/slides/slide10.xml><?xml version="1.0" encoding="utf-8"?>
+<p:sld xmlns:a="http://schemas.openxmlformats.org/drawingml/2006/main" xmlns:r="http://schemas.openxmlformats.org/officeDocument/2006/relationships" xmlns:p="http://schemas.openxmlformats.org/presentationml/2006/main">
+  <p:cSld>
+    <p:spTree>
+      <p:nvGrpSpPr>
+        <p:cNvPr id="1" name=""/>
+        <p:cNvGrpSpPr/>
+        <p:nvPr/>
+      </p:nvGrpSpPr>
+      <p:grpSpPr>
+        <a:xfrm>
+          <a:off x="0" y="0"/>
+          <a:ext cx="0" cy="0"/>
+          <a:chOff x="0" y="0"/>
+          <a:chExt cx="0" cy="0"/>
+        </a:xfrm>
+      </p:grpSpPr>
+      <p:sp>
+        <p:nvSpPr>
+          <p:cNvPr id="4" name="Title 3"/>
+          <p:cNvSpPr>
+            <a:spLocks noGrp="1"/>
+          </p:cNvSpPr>
+          <p:nvPr>
+            <p:ph type="title"/>
+          </p:nvPr>
+        </p:nvSpPr>
+        <p:spPr/>
+        <p:txBody>
+          <a:bodyPr/>
+          <a:lstStyle/>
+          <a:p>
+            <a:r>
+              <a:rPr lang="en-US" altLang="ko-KR" sz="3600" dirty="0">
+                <a:latin typeface="+mj-lt"/>
+              </a:rPr>
+              <a:t> </a:t>
+            </a:r>
+            <a:r>
+              <a:rPr lang="en-US" altLang="ko-KR" sz="3600" dirty="0"/>
+              <a:t>HYPERVISOR</a:t>
+            </a:r>
+            <a:endParaRPr lang="ko-KR" altLang="en-US" sz="3600" dirty="0">
+              <a:latin typeface="+mj-lt"/>
+            </a:endParaRPr>
+          </a:p>
+        </p:txBody>
+      </p:sp>
+      <p:sp>
+        <p:nvSpPr>
+          <p:cNvPr id="14" name="직사각형 13">
+            <a:extLst>
+              <a:ext uri="{FF2B5EF4-FFF2-40B4-BE49-F238E27FC236}">
+                <a16:creationId xmlns:a16="http://schemas.microsoft.com/office/drawing/2014/main" id="{0298DF82-A921-4869-9374-AF9D8EFB100F}"/>
+              </a:ext>
+            </a:extLst>
+          </p:cNvPr>
+          <p:cNvSpPr/>
+          <p:nvPr/>
+        </p:nvSpPr>
+        <p:spPr>
+          <a:xfrm>
+            <a:off x="6660232" y="1086292"/>
+            <a:ext cx="2411760" cy="1007646"/>
+          </a:xfrm>
+          <a:prstGeom prst="rect">
+            <a:avLst/>
+          </a:prstGeom>
+          <a:solidFill>
+            <a:schemeClr val="bg1"/>
+          </a:solidFill>
+          <a:ln>
+            <a:solidFill>
+              <a:schemeClr val="bg1"/>
+            </a:solidFill>
+          </a:ln>
+        </p:spPr>
+        <p:style>
+          <a:lnRef idx="2">
+            <a:schemeClr val="accent1">
+              <a:shade val="50000"/>
+            </a:schemeClr>
+          </a:lnRef>
+          <a:fillRef idx="1">
+            <a:schemeClr val="accent1"/>
+          </a:fillRef>
+          <a:effectRef idx="0">
+            <a:schemeClr val="accent1"/>
+          </a:effectRef>
+          <a:fontRef idx="minor">
+            <a:schemeClr val="lt1"/>
+          </a:fontRef>
+        </p:style>
+        <p:txBody>
+          <a:bodyPr rtlCol="0" anchor="ctr"/>
+          <a:lstStyle/>
+          <a:p>
+            <a:pPr algn="ctr"/>
+            <a:endParaRPr lang="ko-KR" altLang="en-US"/>
+          </a:p>
+        </p:txBody>
+      </p:sp>
+      <p:sp>
+        <p:nvSpPr>
+          <p:cNvPr id="15" name="직사각형 14">
+            <a:extLst>
+              <a:ext uri="{FF2B5EF4-FFF2-40B4-BE49-F238E27FC236}">
+                <a16:creationId xmlns:a16="http://schemas.microsoft.com/office/drawing/2014/main" id="{0ED2EFC4-D0F9-4943-9536-7252E13A7022}"/>
+              </a:ext>
+            </a:extLst>
+          </p:cNvPr>
+          <p:cNvSpPr/>
+          <p:nvPr/>
+        </p:nvSpPr>
+        <p:spPr>
+          <a:xfrm>
+            <a:off x="6660232" y="60174"/>
+            <a:ext cx="2411760" cy="1007646"/>
+          </a:xfrm>
+          <a:prstGeom prst="rect">
+            <a:avLst/>
+          </a:prstGeom>
+          <a:solidFill>
+            <a:srgbClr val="E9EFEF"/>
+          </a:solidFill>
+          <a:ln>
+            <a:solidFill>
+              <a:srgbClr val="E9EFEF"/>
+            </a:solidFill>
+          </a:ln>
+        </p:spPr>
+        <p:style>
+          <a:lnRef idx="2">
+            <a:schemeClr val="accent1">
+              <a:shade val="50000"/>
+            </a:schemeClr>
+          </a:lnRef>
+          <a:fillRef idx="1">
+            <a:schemeClr val="accent1"/>
+          </a:fillRef>
+          <a:effectRef idx="0">
+            <a:schemeClr val="accent1"/>
+          </a:effectRef>
+          <a:fontRef idx="minor">
+            <a:schemeClr val="lt1"/>
+          </a:fontRef>
+        </p:style>
+        <p:txBody>
+          <a:bodyPr rtlCol="0" anchor="ctr"/>
+          <a:lstStyle/>
+          <a:p>
+            <a:pPr algn="ctr"/>
+            <a:endParaRPr lang="ko-KR" altLang="en-US"/>
+          </a:p>
+        </p:txBody>
+      </p:sp>
+      <p:pic>
+        <p:nvPicPr>
+          <p:cNvPr id="16" name="Picture 2" descr="docker logo">
+            <a:extLst>
+              <a:ext uri="{FF2B5EF4-FFF2-40B4-BE49-F238E27FC236}">
+                <a16:creationId xmlns:a16="http://schemas.microsoft.com/office/drawing/2014/main" id="{54A79DD9-3CC5-4E39-BBEB-5F7FB36FBC7C}"/>
+              </a:ext>
+            </a:extLst>
+          </p:cNvPr>
+          <p:cNvPicPr>
+            <a:picLocks noChangeAspect="1" noChangeArrowheads="1"/>
+          </p:cNvPicPr>
+          <p:nvPr/>
+        </p:nvPicPr>
+        <p:blipFill>
+          <a:blip r:embed="rId3" cstate="print">
+            <a:extLst>
+              <a:ext uri="{28A0092B-C50C-407E-A947-70E740481C1C}">
+                <a14:useLocalDpi xmlns:a14="http://schemas.microsoft.com/office/drawing/2010/main" val="0"/>
+              </a:ext>
+            </a:extLst>
+          </a:blip>
+          <a:srcRect/>
+          <a:stretch>
+            <a:fillRect/>
+          </a:stretch>
+        </p:blipFill>
+        <p:spPr bwMode="auto">
+          <a:xfrm>
+            <a:off x="6836361" y="132851"/>
+            <a:ext cx="2259851" cy="1567957"/>
+          </a:xfrm>
+          <a:prstGeom prst="rect">
+            <a:avLst/>
+          </a:prstGeom>
+          <a:noFill/>
+          <a:ln>
+            <a:noFill/>
+          </a:ln>
+          <a:extLst>
+            <a:ext uri="{909E8E84-426E-40DD-AFC4-6F175D3DCCD1}">
+              <a14:hiddenFill xmlns:a14="http://schemas.microsoft.com/office/drawing/2010/main">
+                <a:solidFill>
+                  <a:srgbClr val="FFFFFF"/>
+                </a:solidFill>
+              </a14:hiddenFill>
+            </a:ext>
+          </a:extLst>
+        </p:spPr>
+      </p:pic>
+      <p:pic>
+        <p:nvPicPr>
+          <p:cNvPr id="2" name="그림 1">
+            <a:extLst>
+              <a:ext uri="{FF2B5EF4-FFF2-40B4-BE49-F238E27FC236}">
+                <a16:creationId xmlns:a16="http://schemas.microsoft.com/office/drawing/2014/main" id="{612BAF8E-4357-463A-81CD-5F2A43DD77AB}"/>
+              </a:ext>
+            </a:extLst>
+          </p:cNvPr>
+          <p:cNvPicPr>
+            <a:picLocks noChangeAspect="1"/>
+          </p:cNvPicPr>
+          <p:nvPr/>
+        </p:nvPicPr>
+        <p:blipFill rotWithShape="1">
+          <a:blip r:embed="rId4"/>
+          <a:srcRect l="-50000" t="-11" r="50000" b="11"/>
+          <a:stretch/>
+        </p:blipFill>
+        <p:spPr>
+          <a:xfrm>
+            <a:off x="-5219970" y="2074448"/>
+            <a:ext cx="13177464" cy="4087527"/>
+          </a:xfrm>
+          <a:prstGeom prst="rect">
+            <a:avLst/>
+          </a:prstGeom>
+        </p:spPr>
+      </p:pic>
+      <p:sp>
+        <p:nvSpPr>
+          <p:cNvPr id="5" name="TextBox 4">
+            <a:extLst>
+              <a:ext uri="{FF2B5EF4-FFF2-40B4-BE49-F238E27FC236}">
+                <a16:creationId xmlns:a16="http://schemas.microsoft.com/office/drawing/2014/main" id="{8045D957-3A21-4A45-B4EA-02D9C305A131}"/>
+              </a:ext>
+            </a:extLst>
+          </p:cNvPr>
+          <p:cNvSpPr txBox="1"/>
+          <p:nvPr/>
+        </p:nvSpPr>
+        <p:spPr>
+          <a:xfrm>
+            <a:off x="2493739" y="6180447"/>
+            <a:ext cx="4156522" cy="369332"/>
+          </a:xfrm>
+          <a:prstGeom prst="rect">
+            <a:avLst/>
+          </a:prstGeom>
+          <a:noFill/>
+        </p:spPr>
+        <p:txBody>
+          <a:bodyPr wrap="square" rtlCol="0">
+            <a:spAutoFit/>
+          </a:bodyPr>
+          <a:lstStyle/>
+          <a:p>
+            <a:pPr algn="ctr"/>
+            <a:r>
+              <a:rPr lang="en-US" altLang="ko-KR" dirty="0"/>
+              <a:t>HYPERVISOR</a:t>
+            </a:r>
+            <a:endParaRPr lang="ko-KR" altLang="en-US" dirty="0"/>
+          </a:p>
+        </p:txBody>
+      </p:sp>
+    </p:spTree>
+    <p:extLst>
+      <p:ext uri="{BB962C8B-B14F-4D97-AF65-F5344CB8AC3E}">
+        <p14:creationId xmlns:p14="http://schemas.microsoft.com/office/powerpoint/2010/main" val="1899433406"/>
+      </p:ext>
+    </p:extLst>
+  </p:cSld>
+  <p:clrMapOvr>
+    <a:masterClrMapping/>
+  </p:clrMapOvr>
+</p:sld>
+</file>
+
+<file path=ppt/slides/slide11.xml><?xml version="1.0" encoding="utf-8"?>
+<p:sld xmlns:a="http://schemas.openxmlformats.org/drawingml/2006/main" xmlns:r="http://schemas.openxmlformats.org/officeDocument/2006/relationships" xmlns:p="http://schemas.openxmlformats.org/presentationml/2006/main">
+  <p:cSld>
+    <p:spTree>
+      <p:nvGrpSpPr>
+        <p:cNvPr id="1" name=""/>
+        <p:cNvGrpSpPr/>
+        <p:nvPr/>
+      </p:nvGrpSpPr>
+      <p:grpSpPr>
+        <a:xfrm>
+          <a:off x="0" y="0"/>
+          <a:ext cx="0" cy="0"/>
+          <a:chOff x="0" y="0"/>
+          <a:chExt cx="0" cy="0"/>
+        </a:xfrm>
+      </p:grpSpPr>
+      <p:sp>
+        <p:nvSpPr>
+          <p:cNvPr id="4" name="Title 3"/>
+          <p:cNvSpPr>
+            <a:spLocks noGrp="1"/>
+          </p:cNvSpPr>
+          <p:nvPr>
+            <p:ph type="title"/>
+          </p:nvPr>
+        </p:nvSpPr>
+        <p:spPr/>
+        <p:txBody>
+          <a:bodyPr/>
+          <a:lstStyle/>
+          <a:p>
+            <a:r>
+              <a:rPr lang="en-US" altLang="ko-KR" dirty="0">
+                <a:latin typeface="+mj-lt"/>
+              </a:rPr>
+              <a:t> Hypervisor</a:t>
+            </a:r>
+            <a:endParaRPr lang="ko-KR" altLang="en-US" dirty="0">
+              <a:latin typeface="+mj-lt"/>
+            </a:endParaRPr>
+          </a:p>
+        </p:txBody>
+      </p:sp>
+      <p:sp>
+        <p:nvSpPr>
+          <p:cNvPr id="14" name="직사각형 13">
+            <a:extLst>
+              <a:ext uri="{FF2B5EF4-FFF2-40B4-BE49-F238E27FC236}">
+                <a16:creationId xmlns:a16="http://schemas.microsoft.com/office/drawing/2014/main" id="{0298DF82-A921-4869-9374-AF9D8EFB100F}"/>
+              </a:ext>
+            </a:extLst>
+          </p:cNvPr>
+          <p:cNvSpPr/>
+          <p:nvPr/>
+        </p:nvSpPr>
+        <p:spPr>
+          <a:xfrm>
+            <a:off x="6660232" y="1086292"/>
+            <a:ext cx="2411760" cy="1007646"/>
+          </a:xfrm>
+          <a:prstGeom prst="rect">
+            <a:avLst/>
+          </a:prstGeom>
+          <a:solidFill>
+            <a:schemeClr val="bg1"/>
+          </a:solidFill>
+          <a:ln>
+            <a:solidFill>
+              <a:schemeClr val="bg1"/>
+            </a:solidFill>
+          </a:ln>
+        </p:spPr>
+        <p:style>
+          <a:lnRef idx="2">
+            <a:schemeClr val="accent1">
+              <a:shade val="50000"/>
+            </a:schemeClr>
+          </a:lnRef>
+          <a:fillRef idx="1">
+            <a:schemeClr val="accent1"/>
+          </a:fillRef>
+          <a:effectRef idx="0">
+            <a:schemeClr val="accent1"/>
+          </a:effectRef>
+          <a:fontRef idx="minor">
+            <a:schemeClr val="lt1"/>
+          </a:fontRef>
+        </p:style>
+        <p:txBody>
+          <a:bodyPr rtlCol="0" anchor="ctr"/>
+          <a:lstStyle/>
+          <a:p>
+            <a:pPr algn="ctr"/>
+            <a:endParaRPr lang="ko-KR" altLang="en-US"/>
+          </a:p>
+        </p:txBody>
+      </p:sp>
+      <p:sp>
+        <p:nvSpPr>
+          <p:cNvPr id="15" name="직사각형 14">
+            <a:extLst>
+              <a:ext uri="{FF2B5EF4-FFF2-40B4-BE49-F238E27FC236}">
+                <a16:creationId xmlns:a16="http://schemas.microsoft.com/office/drawing/2014/main" id="{0ED2EFC4-D0F9-4943-9536-7252E13A7022}"/>
+              </a:ext>
+            </a:extLst>
+          </p:cNvPr>
+          <p:cNvSpPr/>
+          <p:nvPr/>
+        </p:nvSpPr>
+        <p:spPr>
+          <a:xfrm>
+            <a:off x="6660232" y="60174"/>
+            <a:ext cx="2411760" cy="1007646"/>
+          </a:xfrm>
+          <a:prstGeom prst="rect">
+            <a:avLst/>
+          </a:prstGeom>
+          <a:solidFill>
+            <a:srgbClr val="E9EFEF"/>
+          </a:solidFill>
+          <a:ln>
+            <a:solidFill>
+              <a:srgbClr val="E9EFEF"/>
+            </a:solidFill>
+          </a:ln>
+        </p:spPr>
+        <p:style>
+          <a:lnRef idx="2">
+            <a:schemeClr val="accent1">
+              <a:shade val="50000"/>
+            </a:schemeClr>
+          </a:lnRef>
+          <a:fillRef idx="1">
+            <a:schemeClr val="accent1"/>
+          </a:fillRef>
+          <a:effectRef idx="0">
+            <a:schemeClr val="accent1"/>
+          </a:effectRef>
+          <a:fontRef idx="minor">
+            <a:schemeClr val="lt1"/>
+          </a:fontRef>
+        </p:style>
+        <p:txBody>
+          <a:bodyPr rtlCol="0" anchor="ctr"/>
+          <a:lstStyle/>
+          <a:p>
+            <a:pPr algn="ctr"/>
+            <a:endParaRPr lang="ko-KR" altLang="en-US"/>
+          </a:p>
+        </p:txBody>
+      </p:sp>
+      <p:pic>
+        <p:nvPicPr>
+          <p:cNvPr id="16" name="Picture 2" descr="docker logo">
+            <a:extLst>
+              <a:ext uri="{FF2B5EF4-FFF2-40B4-BE49-F238E27FC236}">
+                <a16:creationId xmlns:a16="http://schemas.microsoft.com/office/drawing/2014/main" id="{54A79DD9-3CC5-4E39-BBEB-5F7FB36FBC7C}"/>
+              </a:ext>
+            </a:extLst>
+          </p:cNvPr>
+          <p:cNvPicPr>
+            <a:picLocks noChangeAspect="1" noChangeArrowheads="1"/>
+          </p:cNvPicPr>
+          <p:nvPr/>
+        </p:nvPicPr>
+        <p:blipFill>
+          <a:blip r:embed="rId3" cstate="print">
+            <a:extLst>
+              <a:ext uri="{28A0092B-C50C-407E-A947-70E740481C1C}">
+                <a14:useLocalDpi xmlns:a14="http://schemas.microsoft.com/office/drawing/2010/main" val="0"/>
+              </a:ext>
+            </a:extLst>
+          </a:blip>
+          <a:srcRect/>
+          <a:stretch>
+            <a:fillRect/>
+          </a:stretch>
+        </p:blipFill>
+        <p:spPr bwMode="auto">
+          <a:xfrm>
+            <a:off x="6836361" y="132851"/>
+            <a:ext cx="2259851" cy="1567957"/>
+          </a:xfrm>
+          <a:prstGeom prst="rect">
+            <a:avLst/>
+          </a:prstGeom>
+          <a:noFill/>
+          <a:ln>
+            <a:noFill/>
+          </a:ln>
+          <a:extLst>
+            <a:ext uri="{909E8E84-426E-40DD-AFC4-6F175D3DCCD1}">
+              <a14:hiddenFill xmlns:a14="http://schemas.microsoft.com/office/drawing/2010/main">
+                <a:solidFill>
+                  <a:srgbClr val="FFFFFF"/>
+                </a:solidFill>
+              </a14:hiddenFill>
+            </a:ext>
+          </a:extLst>
+        </p:spPr>
+      </p:pic>
+      <p:pic>
+        <p:nvPicPr>
+          <p:cNvPr id="3" name="그림 2">
+            <a:extLst>
+              <a:ext uri="{FF2B5EF4-FFF2-40B4-BE49-F238E27FC236}">
+                <a16:creationId xmlns:a16="http://schemas.microsoft.com/office/drawing/2014/main" id="{875F8A47-38CE-4C85-90C3-34B99C7D2FC3}"/>
+              </a:ext>
+            </a:extLst>
+          </p:cNvPr>
+          <p:cNvPicPr>
+            <a:picLocks noChangeAspect="1"/>
+          </p:cNvPicPr>
+          <p:nvPr/>
+        </p:nvPicPr>
+        <p:blipFill>
+          <a:blip r:embed="rId4"/>
+          <a:stretch>
+            <a:fillRect/>
+          </a:stretch>
+        </p:blipFill>
+        <p:spPr>
+          <a:xfrm>
+            <a:off x="1043608" y="2112410"/>
+            <a:ext cx="7056784" cy="4392621"/>
+          </a:xfrm>
+          <a:prstGeom prst="rect">
+            <a:avLst/>
+          </a:prstGeom>
+        </p:spPr>
+      </p:pic>
+    </p:spTree>
+    <p:extLst>
+      <p:ext uri="{BB962C8B-B14F-4D97-AF65-F5344CB8AC3E}">
+        <p14:creationId xmlns:p14="http://schemas.microsoft.com/office/powerpoint/2010/main" val="3466676928"/>
+      </p:ext>
+    </p:extLst>
+  </p:cSld>
+  <p:clrMapOvr>
+    <a:masterClrMapping/>
+  </p:clrMapOvr>
+</p:sld>
+</file>
+
+<file path=ppt/slides/slide12.xml><?xml version="1.0" encoding="utf-8"?>
 <p:sld xmlns:a="http://schemas.openxmlformats.org/drawingml/2006/main" xmlns:r="http://schemas.openxmlformats.org/officeDocument/2006/relationships" xmlns:p="http://schemas.openxmlformats.org/presentationml/2006/main">
   <p:cSld>
     <p:spTree>
@@ -21050,7 +22592,7 @@
 </p:sld>
 </file>
 
-<file path=ppt/slides/slide11.xml><?xml version="1.0" encoding="utf-8"?>
+<file path=ppt/slides/slide13.xml><?xml version="1.0" encoding="utf-8"?>
 <p:sld xmlns:a="http://schemas.openxmlformats.org/drawingml/2006/main" xmlns:r="http://schemas.openxmlformats.org/officeDocument/2006/relationships" xmlns:p="http://schemas.openxmlformats.org/presentationml/2006/main">
   <p:cSld>
     <p:spTree>
@@ -21486,7 +23028,7 @@
 </p:sld>
 </file>
 
-<file path=ppt/slides/slide12.xml><?xml version="1.0" encoding="utf-8"?>
+<file path=ppt/slides/slide14.xml><?xml version="1.0" encoding="utf-8"?>
 <p:sld xmlns:a="http://schemas.openxmlformats.org/drawingml/2006/main" xmlns:r="http://schemas.openxmlformats.org/officeDocument/2006/relationships" xmlns:p="http://schemas.openxmlformats.org/presentationml/2006/main">
   <p:cSld>
     <p:spTree>
@@ -21727,7 +23269,288 @@
 </p:sld>
 </file>
 
-<file path=ppt/slides/slide13.xml><?xml version="1.0" encoding="utf-8"?>
+<file path=ppt/slides/slide15.xml><?xml version="1.0" encoding="utf-8"?>
+<p:sld xmlns:a="http://schemas.openxmlformats.org/drawingml/2006/main" xmlns:r="http://schemas.openxmlformats.org/officeDocument/2006/relationships" xmlns:p="http://schemas.openxmlformats.org/presentationml/2006/main">
+  <p:cSld>
+    <p:spTree>
+      <p:nvGrpSpPr>
+        <p:cNvPr id="1" name=""/>
+        <p:cNvGrpSpPr/>
+        <p:nvPr/>
+      </p:nvGrpSpPr>
+      <p:grpSpPr>
+        <a:xfrm>
+          <a:off x="0" y="0"/>
+          <a:ext cx="0" cy="0"/>
+          <a:chOff x="0" y="0"/>
+          <a:chExt cx="0" cy="0"/>
+        </a:xfrm>
+      </p:grpSpPr>
+      <p:sp>
+        <p:nvSpPr>
+          <p:cNvPr id="4" name="Title 3"/>
+          <p:cNvSpPr>
+            <a:spLocks noGrp="1"/>
+          </p:cNvSpPr>
+          <p:nvPr>
+            <p:ph type="title"/>
+          </p:nvPr>
+        </p:nvSpPr>
+        <p:spPr/>
+        <p:txBody>
+          <a:bodyPr/>
+          <a:lstStyle/>
+          <a:p>
+            <a:r>
+              <a:rPr lang="en-US" altLang="ko-KR" sz="3600" dirty="0">
+                <a:latin typeface="+mj-lt"/>
+              </a:rPr>
+              <a:t> DOCKER</a:t>
+            </a:r>
+            <a:endParaRPr lang="ko-KR" altLang="en-US" sz="3600" dirty="0">
+              <a:latin typeface="+mj-lt"/>
+            </a:endParaRPr>
+          </a:p>
+        </p:txBody>
+      </p:sp>
+      <p:sp>
+        <p:nvSpPr>
+          <p:cNvPr id="14" name="직사각형 13">
+            <a:extLst>
+              <a:ext uri="{FF2B5EF4-FFF2-40B4-BE49-F238E27FC236}">
+                <a16:creationId xmlns:a16="http://schemas.microsoft.com/office/drawing/2014/main" id="{0298DF82-A921-4869-9374-AF9D8EFB100F}"/>
+              </a:ext>
+            </a:extLst>
+          </p:cNvPr>
+          <p:cNvSpPr/>
+          <p:nvPr/>
+        </p:nvSpPr>
+        <p:spPr>
+          <a:xfrm>
+            <a:off x="6660232" y="1086292"/>
+            <a:ext cx="2411760" cy="1007646"/>
+          </a:xfrm>
+          <a:prstGeom prst="rect">
+            <a:avLst/>
+          </a:prstGeom>
+          <a:solidFill>
+            <a:schemeClr val="bg1"/>
+          </a:solidFill>
+          <a:ln>
+            <a:solidFill>
+              <a:schemeClr val="bg1"/>
+            </a:solidFill>
+          </a:ln>
+        </p:spPr>
+        <p:style>
+          <a:lnRef idx="2">
+            <a:schemeClr val="accent1">
+              <a:shade val="50000"/>
+            </a:schemeClr>
+          </a:lnRef>
+          <a:fillRef idx="1">
+            <a:schemeClr val="accent1"/>
+          </a:fillRef>
+          <a:effectRef idx="0">
+            <a:schemeClr val="accent1"/>
+          </a:effectRef>
+          <a:fontRef idx="minor">
+            <a:schemeClr val="lt1"/>
+          </a:fontRef>
+        </p:style>
+        <p:txBody>
+          <a:bodyPr rtlCol="0" anchor="ctr"/>
+          <a:lstStyle/>
+          <a:p>
+            <a:pPr algn="ctr"/>
+            <a:endParaRPr lang="ko-KR" altLang="en-US"/>
+          </a:p>
+        </p:txBody>
+      </p:sp>
+      <p:sp>
+        <p:nvSpPr>
+          <p:cNvPr id="15" name="직사각형 14">
+            <a:extLst>
+              <a:ext uri="{FF2B5EF4-FFF2-40B4-BE49-F238E27FC236}">
+                <a16:creationId xmlns:a16="http://schemas.microsoft.com/office/drawing/2014/main" id="{0ED2EFC4-D0F9-4943-9536-7252E13A7022}"/>
+              </a:ext>
+            </a:extLst>
+          </p:cNvPr>
+          <p:cNvSpPr/>
+          <p:nvPr/>
+        </p:nvSpPr>
+        <p:spPr>
+          <a:xfrm>
+            <a:off x="6660232" y="60174"/>
+            <a:ext cx="2411760" cy="1007646"/>
+          </a:xfrm>
+          <a:prstGeom prst="rect">
+            <a:avLst/>
+          </a:prstGeom>
+          <a:solidFill>
+            <a:srgbClr val="E9EFEF"/>
+          </a:solidFill>
+          <a:ln>
+            <a:solidFill>
+              <a:srgbClr val="E9EFEF"/>
+            </a:solidFill>
+          </a:ln>
+        </p:spPr>
+        <p:style>
+          <a:lnRef idx="2">
+            <a:schemeClr val="accent1">
+              <a:shade val="50000"/>
+            </a:schemeClr>
+          </a:lnRef>
+          <a:fillRef idx="1">
+            <a:schemeClr val="accent1"/>
+          </a:fillRef>
+          <a:effectRef idx="0">
+            <a:schemeClr val="accent1"/>
+          </a:effectRef>
+          <a:fontRef idx="minor">
+            <a:schemeClr val="lt1"/>
+          </a:fontRef>
+        </p:style>
+        <p:txBody>
+          <a:bodyPr rtlCol="0" anchor="ctr"/>
+          <a:lstStyle/>
+          <a:p>
+            <a:pPr algn="ctr"/>
+            <a:endParaRPr lang="ko-KR" altLang="en-US"/>
+          </a:p>
+        </p:txBody>
+      </p:sp>
+      <p:pic>
+        <p:nvPicPr>
+          <p:cNvPr id="16" name="Picture 2" descr="docker logo">
+            <a:extLst>
+              <a:ext uri="{FF2B5EF4-FFF2-40B4-BE49-F238E27FC236}">
+                <a16:creationId xmlns:a16="http://schemas.microsoft.com/office/drawing/2014/main" id="{54A79DD9-3CC5-4E39-BBEB-5F7FB36FBC7C}"/>
+              </a:ext>
+            </a:extLst>
+          </p:cNvPr>
+          <p:cNvPicPr>
+            <a:picLocks noChangeAspect="1" noChangeArrowheads="1"/>
+          </p:cNvPicPr>
+          <p:nvPr/>
+        </p:nvPicPr>
+        <p:blipFill>
+          <a:blip r:embed="rId3" cstate="print">
+            <a:extLst>
+              <a:ext uri="{28A0092B-C50C-407E-A947-70E740481C1C}">
+                <a14:useLocalDpi xmlns:a14="http://schemas.microsoft.com/office/drawing/2010/main" val="0"/>
+              </a:ext>
+            </a:extLst>
+          </a:blip>
+          <a:srcRect/>
+          <a:stretch>
+            <a:fillRect/>
+          </a:stretch>
+        </p:blipFill>
+        <p:spPr bwMode="auto">
+          <a:xfrm>
+            <a:off x="6836361" y="132851"/>
+            <a:ext cx="2259851" cy="1567957"/>
+          </a:xfrm>
+          <a:prstGeom prst="rect">
+            <a:avLst/>
+          </a:prstGeom>
+          <a:noFill/>
+          <a:ln>
+            <a:noFill/>
+          </a:ln>
+          <a:extLst>
+            <a:ext uri="{909E8E84-426E-40DD-AFC4-6F175D3DCCD1}">
+              <a14:hiddenFill xmlns:a14="http://schemas.microsoft.com/office/drawing/2010/main">
+                <a:solidFill>
+                  <a:srgbClr val="FFFFFF"/>
+                </a:solidFill>
+              </a14:hiddenFill>
+            </a:ext>
+          </a:extLst>
+        </p:spPr>
+      </p:pic>
+      <p:pic>
+        <p:nvPicPr>
+          <p:cNvPr id="2" name="그림 1">
+            <a:extLst>
+              <a:ext uri="{FF2B5EF4-FFF2-40B4-BE49-F238E27FC236}">
+                <a16:creationId xmlns:a16="http://schemas.microsoft.com/office/drawing/2014/main" id="{612BAF8E-4357-463A-81CD-5F2A43DD77AB}"/>
+              </a:ext>
+            </a:extLst>
+          </p:cNvPr>
+          <p:cNvPicPr>
+            <a:picLocks noChangeAspect="1"/>
+          </p:cNvPicPr>
+          <p:nvPr/>
+        </p:nvPicPr>
+        <p:blipFill rotWithShape="1">
+          <a:blip r:embed="rId4"/>
+          <a:srcRect l="50332"/>
+          <a:stretch/>
+        </p:blipFill>
+        <p:spPr>
+          <a:xfrm>
+            <a:off x="1331640" y="1916832"/>
+            <a:ext cx="6480720" cy="4083560"/>
+          </a:xfrm>
+          <a:prstGeom prst="rect">
+            <a:avLst/>
+          </a:prstGeom>
+        </p:spPr>
+      </p:pic>
+      <p:sp>
+        <p:nvSpPr>
+          <p:cNvPr id="9" name="TextBox 8">
+            <a:extLst>
+              <a:ext uri="{FF2B5EF4-FFF2-40B4-BE49-F238E27FC236}">
+                <a16:creationId xmlns:a16="http://schemas.microsoft.com/office/drawing/2014/main" id="{AD18EABF-56F1-4FFF-8748-4D768989B204}"/>
+              </a:ext>
+            </a:extLst>
+          </p:cNvPr>
+          <p:cNvSpPr txBox="1"/>
+          <p:nvPr/>
+        </p:nvSpPr>
+        <p:spPr>
+          <a:xfrm>
+            <a:off x="2490342" y="6031750"/>
+            <a:ext cx="4156522" cy="369332"/>
+          </a:xfrm>
+          <a:prstGeom prst="rect">
+            <a:avLst/>
+          </a:prstGeom>
+          <a:noFill/>
+        </p:spPr>
+        <p:txBody>
+          <a:bodyPr wrap="square" rtlCol="0">
+            <a:spAutoFit/>
+          </a:bodyPr>
+          <a:lstStyle/>
+          <a:p>
+            <a:pPr algn="ctr"/>
+            <a:r>
+              <a:rPr lang="en-US" altLang="ko-KR" dirty="0"/>
+              <a:t>DOCKER</a:t>
+            </a:r>
+            <a:endParaRPr lang="ko-KR" altLang="en-US" dirty="0"/>
+          </a:p>
+        </p:txBody>
+      </p:sp>
+    </p:spTree>
+    <p:extLst>
+      <p:ext uri="{BB962C8B-B14F-4D97-AF65-F5344CB8AC3E}">
+        <p14:creationId xmlns:p14="http://schemas.microsoft.com/office/powerpoint/2010/main" val="2645219514"/>
+      </p:ext>
+    </p:extLst>
+  </p:cSld>
+  <p:clrMapOvr>
+    <a:masterClrMapping/>
+  </p:clrMapOvr>
+</p:sld>
+</file>
+
+<file path=ppt/slides/slide16.xml><?xml version="1.0" encoding="utf-8"?>
 <p:sld xmlns:a="http://schemas.openxmlformats.org/drawingml/2006/main" xmlns:r="http://schemas.openxmlformats.org/officeDocument/2006/relationships" xmlns:p="http://schemas.openxmlformats.org/presentationml/2006/main">
   <p:cSld>
     <p:spTree>
@@ -21968,326 +23791,7 @@
 </p:sld>
 </file>
 
-<file path=ppt/slides/slide14.xml><?xml version="1.0" encoding="utf-8"?>
-<p:sld xmlns:a="http://schemas.openxmlformats.org/drawingml/2006/main" xmlns:r="http://schemas.openxmlformats.org/officeDocument/2006/relationships" xmlns:p="http://schemas.openxmlformats.org/presentationml/2006/main">
-  <p:cSld>
-    <p:spTree>
-      <p:nvGrpSpPr>
-        <p:cNvPr id="1" name=""/>
-        <p:cNvGrpSpPr/>
-        <p:nvPr/>
-      </p:nvGrpSpPr>
-      <p:grpSpPr>
-        <a:xfrm>
-          <a:off x="0" y="0"/>
-          <a:ext cx="0" cy="0"/>
-          <a:chOff x="0" y="0"/>
-          <a:chExt cx="0" cy="0"/>
-        </a:xfrm>
-      </p:grpSpPr>
-      <p:sp>
-        <p:nvSpPr>
-          <p:cNvPr id="4" name="Title 3"/>
-          <p:cNvSpPr>
-            <a:spLocks noGrp="1"/>
-          </p:cNvSpPr>
-          <p:nvPr>
-            <p:ph type="title"/>
-          </p:nvPr>
-        </p:nvSpPr>
-        <p:spPr/>
-        <p:txBody>
-          <a:bodyPr/>
-          <a:lstStyle/>
-          <a:p>
-            <a:r>
-              <a:rPr lang="en-US" altLang="ko-KR" sz="3600" dirty="0">
-                <a:latin typeface="+mj-lt"/>
-              </a:rPr>
-              <a:t> Container Base Virtualization</a:t>
-            </a:r>
-            <a:endParaRPr lang="ko-KR" altLang="en-US" sz="3600" dirty="0">
-              <a:latin typeface="+mj-lt"/>
-            </a:endParaRPr>
-          </a:p>
-        </p:txBody>
-      </p:sp>
-      <p:sp>
-        <p:nvSpPr>
-          <p:cNvPr id="14" name="직사각형 13">
-            <a:extLst>
-              <a:ext uri="{FF2B5EF4-FFF2-40B4-BE49-F238E27FC236}">
-                <a16:creationId xmlns:a16="http://schemas.microsoft.com/office/drawing/2014/main" id="{0298DF82-A921-4869-9374-AF9D8EFB100F}"/>
-              </a:ext>
-            </a:extLst>
-          </p:cNvPr>
-          <p:cNvSpPr/>
-          <p:nvPr/>
-        </p:nvSpPr>
-        <p:spPr>
-          <a:xfrm>
-            <a:off x="6660232" y="1086292"/>
-            <a:ext cx="2411760" cy="1007646"/>
-          </a:xfrm>
-          <a:prstGeom prst="rect">
-            <a:avLst/>
-          </a:prstGeom>
-          <a:solidFill>
-            <a:schemeClr val="bg1"/>
-          </a:solidFill>
-          <a:ln>
-            <a:solidFill>
-              <a:schemeClr val="bg1"/>
-            </a:solidFill>
-          </a:ln>
-        </p:spPr>
-        <p:style>
-          <a:lnRef idx="2">
-            <a:schemeClr val="accent1">
-              <a:shade val="50000"/>
-            </a:schemeClr>
-          </a:lnRef>
-          <a:fillRef idx="1">
-            <a:schemeClr val="accent1"/>
-          </a:fillRef>
-          <a:effectRef idx="0">
-            <a:schemeClr val="accent1"/>
-          </a:effectRef>
-          <a:fontRef idx="minor">
-            <a:schemeClr val="lt1"/>
-          </a:fontRef>
-        </p:style>
-        <p:txBody>
-          <a:bodyPr rtlCol="0" anchor="ctr"/>
-          <a:lstStyle/>
-          <a:p>
-            <a:pPr algn="ctr"/>
-            <a:endParaRPr lang="ko-KR" altLang="en-US"/>
-          </a:p>
-        </p:txBody>
-      </p:sp>
-      <p:sp>
-        <p:nvSpPr>
-          <p:cNvPr id="15" name="직사각형 14">
-            <a:extLst>
-              <a:ext uri="{FF2B5EF4-FFF2-40B4-BE49-F238E27FC236}">
-                <a16:creationId xmlns:a16="http://schemas.microsoft.com/office/drawing/2014/main" id="{0ED2EFC4-D0F9-4943-9536-7252E13A7022}"/>
-              </a:ext>
-            </a:extLst>
-          </p:cNvPr>
-          <p:cNvSpPr/>
-          <p:nvPr/>
-        </p:nvSpPr>
-        <p:spPr>
-          <a:xfrm>
-            <a:off x="6660232" y="60174"/>
-            <a:ext cx="2411760" cy="1007646"/>
-          </a:xfrm>
-          <a:prstGeom prst="rect">
-            <a:avLst/>
-          </a:prstGeom>
-          <a:solidFill>
-            <a:srgbClr val="E9EFEF"/>
-          </a:solidFill>
-          <a:ln>
-            <a:solidFill>
-              <a:srgbClr val="E9EFEF"/>
-            </a:solidFill>
-          </a:ln>
-        </p:spPr>
-        <p:style>
-          <a:lnRef idx="2">
-            <a:schemeClr val="accent1">
-              <a:shade val="50000"/>
-            </a:schemeClr>
-          </a:lnRef>
-          <a:fillRef idx="1">
-            <a:schemeClr val="accent1"/>
-          </a:fillRef>
-          <a:effectRef idx="0">
-            <a:schemeClr val="accent1"/>
-          </a:effectRef>
-          <a:fontRef idx="minor">
-            <a:schemeClr val="lt1"/>
-          </a:fontRef>
-        </p:style>
-        <p:txBody>
-          <a:bodyPr rtlCol="0" anchor="ctr"/>
-          <a:lstStyle/>
-          <a:p>
-            <a:pPr algn="ctr"/>
-            <a:endParaRPr lang="ko-KR" altLang="en-US"/>
-          </a:p>
-        </p:txBody>
-      </p:sp>
-      <p:pic>
-        <p:nvPicPr>
-          <p:cNvPr id="16" name="Picture 2" descr="docker logo">
-            <a:extLst>
-              <a:ext uri="{FF2B5EF4-FFF2-40B4-BE49-F238E27FC236}">
-                <a16:creationId xmlns:a16="http://schemas.microsoft.com/office/drawing/2014/main" id="{54A79DD9-3CC5-4E39-BBEB-5F7FB36FBC7C}"/>
-              </a:ext>
-            </a:extLst>
-          </p:cNvPr>
-          <p:cNvPicPr>
-            <a:picLocks noChangeAspect="1" noChangeArrowheads="1"/>
-          </p:cNvPicPr>
-          <p:nvPr/>
-        </p:nvPicPr>
-        <p:blipFill>
-          <a:blip r:embed="rId3" cstate="print">
-            <a:extLst>
-              <a:ext uri="{28A0092B-C50C-407E-A947-70E740481C1C}">
-                <a14:useLocalDpi xmlns:a14="http://schemas.microsoft.com/office/drawing/2010/main" val="0"/>
-              </a:ext>
-            </a:extLst>
-          </a:blip>
-          <a:srcRect/>
-          <a:stretch>
-            <a:fillRect/>
-          </a:stretch>
-        </p:blipFill>
-        <p:spPr bwMode="auto">
-          <a:xfrm>
-            <a:off x="6836361" y="132851"/>
-            <a:ext cx="2259851" cy="1567957"/>
-          </a:xfrm>
-          <a:prstGeom prst="rect">
-            <a:avLst/>
-          </a:prstGeom>
-          <a:noFill/>
-          <a:ln>
-            <a:noFill/>
-          </a:ln>
-          <a:extLst>
-            <a:ext uri="{909E8E84-426E-40DD-AFC4-6F175D3DCCD1}">
-              <a14:hiddenFill xmlns:a14="http://schemas.microsoft.com/office/drawing/2010/main">
-                <a:solidFill>
-                  <a:srgbClr val="FFFFFF"/>
-                </a:solidFill>
-              </a14:hiddenFill>
-            </a:ext>
-          </a:extLst>
-        </p:spPr>
-      </p:pic>
-      <p:pic>
-        <p:nvPicPr>
-          <p:cNvPr id="2" name="그림 1">
-            <a:extLst>
-              <a:ext uri="{FF2B5EF4-FFF2-40B4-BE49-F238E27FC236}">
-                <a16:creationId xmlns:a16="http://schemas.microsoft.com/office/drawing/2014/main" id="{612BAF8E-4357-463A-81CD-5F2A43DD77AB}"/>
-              </a:ext>
-            </a:extLst>
-          </p:cNvPr>
-          <p:cNvPicPr>
-            <a:picLocks noChangeAspect="1"/>
-          </p:cNvPicPr>
-          <p:nvPr/>
-        </p:nvPicPr>
-        <p:blipFill>
-          <a:blip r:embed="rId4"/>
-          <a:stretch>
-            <a:fillRect/>
-          </a:stretch>
-        </p:blipFill>
-        <p:spPr>
-          <a:xfrm>
-            <a:off x="271462" y="2006153"/>
-            <a:ext cx="8601075" cy="3511079"/>
-          </a:xfrm>
-          <a:prstGeom prst="rect">
-            <a:avLst/>
-          </a:prstGeom>
-        </p:spPr>
-      </p:pic>
-      <p:sp>
-        <p:nvSpPr>
-          <p:cNvPr id="5" name="TextBox 4">
-            <a:extLst>
-              <a:ext uri="{FF2B5EF4-FFF2-40B4-BE49-F238E27FC236}">
-                <a16:creationId xmlns:a16="http://schemas.microsoft.com/office/drawing/2014/main" id="{8045D957-3A21-4A45-B4EA-02D9C305A131}"/>
-              </a:ext>
-            </a:extLst>
-          </p:cNvPr>
-          <p:cNvSpPr txBox="1"/>
-          <p:nvPr/>
-        </p:nvSpPr>
-        <p:spPr>
-          <a:xfrm>
-            <a:off x="271462" y="5517232"/>
-            <a:ext cx="4156522" cy="369332"/>
-          </a:xfrm>
-          <a:prstGeom prst="rect">
-            <a:avLst/>
-          </a:prstGeom>
-          <a:noFill/>
-        </p:spPr>
-        <p:txBody>
-          <a:bodyPr wrap="square" rtlCol="0">
-            <a:spAutoFit/>
-          </a:bodyPr>
-          <a:lstStyle/>
-          <a:p>
-            <a:pPr algn="ctr"/>
-            <a:r>
-              <a:rPr lang="en-US" altLang="ko-KR" dirty="0"/>
-              <a:t>HYPERVISOR</a:t>
-            </a:r>
-            <a:endParaRPr lang="ko-KR" altLang="en-US" dirty="0"/>
-          </a:p>
-        </p:txBody>
-      </p:sp>
-      <p:sp>
-        <p:nvSpPr>
-          <p:cNvPr id="9" name="TextBox 8">
-            <a:extLst>
-              <a:ext uri="{FF2B5EF4-FFF2-40B4-BE49-F238E27FC236}">
-                <a16:creationId xmlns:a16="http://schemas.microsoft.com/office/drawing/2014/main" id="{AD18EABF-56F1-4FFF-8748-4D768989B204}"/>
-              </a:ext>
-            </a:extLst>
-          </p:cNvPr>
-          <p:cNvSpPr txBox="1"/>
-          <p:nvPr/>
-        </p:nvSpPr>
-        <p:spPr>
-          <a:xfrm>
-            <a:off x="4600535" y="5517232"/>
-            <a:ext cx="4156522" cy="369332"/>
-          </a:xfrm>
-          <a:prstGeom prst="rect">
-            <a:avLst/>
-          </a:prstGeom>
-          <a:noFill/>
-        </p:spPr>
-        <p:txBody>
-          <a:bodyPr wrap="square" rtlCol="0">
-            <a:spAutoFit/>
-          </a:bodyPr>
-          <a:lstStyle/>
-          <a:p>
-            <a:pPr algn="ctr"/>
-            <a:r>
-              <a:rPr lang="en-US" altLang="ko-KR" dirty="0"/>
-              <a:t>DOCKER</a:t>
-            </a:r>
-            <a:endParaRPr lang="ko-KR" altLang="en-US" dirty="0"/>
-          </a:p>
-        </p:txBody>
-      </p:sp>
-    </p:spTree>
-    <p:extLst>
-      <p:ext uri="{BB962C8B-B14F-4D97-AF65-F5344CB8AC3E}">
-        <p14:creationId xmlns:p14="http://schemas.microsoft.com/office/powerpoint/2010/main" val="3450746535"/>
-      </p:ext>
-    </p:extLst>
-  </p:cSld>
-  <p:clrMapOvr>
-    <a:masterClrMapping/>
-  </p:clrMapOvr>
-</p:sld>
-</file>
-
-<file path=ppt/slides/slide15.xml><?xml version="1.0" encoding="utf-8"?>
+<file path=ppt/slides/slide17.xml><?xml version="1.0" encoding="utf-8"?>
 <p:sld xmlns:a="http://schemas.openxmlformats.org/drawingml/2006/main" xmlns:r="http://schemas.openxmlformats.org/officeDocument/2006/relationships" xmlns:p="http://schemas.openxmlformats.org/presentationml/2006/main">
   <p:cSld>
     <p:spTree>
@@ -22504,7 +24008,7 @@
         <p:spPr>
           <a:xfrm>
             <a:off x="0" y="1844824"/>
-            <a:ext cx="9144000" cy="4662815"/>
+            <a:ext cx="9144000" cy="4247317"/>
           </a:xfrm>
           <a:prstGeom prst="rect">
             <a:avLst/>
@@ -22539,6 +24043,32 @@
             <a:endParaRPr lang="en-US" altLang="ko-KR" dirty="0"/>
           </a:p>
           <a:p>
+            <a:pPr>
+              <a:lnSpc>
+                <a:spcPct val="150000"/>
+              </a:lnSpc>
+            </a:pPr>
+            <a:endParaRPr lang="en-US" altLang="ko-KR" dirty="0"/>
+          </a:p>
+          <a:p>
+            <a:pPr marL="742950" lvl="1" indent="-285750">
+              <a:lnSpc>
+                <a:spcPct val="150000"/>
+              </a:lnSpc>
+              <a:buFontTx/>
+              <a:buChar char="-"/>
+            </a:pPr>
+            <a:r>
+              <a:rPr lang="en-US" altLang="ko-KR" dirty="0"/>
+              <a:t>Git</a:t>
+            </a:r>
+            <a:r>
+              <a:rPr lang="ko-KR" altLang="en-US" dirty="0"/>
+              <a:t>과 같은 이미지 버전 컨트롤 시스템 도입</a:t>
+            </a:r>
+            <a:endParaRPr lang="en-US" altLang="ko-KR" dirty="0"/>
+          </a:p>
+          <a:p>
             <a:pPr marL="285750" indent="-285750">
               <a:lnSpc>
                 <a:spcPct val="150000"/>
@@ -22557,77 +24087,41 @@
               <a:buChar char="-"/>
             </a:pPr>
             <a:r>
+              <a:rPr lang="en-US" altLang="ko-KR" dirty="0"/>
+              <a:t>LXC ( Linux Containers ) </a:t>
+            </a:r>
+            <a:r>
               <a:rPr lang="ko-KR" altLang="en-US" dirty="0"/>
-              <a:t>리눅스에서만 사용가능 </a:t>
-            </a:r>
-            <a:r>
-              <a:rPr lang="en-US" altLang="ko-KR" dirty="0"/>
-              <a:t>( </a:t>
-            </a:r>
-            <a:r>
-              <a:rPr lang="ko-KR" altLang="en-US" dirty="0"/>
-              <a:t>리눅스 의존도를 줄이려고 노력 중 </a:t>
-            </a:r>
-            <a:r>
-              <a:rPr lang="en-US" altLang="ko-KR" dirty="0"/>
-              <a:t>)</a:t>
-            </a:r>
-          </a:p>
-          <a:p>
-            <a:pPr marL="285750" indent="-285750">
+              <a:t>기반</a:t>
+            </a:r>
+            <a:endParaRPr lang="en-US" altLang="ko-KR" dirty="0"/>
+          </a:p>
+          <a:p>
+            <a:pPr lvl="2">
               <a:lnSpc>
                 <a:spcPct val="150000"/>
               </a:lnSpc>
-              <a:buFontTx/>
-              <a:buChar char="-"/>
             </a:pPr>
-            <a:endParaRPr lang="en-US" altLang="ko-KR" dirty="0"/>
-          </a:p>
-          <a:p>
-            <a:pPr marL="742950" lvl="1" indent="-285750">
-              <a:lnSpc>
-                <a:spcPct val="150000"/>
-              </a:lnSpc>
-              <a:buFontTx/>
-              <a:buChar char="-"/>
-            </a:pPr>
             <a:r>
               <a:rPr lang="en-US" altLang="ko-KR" dirty="0"/>
-              <a:t>Git</a:t>
+              <a:t>-&gt; </a:t>
             </a:r>
             <a:r>
               <a:rPr lang="ko-KR" altLang="en-US" dirty="0"/>
-              <a:t>과 같은 이미지 버전 컨트롤 시스템 도입</a:t>
-            </a:r>
-            <a:endParaRPr lang="en-US" altLang="ko-KR" dirty="0"/>
-          </a:p>
-          <a:p>
-            <a:pPr marL="285750" indent="-285750">
-              <a:lnSpc>
-                <a:spcPct val="150000"/>
-              </a:lnSpc>
-              <a:buFontTx/>
-              <a:buChar char="-"/>
-            </a:pPr>
-            <a:endParaRPr lang="en-US" altLang="ko-KR" dirty="0"/>
-          </a:p>
-          <a:p>
-            <a:pPr marL="742950" lvl="1" indent="-285750">
-              <a:lnSpc>
-                <a:spcPct val="150000"/>
-              </a:lnSpc>
-              <a:buFontTx/>
-              <a:buChar char="-"/>
-            </a:pPr>
+              <a:t>리눅스에서만 사용가능 </a:t>
+            </a:r>
             <a:r>
               <a:rPr lang="en-US" altLang="ko-KR" dirty="0"/>
-              <a:t>LXC ( Linux Containers ) </a:t>
+              <a:t>( </a:t>
             </a:r>
             <a:r>
               <a:rPr lang="ko-KR" altLang="en-US" dirty="0"/>
-              <a:t>기반</a:t>
-            </a:r>
-            <a:endParaRPr lang="en-US" altLang="ko-KR" dirty="0"/>
+              <a:t>리눅스 의존도를 줄이려고 노력 중 </a:t>
+            </a:r>
+            <a:r>
+              <a:rPr lang="en-US" altLang="ko-KR" dirty="0"/>
+              <a:t>)</a:t>
+            </a:r>
           </a:p>
           <a:p>
             <a:pPr marL="285750" indent="-285750">
@@ -22712,7 +24206,7 @@
 </p:sld>
 </file>
 
-<file path=ppt/slides/slide16.xml><?xml version="1.0" encoding="utf-8"?>
+<file path=ppt/slides/slide18.xml><?xml version="1.0" encoding="utf-8"?>
 <p:sld xmlns:a="http://schemas.openxmlformats.org/drawingml/2006/main" xmlns:r="http://schemas.openxmlformats.org/officeDocument/2006/relationships" xmlns:p="http://schemas.openxmlformats.org/presentationml/2006/main">
   <p:cSld>
     <p:spTree>
@@ -23109,7 +24603,845 @@
 </p:sld>
 </file>
 
-<file path=ppt/slides/slide17.xml><?xml version="1.0" encoding="utf-8"?>
+<file path=ppt/slides/slide19.xml><?xml version="1.0" encoding="utf-8"?>
+<p:sld xmlns:a="http://schemas.openxmlformats.org/drawingml/2006/main" xmlns:r="http://schemas.openxmlformats.org/officeDocument/2006/relationships" xmlns:p="http://schemas.openxmlformats.org/presentationml/2006/main">
+  <p:cSld>
+    <p:spTree>
+      <p:nvGrpSpPr>
+        <p:cNvPr id="1" name=""/>
+        <p:cNvGrpSpPr/>
+        <p:nvPr/>
+      </p:nvGrpSpPr>
+      <p:grpSpPr>
+        <a:xfrm>
+          <a:off x="0" y="0"/>
+          <a:ext cx="0" cy="0"/>
+          <a:chOff x="0" y="0"/>
+          <a:chExt cx="0" cy="0"/>
+        </a:xfrm>
+      </p:grpSpPr>
+      <p:sp>
+        <p:nvSpPr>
+          <p:cNvPr id="4" name="Title 3"/>
+          <p:cNvSpPr>
+            <a:spLocks noGrp="1"/>
+          </p:cNvSpPr>
+          <p:nvPr>
+            <p:ph type="title"/>
+          </p:nvPr>
+        </p:nvSpPr>
+        <p:spPr/>
+        <p:txBody>
+          <a:bodyPr/>
+          <a:lstStyle/>
+          <a:p>
+            <a:r>
+              <a:rPr lang="en-US" altLang="ko-KR" sz="3600" dirty="0">
+                <a:latin typeface="+mj-lt"/>
+              </a:rPr>
+              <a:t> </a:t>
+            </a:r>
+            <a:r>
+              <a:rPr lang="en-US" altLang="ko-KR" sz="3600" dirty="0" err="1">
+                <a:latin typeface="+mj-lt"/>
+              </a:rPr>
+              <a:t>Dockerfile</a:t>
+            </a:r>
+            <a:endParaRPr lang="ko-KR" altLang="en-US" sz="3600" dirty="0">
+              <a:latin typeface="+mj-lt"/>
+            </a:endParaRPr>
+          </a:p>
+        </p:txBody>
+      </p:sp>
+      <p:sp>
+        <p:nvSpPr>
+          <p:cNvPr id="14" name="직사각형 13">
+            <a:extLst>
+              <a:ext uri="{FF2B5EF4-FFF2-40B4-BE49-F238E27FC236}">
+                <a16:creationId xmlns:a16="http://schemas.microsoft.com/office/drawing/2014/main" id="{0298DF82-A921-4869-9374-AF9D8EFB100F}"/>
+              </a:ext>
+            </a:extLst>
+          </p:cNvPr>
+          <p:cNvSpPr/>
+          <p:nvPr/>
+        </p:nvSpPr>
+        <p:spPr>
+          <a:xfrm>
+            <a:off x="6660232" y="1086292"/>
+            <a:ext cx="2411760" cy="1007646"/>
+          </a:xfrm>
+          <a:prstGeom prst="rect">
+            <a:avLst/>
+          </a:prstGeom>
+          <a:solidFill>
+            <a:schemeClr val="bg1"/>
+          </a:solidFill>
+          <a:ln>
+            <a:solidFill>
+              <a:schemeClr val="bg1"/>
+            </a:solidFill>
+          </a:ln>
+        </p:spPr>
+        <p:style>
+          <a:lnRef idx="2">
+            <a:schemeClr val="accent1">
+              <a:shade val="50000"/>
+            </a:schemeClr>
+          </a:lnRef>
+          <a:fillRef idx="1">
+            <a:schemeClr val="accent1"/>
+          </a:fillRef>
+          <a:effectRef idx="0">
+            <a:schemeClr val="accent1"/>
+          </a:effectRef>
+          <a:fontRef idx="minor">
+            <a:schemeClr val="lt1"/>
+          </a:fontRef>
+        </p:style>
+        <p:txBody>
+          <a:bodyPr rtlCol="0" anchor="ctr"/>
+          <a:lstStyle/>
+          <a:p>
+            <a:pPr algn="ctr"/>
+            <a:endParaRPr lang="ko-KR" altLang="en-US"/>
+          </a:p>
+        </p:txBody>
+      </p:sp>
+      <p:sp>
+        <p:nvSpPr>
+          <p:cNvPr id="15" name="직사각형 14">
+            <a:extLst>
+              <a:ext uri="{FF2B5EF4-FFF2-40B4-BE49-F238E27FC236}">
+                <a16:creationId xmlns:a16="http://schemas.microsoft.com/office/drawing/2014/main" id="{0ED2EFC4-D0F9-4943-9536-7252E13A7022}"/>
+              </a:ext>
+            </a:extLst>
+          </p:cNvPr>
+          <p:cNvSpPr/>
+          <p:nvPr/>
+        </p:nvSpPr>
+        <p:spPr>
+          <a:xfrm>
+            <a:off x="6660232" y="60174"/>
+            <a:ext cx="2411760" cy="1007646"/>
+          </a:xfrm>
+          <a:prstGeom prst="rect">
+            <a:avLst/>
+          </a:prstGeom>
+          <a:solidFill>
+            <a:srgbClr val="E9EFEF"/>
+          </a:solidFill>
+          <a:ln>
+            <a:solidFill>
+              <a:srgbClr val="E9EFEF"/>
+            </a:solidFill>
+          </a:ln>
+        </p:spPr>
+        <p:style>
+          <a:lnRef idx="2">
+            <a:schemeClr val="accent1">
+              <a:shade val="50000"/>
+            </a:schemeClr>
+          </a:lnRef>
+          <a:fillRef idx="1">
+            <a:schemeClr val="accent1"/>
+          </a:fillRef>
+          <a:effectRef idx="0">
+            <a:schemeClr val="accent1"/>
+          </a:effectRef>
+          <a:fontRef idx="minor">
+            <a:schemeClr val="lt1"/>
+          </a:fontRef>
+        </p:style>
+        <p:txBody>
+          <a:bodyPr rtlCol="0" anchor="ctr"/>
+          <a:lstStyle/>
+          <a:p>
+            <a:pPr algn="ctr"/>
+            <a:endParaRPr lang="ko-KR" altLang="en-US"/>
+          </a:p>
+        </p:txBody>
+      </p:sp>
+      <p:pic>
+        <p:nvPicPr>
+          <p:cNvPr id="16" name="Picture 2" descr="docker logo">
+            <a:extLst>
+              <a:ext uri="{FF2B5EF4-FFF2-40B4-BE49-F238E27FC236}">
+                <a16:creationId xmlns:a16="http://schemas.microsoft.com/office/drawing/2014/main" id="{54A79DD9-3CC5-4E39-BBEB-5F7FB36FBC7C}"/>
+              </a:ext>
+            </a:extLst>
+          </p:cNvPr>
+          <p:cNvPicPr>
+            <a:picLocks noChangeAspect="1" noChangeArrowheads="1"/>
+          </p:cNvPicPr>
+          <p:nvPr/>
+        </p:nvPicPr>
+        <p:blipFill>
+          <a:blip r:embed="rId3" cstate="print">
+            <a:extLst>
+              <a:ext uri="{28A0092B-C50C-407E-A947-70E740481C1C}">
+                <a14:useLocalDpi xmlns:a14="http://schemas.microsoft.com/office/drawing/2010/main" val="0"/>
+              </a:ext>
+            </a:extLst>
+          </a:blip>
+          <a:srcRect/>
+          <a:stretch>
+            <a:fillRect/>
+          </a:stretch>
+        </p:blipFill>
+        <p:spPr bwMode="auto">
+          <a:xfrm>
+            <a:off x="6836361" y="132851"/>
+            <a:ext cx="2259851" cy="1567957"/>
+          </a:xfrm>
+          <a:prstGeom prst="rect">
+            <a:avLst/>
+          </a:prstGeom>
+          <a:noFill/>
+          <a:ln>
+            <a:noFill/>
+          </a:ln>
+          <a:extLst>
+            <a:ext uri="{909E8E84-426E-40DD-AFC4-6F175D3DCCD1}">
+              <a14:hiddenFill xmlns:a14="http://schemas.microsoft.com/office/drawing/2010/main">
+                <a:solidFill>
+                  <a:srgbClr val="FFFFFF"/>
+                </a:solidFill>
+              </a14:hiddenFill>
+            </a:ext>
+          </a:extLst>
+        </p:spPr>
+      </p:pic>
+      <p:sp>
+        <p:nvSpPr>
+          <p:cNvPr id="3" name="TextBox 2">
+            <a:extLst>
+              <a:ext uri="{FF2B5EF4-FFF2-40B4-BE49-F238E27FC236}">
+                <a16:creationId xmlns:a16="http://schemas.microsoft.com/office/drawing/2014/main" id="{0DA5B298-319F-4F02-8130-5779FC9D4EF5}"/>
+              </a:ext>
+            </a:extLst>
+          </p:cNvPr>
+          <p:cNvSpPr txBox="1"/>
+          <p:nvPr/>
+        </p:nvSpPr>
+        <p:spPr>
+          <a:xfrm>
+            <a:off x="0" y="2636912"/>
+            <a:ext cx="9144000" cy="3000821"/>
+          </a:xfrm>
+          <a:prstGeom prst="rect">
+            <a:avLst/>
+          </a:prstGeom>
+          <a:noFill/>
+        </p:spPr>
+        <p:txBody>
+          <a:bodyPr wrap="square" rtlCol="0">
+            <a:spAutoFit/>
+          </a:bodyPr>
+          <a:lstStyle/>
+          <a:p>
+            <a:pPr marL="742950" lvl="1" indent="-285750">
+              <a:lnSpc>
+                <a:spcPct val="150000"/>
+              </a:lnSpc>
+              <a:buFontTx/>
+              <a:buChar char="-"/>
+            </a:pPr>
+            <a:r>
+              <a:rPr lang="ko-KR" altLang="en-US" dirty="0" err="1"/>
+              <a:t>도커</a:t>
+            </a:r>
+            <a:r>
+              <a:rPr lang="ko-KR" altLang="en-US" dirty="0"/>
+              <a:t> 이미지를 만들기 위한 파일</a:t>
+            </a:r>
+            <a:endParaRPr lang="en-US" altLang="ko-KR" dirty="0"/>
+          </a:p>
+          <a:p>
+            <a:pPr marL="742950" lvl="1" indent="-285750">
+              <a:lnSpc>
+                <a:spcPct val="150000"/>
+              </a:lnSpc>
+              <a:buFontTx/>
+              <a:buChar char="-"/>
+            </a:pPr>
+            <a:endParaRPr lang="en-US" altLang="ko-KR" dirty="0"/>
+          </a:p>
+          <a:p>
+            <a:pPr marL="742950" lvl="1" indent="-285750">
+              <a:lnSpc>
+                <a:spcPct val="150000"/>
+              </a:lnSpc>
+              <a:buFontTx/>
+              <a:buChar char="-"/>
+            </a:pPr>
+            <a:r>
+              <a:rPr lang="en-US" altLang="ko-KR" dirty="0"/>
+              <a:t>DSL (Domain-Specific Language)</a:t>
+            </a:r>
+            <a:r>
+              <a:rPr lang="ko-KR" altLang="en-US" dirty="0"/>
+              <a:t>를 이용하여 이미지 생성 과정을 적는다</a:t>
+            </a:r>
+            <a:endParaRPr lang="en-US" altLang="ko-KR" dirty="0"/>
+          </a:p>
+          <a:p>
+            <a:pPr marL="742950" lvl="1" indent="-285750">
+              <a:lnSpc>
+                <a:spcPct val="150000"/>
+              </a:lnSpc>
+              <a:buFontTx/>
+              <a:buChar char="-"/>
+            </a:pPr>
+            <a:endParaRPr lang="en-US" altLang="ko-KR" dirty="0"/>
+          </a:p>
+          <a:p>
+            <a:pPr marL="742950" lvl="1" indent="-285750">
+              <a:lnSpc>
+                <a:spcPct val="150000"/>
+              </a:lnSpc>
+              <a:buFontTx/>
+              <a:buChar char="-"/>
+            </a:pPr>
+            <a:r>
+              <a:rPr lang="ko-KR" altLang="en-US" dirty="0"/>
+              <a:t>의존성 패키지 설정 및 설정파일을 만든 다음 관리하는 것이 </a:t>
+            </a:r>
+            <a:r>
+              <a:rPr lang="ko-KR" altLang="en-US" dirty="0" err="1"/>
+              <a:t>편리해졌다</a:t>
+            </a:r>
+            <a:r>
+              <a:rPr lang="en-US" altLang="ko-KR" dirty="0"/>
+              <a:t>.</a:t>
+            </a:r>
+          </a:p>
+          <a:p>
+            <a:pPr marL="742950" lvl="1" indent="-285750">
+              <a:lnSpc>
+                <a:spcPct val="150000"/>
+              </a:lnSpc>
+              <a:buFontTx/>
+              <a:buChar char="-"/>
+            </a:pPr>
+            <a:endParaRPr lang="en-US" altLang="ko-KR" dirty="0"/>
+          </a:p>
+          <a:p>
+            <a:pPr marL="742950" lvl="1" indent="-285750">
+              <a:lnSpc>
+                <a:spcPct val="150000"/>
+              </a:lnSpc>
+              <a:buFontTx/>
+              <a:buChar char="-"/>
+            </a:pPr>
+            <a:r>
+              <a:rPr lang="ko-KR" altLang="en-US" dirty="0"/>
+              <a:t>소스와 함께 버전 관리 되고 누구나 수정할 수 있다</a:t>
+            </a:r>
+            <a:r>
+              <a:rPr lang="en-US" altLang="ko-KR" dirty="0"/>
+              <a:t>.</a:t>
+            </a:r>
+          </a:p>
+        </p:txBody>
+      </p:sp>
+    </p:spTree>
+    <p:extLst>
+      <p:ext uri="{BB962C8B-B14F-4D97-AF65-F5344CB8AC3E}">
+        <p14:creationId xmlns:p14="http://schemas.microsoft.com/office/powerpoint/2010/main" val="1814674744"/>
+      </p:ext>
+    </p:extLst>
+  </p:cSld>
+  <p:clrMapOvr>
+    <a:masterClrMapping/>
+  </p:clrMapOvr>
+</p:sld>
+</file>
+
+<file path=ppt/slides/slide2.xml><?xml version="1.0" encoding="utf-8"?>
+<p:sld xmlns:a="http://schemas.openxmlformats.org/drawingml/2006/main" xmlns:r="http://schemas.openxmlformats.org/officeDocument/2006/relationships" xmlns:p="http://schemas.openxmlformats.org/presentationml/2006/main">
+  <p:cSld>
+    <p:spTree>
+      <p:nvGrpSpPr>
+        <p:cNvPr id="1" name=""/>
+        <p:cNvGrpSpPr/>
+        <p:nvPr/>
+      </p:nvGrpSpPr>
+      <p:grpSpPr>
+        <a:xfrm>
+          <a:off x="0" y="0"/>
+          <a:ext cx="0" cy="0"/>
+          <a:chOff x="0" y="0"/>
+          <a:chExt cx="0" cy="0"/>
+        </a:xfrm>
+      </p:grpSpPr>
+      <p:sp>
+        <p:nvSpPr>
+          <p:cNvPr id="4" name="Title 3"/>
+          <p:cNvSpPr>
+            <a:spLocks noGrp="1"/>
+          </p:cNvSpPr>
+          <p:nvPr>
+            <p:ph type="title"/>
+          </p:nvPr>
+        </p:nvSpPr>
+        <p:spPr/>
+        <p:txBody>
+          <a:bodyPr/>
+          <a:lstStyle/>
+          <a:p>
+            <a:r>
+              <a:rPr lang="en-US" altLang="ko-KR" dirty="0">
+                <a:latin typeface="+mj-lt"/>
+              </a:rPr>
+              <a:t> Index</a:t>
+            </a:r>
+            <a:endParaRPr lang="ko-KR" altLang="en-US" dirty="0">
+              <a:latin typeface="+mj-lt"/>
+            </a:endParaRPr>
+          </a:p>
+        </p:txBody>
+      </p:sp>
+      <p:sp>
+        <p:nvSpPr>
+          <p:cNvPr id="14" name="직사각형 13">
+            <a:extLst>
+              <a:ext uri="{FF2B5EF4-FFF2-40B4-BE49-F238E27FC236}">
+                <a16:creationId xmlns:a16="http://schemas.microsoft.com/office/drawing/2014/main" id="{949F04C5-9018-429D-99DE-6576F172F2D4}"/>
+              </a:ext>
+            </a:extLst>
+          </p:cNvPr>
+          <p:cNvSpPr/>
+          <p:nvPr/>
+        </p:nvSpPr>
+        <p:spPr>
+          <a:xfrm>
+            <a:off x="6660232" y="1086292"/>
+            <a:ext cx="2411760" cy="1007646"/>
+          </a:xfrm>
+          <a:prstGeom prst="rect">
+            <a:avLst/>
+          </a:prstGeom>
+          <a:solidFill>
+            <a:schemeClr val="bg1"/>
+          </a:solidFill>
+          <a:ln>
+            <a:solidFill>
+              <a:schemeClr val="bg1"/>
+            </a:solidFill>
+          </a:ln>
+        </p:spPr>
+        <p:style>
+          <a:lnRef idx="2">
+            <a:schemeClr val="accent1">
+              <a:shade val="50000"/>
+            </a:schemeClr>
+          </a:lnRef>
+          <a:fillRef idx="1">
+            <a:schemeClr val="accent1"/>
+          </a:fillRef>
+          <a:effectRef idx="0">
+            <a:schemeClr val="accent1"/>
+          </a:effectRef>
+          <a:fontRef idx="minor">
+            <a:schemeClr val="lt1"/>
+          </a:fontRef>
+        </p:style>
+        <p:txBody>
+          <a:bodyPr rtlCol="0" anchor="ctr"/>
+          <a:lstStyle/>
+          <a:p>
+            <a:pPr algn="ctr"/>
+            <a:endParaRPr lang="ko-KR" altLang="en-US"/>
+          </a:p>
+        </p:txBody>
+      </p:sp>
+      <p:sp>
+        <p:nvSpPr>
+          <p:cNvPr id="15" name="직사각형 14">
+            <a:extLst>
+              <a:ext uri="{FF2B5EF4-FFF2-40B4-BE49-F238E27FC236}">
+                <a16:creationId xmlns:a16="http://schemas.microsoft.com/office/drawing/2014/main" id="{B891E2EC-4DCE-4386-9B25-7D66E09E417E}"/>
+              </a:ext>
+            </a:extLst>
+          </p:cNvPr>
+          <p:cNvSpPr/>
+          <p:nvPr/>
+        </p:nvSpPr>
+        <p:spPr>
+          <a:xfrm>
+            <a:off x="6660232" y="60174"/>
+            <a:ext cx="2411760" cy="1007646"/>
+          </a:xfrm>
+          <a:prstGeom prst="rect">
+            <a:avLst/>
+          </a:prstGeom>
+          <a:solidFill>
+            <a:srgbClr val="E9EFEF"/>
+          </a:solidFill>
+          <a:ln>
+            <a:solidFill>
+              <a:srgbClr val="E9EFEF"/>
+            </a:solidFill>
+          </a:ln>
+        </p:spPr>
+        <p:style>
+          <a:lnRef idx="2">
+            <a:schemeClr val="accent1">
+              <a:shade val="50000"/>
+            </a:schemeClr>
+          </a:lnRef>
+          <a:fillRef idx="1">
+            <a:schemeClr val="accent1"/>
+          </a:fillRef>
+          <a:effectRef idx="0">
+            <a:schemeClr val="accent1"/>
+          </a:effectRef>
+          <a:fontRef idx="minor">
+            <a:schemeClr val="lt1"/>
+          </a:fontRef>
+        </p:style>
+        <p:txBody>
+          <a:bodyPr rtlCol="0" anchor="ctr"/>
+          <a:lstStyle/>
+          <a:p>
+            <a:pPr algn="ctr"/>
+            <a:endParaRPr lang="ko-KR" altLang="en-US"/>
+          </a:p>
+        </p:txBody>
+      </p:sp>
+      <p:pic>
+        <p:nvPicPr>
+          <p:cNvPr id="16" name="Picture 2" descr="docker logo">
+            <a:extLst>
+              <a:ext uri="{FF2B5EF4-FFF2-40B4-BE49-F238E27FC236}">
+                <a16:creationId xmlns:a16="http://schemas.microsoft.com/office/drawing/2014/main" id="{C8A1A5E6-7918-4787-A1BC-14A14A871BCB}"/>
+              </a:ext>
+            </a:extLst>
+          </p:cNvPr>
+          <p:cNvPicPr>
+            <a:picLocks noChangeAspect="1" noChangeArrowheads="1"/>
+          </p:cNvPicPr>
+          <p:nvPr/>
+        </p:nvPicPr>
+        <p:blipFill>
+          <a:blip r:embed="rId3" cstate="print">
+            <a:extLst>
+              <a:ext uri="{28A0092B-C50C-407E-A947-70E740481C1C}">
+                <a14:useLocalDpi xmlns:a14="http://schemas.microsoft.com/office/drawing/2010/main" val="0"/>
+              </a:ext>
+            </a:extLst>
+          </a:blip>
+          <a:srcRect/>
+          <a:stretch>
+            <a:fillRect/>
+          </a:stretch>
+        </p:blipFill>
+        <p:spPr bwMode="auto">
+          <a:xfrm>
+            <a:off x="6836361" y="132851"/>
+            <a:ext cx="2259851" cy="1567957"/>
+          </a:xfrm>
+          <a:prstGeom prst="rect">
+            <a:avLst/>
+          </a:prstGeom>
+          <a:noFill/>
+          <a:ln>
+            <a:noFill/>
+          </a:ln>
+          <a:extLst>
+            <a:ext uri="{909E8E84-426E-40DD-AFC4-6F175D3DCCD1}">
+              <a14:hiddenFill xmlns:a14="http://schemas.microsoft.com/office/drawing/2010/main">
+                <a:solidFill>
+                  <a:srgbClr val="FFFFFF"/>
+                </a:solidFill>
+              </a14:hiddenFill>
+            </a:ext>
+          </a:extLst>
+        </p:spPr>
+      </p:pic>
+      <p:sp>
+        <p:nvSpPr>
+          <p:cNvPr id="29" name="TextBox 28">
+            <a:extLst>
+              <a:ext uri="{FF2B5EF4-FFF2-40B4-BE49-F238E27FC236}">
+                <a16:creationId xmlns:a16="http://schemas.microsoft.com/office/drawing/2014/main" id="{707976F6-E6FC-44A1-8BD2-C5A8C5B80BCA}"/>
+              </a:ext>
+            </a:extLst>
+          </p:cNvPr>
+          <p:cNvSpPr txBox="1"/>
+          <p:nvPr/>
+        </p:nvSpPr>
+        <p:spPr>
+          <a:xfrm>
+            <a:off x="0" y="2084650"/>
+            <a:ext cx="9144000" cy="5016758"/>
+          </a:xfrm>
+          <a:prstGeom prst="rect">
+            <a:avLst/>
+          </a:prstGeom>
+          <a:noFill/>
+        </p:spPr>
+        <p:txBody>
+          <a:bodyPr wrap="square" rtlCol="0">
+            <a:spAutoFit/>
+          </a:bodyPr>
+          <a:lstStyle/>
+          <a:p>
+            <a:pPr marL="742950" lvl="1" indent="-285750">
+              <a:buFont typeface="Arial" panose="020B0604020202020204" pitchFamily="34" charset="0"/>
+              <a:buChar char="•"/>
+            </a:pPr>
+            <a:r>
+              <a:rPr lang="ko-KR" altLang="en-US" sz="2000" b="1" dirty="0">
+                <a:solidFill>
+                  <a:srgbClr val="2E2E2E"/>
+                </a:solidFill>
+              </a:rPr>
+              <a:t>클라우드 구축의 필수개념</a:t>
+            </a:r>
+            <a:endParaRPr lang="en-US" altLang="ko-KR" sz="2000" b="1" dirty="0">
+              <a:solidFill>
+                <a:srgbClr val="2E2E2E"/>
+              </a:solidFill>
+            </a:endParaRPr>
+          </a:p>
+          <a:p>
+            <a:pPr marL="742950" lvl="1" indent="-285750">
+              <a:buFont typeface="Arial" panose="020B0604020202020204" pitchFamily="34" charset="0"/>
+              <a:buChar char="•"/>
+            </a:pPr>
+            <a:endParaRPr lang="en-US" altLang="ko-KR" sz="2000" b="1" dirty="0">
+              <a:solidFill>
+                <a:srgbClr val="2E2E2E"/>
+              </a:solidFill>
+            </a:endParaRPr>
+          </a:p>
+          <a:p>
+            <a:pPr marL="742950" lvl="1" indent="-285750">
+              <a:buFont typeface="Arial" panose="020B0604020202020204" pitchFamily="34" charset="0"/>
+              <a:buChar char="•"/>
+            </a:pPr>
+            <a:endParaRPr lang="en-US" altLang="ko-KR" sz="2000" b="1" dirty="0">
+              <a:solidFill>
+                <a:srgbClr val="2E2E2E"/>
+              </a:solidFill>
+            </a:endParaRPr>
+          </a:p>
+          <a:p>
+            <a:pPr marL="742950" lvl="1" indent="-285750">
+              <a:buFont typeface="Arial" panose="020B0604020202020204" pitchFamily="34" charset="0"/>
+              <a:buChar char="•"/>
+            </a:pPr>
+            <a:r>
+              <a:rPr lang="ko-KR" altLang="en-US" sz="2000" b="1" dirty="0">
+                <a:solidFill>
+                  <a:srgbClr val="2E2E2E"/>
+                </a:solidFill>
+              </a:rPr>
+              <a:t>가상화의 개념 및 정의</a:t>
+            </a:r>
+            <a:endParaRPr lang="en-US" altLang="ko-KR" sz="2000" b="1" dirty="0">
+              <a:solidFill>
+                <a:srgbClr val="2E2E2E"/>
+              </a:solidFill>
+            </a:endParaRPr>
+          </a:p>
+          <a:p>
+            <a:pPr marL="742950" lvl="1" indent="-285750">
+              <a:buFont typeface="Arial" panose="020B0604020202020204" pitchFamily="34" charset="0"/>
+              <a:buChar char="•"/>
+            </a:pPr>
+            <a:endParaRPr lang="en-US" altLang="ko-KR" sz="2000" b="1" dirty="0">
+              <a:solidFill>
+                <a:srgbClr val="2E2E2E"/>
+              </a:solidFill>
+            </a:endParaRPr>
+          </a:p>
+          <a:p>
+            <a:pPr marL="742950" lvl="1" indent="-285750">
+              <a:buFont typeface="Arial" panose="020B0604020202020204" pitchFamily="34" charset="0"/>
+              <a:buChar char="•"/>
+            </a:pPr>
+            <a:endParaRPr lang="en-US" altLang="ko-KR" sz="2000" b="1" dirty="0">
+              <a:solidFill>
+                <a:srgbClr val="2E2E2E"/>
+              </a:solidFill>
+            </a:endParaRPr>
+          </a:p>
+          <a:p>
+            <a:pPr marL="742950" lvl="1" indent="-285750">
+              <a:buFont typeface="Arial" panose="020B0604020202020204" pitchFamily="34" charset="0"/>
+              <a:buChar char="•"/>
+            </a:pPr>
+            <a:r>
+              <a:rPr lang="ko-KR" altLang="en-US" sz="2000" b="1" dirty="0">
+                <a:solidFill>
+                  <a:srgbClr val="2E2E2E"/>
+                </a:solidFill>
+              </a:rPr>
+              <a:t>전가상화 </a:t>
+            </a:r>
+            <a:r>
+              <a:rPr lang="en-US" altLang="ko-KR" sz="2000" b="1" dirty="0">
+                <a:solidFill>
+                  <a:srgbClr val="2E2E2E"/>
+                </a:solidFill>
+              </a:rPr>
+              <a:t>vs </a:t>
+            </a:r>
+            <a:r>
+              <a:rPr lang="ko-KR" altLang="en-US" sz="2000" b="1" dirty="0">
+                <a:solidFill>
+                  <a:srgbClr val="2E2E2E"/>
+                </a:solidFill>
+              </a:rPr>
+              <a:t>반가상화</a:t>
+            </a:r>
+            <a:endParaRPr lang="en-US" altLang="ko-KR" sz="2000" b="1" dirty="0">
+              <a:solidFill>
+                <a:srgbClr val="2E2E2E"/>
+              </a:solidFill>
+            </a:endParaRPr>
+          </a:p>
+          <a:p>
+            <a:pPr marL="742950" lvl="1" indent="-285750">
+              <a:buFont typeface="Arial" panose="020B0604020202020204" pitchFamily="34" charset="0"/>
+              <a:buChar char="•"/>
+            </a:pPr>
+            <a:endParaRPr lang="en-US" altLang="ko-KR" sz="2000" b="1" dirty="0">
+              <a:solidFill>
+                <a:srgbClr val="2E2E2E"/>
+              </a:solidFill>
+            </a:endParaRPr>
+          </a:p>
+          <a:p>
+            <a:pPr marL="742950" lvl="1" indent="-285750">
+              <a:buFont typeface="Arial" panose="020B0604020202020204" pitchFamily="34" charset="0"/>
+              <a:buChar char="•"/>
+            </a:pPr>
+            <a:endParaRPr lang="en-US" altLang="ko-KR" sz="2000" b="1" dirty="0">
+              <a:solidFill>
+                <a:srgbClr val="2E2E2E"/>
+              </a:solidFill>
+            </a:endParaRPr>
+          </a:p>
+          <a:p>
+            <a:pPr marL="742950" lvl="1" indent="-285750">
+              <a:buFont typeface="Arial" panose="020B0604020202020204" pitchFamily="34" charset="0"/>
+              <a:buChar char="•"/>
+            </a:pPr>
+            <a:r>
+              <a:rPr lang="ko-KR" altLang="en-US" sz="2000" b="1" dirty="0">
+                <a:solidFill>
+                  <a:srgbClr val="2E2E2E"/>
+                </a:solidFill>
+              </a:rPr>
+              <a:t>컨테이너 기반 가상화</a:t>
+            </a:r>
+            <a:endParaRPr lang="en-US" altLang="ko-KR" sz="2000" b="1" dirty="0">
+              <a:solidFill>
+                <a:srgbClr val="2E2E2E"/>
+              </a:solidFill>
+            </a:endParaRPr>
+          </a:p>
+          <a:p>
+            <a:pPr marL="742950" lvl="1" indent="-285750">
+              <a:buFont typeface="Arial" panose="020B0604020202020204" pitchFamily="34" charset="0"/>
+              <a:buChar char="•"/>
+            </a:pPr>
+            <a:endParaRPr lang="en-US" altLang="ko-KR" sz="2000" b="1" dirty="0">
+              <a:solidFill>
+                <a:srgbClr val="2E2E2E"/>
+              </a:solidFill>
+            </a:endParaRPr>
+          </a:p>
+          <a:p>
+            <a:pPr marL="742950" lvl="1" indent="-285750">
+              <a:buFont typeface="Arial" panose="020B0604020202020204" pitchFamily="34" charset="0"/>
+              <a:buChar char="•"/>
+            </a:pPr>
+            <a:endParaRPr lang="en-US" altLang="ko-KR" sz="2000" b="1" dirty="0">
+              <a:solidFill>
+                <a:srgbClr val="2E2E2E"/>
+              </a:solidFill>
+            </a:endParaRPr>
+          </a:p>
+          <a:p>
+            <a:pPr marL="742950" lvl="1" indent="-285750">
+              <a:buFont typeface="Arial" panose="020B0604020202020204" pitchFamily="34" charset="0"/>
+              <a:buChar char="•"/>
+            </a:pPr>
+            <a:r>
+              <a:rPr lang="ko-KR" altLang="en-US" sz="2000" b="1" dirty="0" err="1">
+                <a:solidFill>
+                  <a:srgbClr val="2E2E2E"/>
+                </a:solidFill>
+              </a:rPr>
+              <a:t>도커</a:t>
+            </a:r>
+            <a:r>
+              <a:rPr lang="ko-KR" altLang="en-US" sz="2000" b="1" dirty="0">
+                <a:solidFill>
+                  <a:srgbClr val="2E2E2E"/>
+                </a:solidFill>
+              </a:rPr>
+              <a:t> 실습</a:t>
+            </a:r>
+            <a:endParaRPr lang="en-US" altLang="ko-KR" sz="2000" b="1" dirty="0">
+              <a:solidFill>
+                <a:srgbClr val="2E2E2E"/>
+              </a:solidFill>
+            </a:endParaRPr>
+          </a:p>
+          <a:p>
+            <a:pPr marL="742950" lvl="1" indent="-285750">
+              <a:buFont typeface="Arial" panose="020B0604020202020204" pitchFamily="34" charset="0"/>
+              <a:buChar char="•"/>
+            </a:pPr>
+            <a:endParaRPr lang="en-US" altLang="ko-KR" sz="2000" b="1" dirty="0">
+              <a:solidFill>
+                <a:srgbClr val="2E2E2E"/>
+              </a:solidFill>
+            </a:endParaRPr>
+          </a:p>
+          <a:p>
+            <a:pPr marL="742950" lvl="1" indent="-285750">
+              <a:buFont typeface="Arial" panose="020B0604020202020204" pitchFamily="34" charset="0"/>
+              <a:buChar char="•"/>
+            </a:pPr>
+            <a:endParaRPr lang="en-US" altLang="ko-KR" sz="2000" b="1" dirty="0">
+              <a:solidFill>
+                <a:srgbClr val="2E2E2E"/>
+              </a:solidFill>
+            </a:endParaRPr>
+          </a:p>
+          <a:p>
+            <a:pPr marL="285750" indent="-285750">
+              <a:buFont typeface="Arial" panose="020B0604020202020204" pitchFamily="34" charset="0"/>
+              <a:buChar char="•"/>
+            </a:pPr>
+            <a:endParaRPr lang="ko-KR" altLang="en-US" sz="2000" b="1" dirty="0">
+              <a:solidFill>
+                <a:srgbClr val="2E2E2E"/>
+              </a:solidFill>
+            </a:endParaRPr>
+          </a:p>
+        </p:txBody>
+      </p:sp>
+    </p:spTree>
+    <p:extLst>
+      <p:ext uri="{BB962C8B-B14F-4D97-AF65-F5344CB8AC3E}">
+        <p14:creationId xmlns:p14="http://schemas.microsoft.com/office/powerpoint/2010/main" val="4276950658"/>
+      </p:ext>
+    </p:extLst>
+  </p:cSld>
+  <p:clrMapOvr>
+    <a:masterClrMapping/>
+  </p:clrMapOvr>
+</p:sld>
+</file>
+
+<file path=ppt/slides/slide20.xml><?xml version="1.0" encoding="utf-8"?>
 <p:sld xmlns:a="http://schemas.openxmlformats.org/drawingml/2006/main" xmlns:r="http://schemas.openxmlformats.org/officeDocument/2006/relationships" xmlns:p="http://schemas.openxmlformats.org/presentationml/2006/main">
   <p:cSld>
     <p:spTree>
@@ -23399,7 +25731,7 @@
 </p:sld>
 </file>
 
-<file path=ppt/slides/slide18.xml><?xml version="1.0" encoding="utf-8"?>
+<file path=ppt/slides/slide21.xml><?xml version="1.0" encoding="utf-8"?>
 <p:sld xmlns:a="http://schemas.openxmlformats.org/drawingml/2006/main" xmlns:r="http://schemas.openxmlformats.org/officeDocument/2006/relationships" xmlns:p="http://schemas.openxmlformats.org/presentationml/2006/main">
   <p:cSld>
     <p:spTree>
@@ -23435,7 +25767,358 @@
               <a:rPr lang="en-US" altLang="ko-KR" sz="3600" dirty="0">
                 <a:latin typeface="+mj-lt"/>
               </a:rPr>
-              <a:t> Docker install</a:t>
+              <a:t> Docker Client Server</a:t>
+            </a:r>
+            <a:endParaRPr lang="ko-KR" altLang="en-US" sz="3600" dirty="0">
+              <a:latin typeface="+mj-lt"/>
+            </a:endParaRPr>
+          </a:p>
+        </p:txBody>
+      </p:sp>
+      <p:sp>
+        <p:nvSpPr>
+          <p:cNvPr id="14" name="직사각형 13">
+            <a:extLst>
+              <a:ext uri="{FF2B5EF4-FFF2-40B4-BE49-F238E27FC236}">
+                <a16:creationId xmlns:a16="http://schemas.microsoft.com/office/drawing/2014/main" id="{0298DF82-A921-4869-9374-AF9D8EFB100F}"/>
+              </a:ext>
+            </a:extLst>
+          </p:cNvPr>
+          <p:cNvSpPr/>
+          <p:nvPr/>
+        </p:nvSpPr>
+        <p:spPr>
+          <a:xfrm>
+            <a:off x="6660232" y="1086292"/>
+            <a:ext cx="2411760" cy="1007646"/>
+          </a:xfrm>
+          <a:prstGeom prst="rect">
+            <a:avLst/>
+          </a:prstGeom>
+          <a:solidFill>
+            <a:schemeClr val="bg1"/>
+          </a:solidFill>
+          <a:ln>
+            <a:solidFill>
+              <a:schemeClr val="bg1"/>
+            </a:solidFill>
+          </a:ln>
+        </p:spPr>
+        <p:style>
+          <a:lnRef idx="2">
+            <a:schemeClr val="accent1">
+              <a:shade val="50000"/>
+            </a:schemeClr>
+          </a:lnRef>
+          <a:fillRef idx="1">
+            <a:schemeClr val="accent1"/>
+          </a:fillRef>
+          <a:effectRef idx="0">
+            <a:schemeClr val="accent1"/>
+          </a:effectRef>
+          <a:fontRef idx="minor">
+            <a:schemeClr val="lt1"/>
+          </a:fontRef>
+        </p:style>
+        <p:txBody>
+          <a:bodyPr rtlCol="0" anchor="ctr"/>
+          <a:lstStyle/>
+          <a:p>
+            <a:pPr algn="ctr"/>
+            <a:endParaRPr lang="ko-KR" altLang="en-US"/>
+          </a:p>
+        </p:txBody>
+      </p:sp>
+      <p:sp>
+        <p:nvSpPr>
+          <p:cNvPr id="15" name="직사각형 14">
+            <a:extLst>
+              <a:ext uri="{FF2B5EF4-FFF2-40B4-BE49-F238E27FC236}">
+                <a16:creationId xmlns:a16="http://schemas.microsoft.com/office/drawing/2014/main" id="{0ED2EFC4-D0F9-4943-9536-7252E13A7022}"/>
+              </a:ext>
+            </a:extLst>
+          </p:cNvPr>
+          <p:cNvSpPr/>
+          <p:nvPr/>
+        </p:nvSpPr>
+        <p:spPr>
+          <a:xfrm>
+            <a:off x="6660232" y="60174"/>
+            <a:ext cx="2411760" cy="1007646"/>
+          </a:xfrm>
+          <a:prstGeom prst="rect">
+            <a:avLst/>
+          </a:prstGeom>
+          <a:solidFill>
+            <a:srgbClr val="E9EFEF"/>
+          </a:solidFill>
+          <a:ln>
+            <a:solidFill>
+              <a:srgbClr val="E9EFEF"/>
+            </a:solidFill>
+          </a:ln>
+        </p:spPr>
+        <p:style>
+          <a:lnRef idx="2">
+            <a:schemeClr val="accent1">
+              <a:shade val="50000"/>
+            </a:schemeClr>
+          </a:lnRef>
+          <a:fillRef idx="1">
+            <a:schemeClr val="accent1"/>
+          </a:fillRef>
+          <a:effectRef idx="0">
+            <a:schemeClr val="accent1"/>
+          </a:effectRef>
+          <a:fontRef idx="minor">
+            <a:schemeClr val="lt1"/>
+          </a:fontRef>
+        </p:style>
+        <p:txBody>
+          <a:bodyPr rtlCol="0" anchor="ctr"/>
+          <a:lstStyle/>
+          <a:p>
+            <a:pPr algn="ctr"/>
+            <a:endParaRPr lang="ko-KR" altLang="en-US"/>
+          </a:p>
+        </p:txBody>
+      </p:sp>
+      <p:pic>
+        <p:nvPicPr>
+          <p:cNvPr id="16" name="Picture 2" descr="docker logo">
+            <a:extLst>
+              <a:ext uri="{FF2B5EF4-FFF2-40B4-BE49-F238E27FC236}">
+                <a16:creationId xmlns:a16="http://schemas.microsoft.com/office/drawing/2014/main" id="{54A79DD9-3CC5-4E39-BBEB-5F7FB36FBC7C}"/>
+              </a:ext>
+            </a:extLst>
+          </p:cNvPr>
+          <p:cNvPicPr>
+            <a:picLocks noChangeAspect="1" noChangeArrowheads="1"/>
+          </p:cNvPicPr>
+          <p:nvPr/>
+        </p:nvPicPr>
+        <p:blipFill>
+          <a:blip r:embed="rId3" cstate="print">
+            <a:extLst>
+              <a:ext uri="{28A0092B-C50C-407E-A947-70E740481C1C}">
+                <a14:useLocalDpi xmlns:a14="http://schemas.microsoft.com/office/drawing/2010/main" val="0"/>
+              </a:ext>
+            </a:extLst>
+          </a:blip>
+          <a:srcRect/>
+          <a:stretch>
+            <a:fillRect/>
+          </a:stretch>
+        </p:blipFill>
+        <p:spPr bwMode="auto">
+          <a:xfrm>
+            <a:off x="6836361" y="132851"/>
+            <a:ext cx="2259851" cy="1567957"/>
+          </a:xfrm>
+          <a:prstGeom prst="rect">
+            <a:avLst/>
+          </a:prstGeom>
+          <a:noFill/>
+          <a:ln>
+            <a:noFill/>
+          </a:ln>
+          <a:extLst>
+            <a:ext uri="{909E8E84-426E-40DD-AFC4-6F175D3DCCD1}">
+              <a14:hiddenFill xmlns:a14="http://schemas.microsoft.com/office/drawing/2010/main">
+                <a:solidFill>
+                  <a:srgbClr val="FFFFFF"/>
+                </a:solidFill>
+              </a14:hiddenFill>
+            </a:ext>
+          </a:extLst>
+        </p:spPr>
+      </p:pic>
+      <p:pic>
+        <p:nvPicPr>
+          <p:cNvPr id="1026" name="Picture 2" descr="docker client-host">
+            <a:extLst>
+              <a:ext uri="{FF2B5EF4-FFF2-40B4-BE49-F238E27FC236}">
+                <a16:creationId xmlns:a16="http://schemas.microsoft.com/office/drawing/2014/main" id="{9FEAFDBC-5931-48DB-8194-D67264D4A9DC}"/>
+              </a:ext>
+            </a:extLst>
+          </p:cNvPr>
+          <p:cNvPicPr>
+            <a:picLocks noChangeAspect="1" noChangeArrowheads="1"/>
+          </p:cNvPicPr>
+          <p:nvPr/>
+        </p:nvPicPr>
+        <p:blipFill>
+          <a:blip r:embed="rId4">
+            <a:extLst>
+              <a:ext uri="{28A0092B-C50C-407E-A947-70E740481C1C}">
+                <a14:useLocalDpi xmlns:a14="http://schemas.microsoft.com/office/drawing/2010/main" val="0"/>
+              </a:ext>
+            </a:extLst>
+          </a:blip>
+          <a:srcRect/>
+          <a:stretch>
+            <a:fillRect/>
+          </a:stretch>
+        </p:blipFill>
+        <p:spPr bwMode="auto">
+          <a:xfrm>
+            <a:off x="611560" y="3584092"/>
+            <a:ext cx="8100392" cy="3273908"/>
+          </a:xfrm>
+          <a:prstGeom prst="rect">
+            <a:avLst/>
+          </a:prstGeom>
+          <a:noFill/>
+          <a:extLst>
+            <a:ext uri="{909E8E84-426E-40DD-AFC4-6F175D3DCCD1}">
+              <a14:hiddenFill xmlns:a14="http://schemas.microsoft.com/office/drawing/2010/main">
+                <a:solidFill>
+                  <a:srgbClr val="FFFFFF"/>
+                </a:solidFill>
+              </a14:hiddenFill>
+            </a:ext>
+          </a:extLst>
+        </p:spPr>
+      </p:pic>
+      <p:sp>
+        <p:nvSpPr>
+          <p:cNvPr id="9" name="TextBox 8">
+            <a:extLst>
+              <a:ext uri="{FF2B5EF4-FFF2-40B4-BE49-F238E27FC236}">
+                <a16:creationId xmlns:a16="http://schemas.microsoft.com/office/drawing/2014/main" id="{0C48E3D8-865D-441F-B182-8263630AA09A}"/>
+              </a:ext>
+            </a:extLst>
+          </p:cNvPr>
+          <p:cNvSpPr txBox="1"/>
+          <p:nvPr/>
+        </p:nvSpPr>
+        <p:spPr>
+          <a:xfrm>
+            <a:off x="89756" y="1816881"/>
+            <a:ext cx="9144000" cy="1754326"/>
+          </a:xfrm>
+          <a:prstGeom prst="rect">
+            <a:avLst/>
+          </a:prstGeom>
+          <a:noFill/>
+        </p:spPr>
+        <p:txBody>
+          <a:bodyPr wrap="square" rtlCol="0">
+            <a:spAutoFit/>
+          </a:bodyPr>
+          <a:lstStyle/>
+          <a:p>
+            <a:pPr marL="742950" lvl="1" indent="-285750">
+              <a:lnSpc>
+                <a:spcPct val="150000"/>
+              </a:lnSpc>
+              <a:buFontTx/>
+              <a:buChar char="-"/>
+            </a:pPr>
+            <a:r>
+              <a:rPr lang="ko-KR" altLang="en-US" dirty="0" err="1"/>
+              <a:t>도커는</a:t>
+            </a:r>
+            <a:r>
+              <a:rPr lang="ko-KR" altLang="en-US" dirty="0"/>
+              <a:t> 하나의 실행파일이지만 클라이언트와 서버역할을 각각 할 수 있다</a:t>
+            </a:r>
+            <a:r>
+              <a:rPr lang="en-US" altLang="ko-KR" dirty="0"/>
+              <a:t>.</a:t>
+            </a:r>
+          </a:p>
+          <a:p>
+            <a:pPr marL="742950" lvl="1" indent="-285750">
+              <a:lnSpc>
+                <a:spcPct val="150000"/>
+              </a:lnSpc>
+              <a:buFontTx/>
+              <a:buChar char="-"/>
+            </a:pPr>
+            <a:endParaRPr lang="en-US" altLang="ko-KR" dirty="0"/>
+          </a:p>
+          <a:p>
+            <a:pPr marL="742950" lvl="1" indent="-285750">
+              <a:lnSpc>
+                <a:spcPct val="150000"/>
+              </a:lnSpc>
+              <a:buFontTx/>
+              <a:buChar char="-"/>
+            </a:pPr>
+            <a:r>
+              <a:rPr lang="ko-KR" altLang="en-US" dirty="0" err="1"/>
+              <a:t>토커</a:t>
+            </a:r>
+            <a:r>
+              <a:rPr lang="ko-KR" altLang="en-US" dirty="0"/>
+              <a:t> 커맨드를 입력하면 클라이언트가 서버로 명령을 전송하고 결과를 받아 </a:t>
+            </a:r>
+            <a:r>
+              <a:rPr lang="en-US" altLang="ko-KR" dirty="0"/>
+              <a:t>   </a:t>
+            </a:r>
+            <a:r>
+              <a:rPr lang="ko-KR" altLang="en-US" dirty="0"/>
+              <a:t>터미널에 출력된다</a:t>
+            </a:r>
+            <a:r>
+              <a:rPr lang="en-US" altLang="ko-KR" dirty="0"/>
+              <a:t>.</a:t>
+            </a:r>
+          </a:p>
+        </p:txBody>
+      </p:sp>
+    </p:spTree>
+    <p:extLst>
+      <p:ext uri="{BB962C8B-B14F-4D97-AF65-F5344CB8AC3E}">
+        <p14:creationId xmlns:p14="http://schemas.microsoft.com/office/powerpoint/2010/main" val="1968132025"/>
+      </p:ext>
+    </p:extLst>
+  </p:cSld>
+  <p:clrMapOvr>
+    <a:masterClrMapping/>
+  </p:clrMapOvr>
+</p:sld>
+</file>
+
+<file path=ppt/slides/slide22.xml><?xml version="1.0" encoding="utf-8"?>
+<p:sld xmlns:a="http://schemas.openxmlformats.org/drawingml/2006/main" xmlns:r="http://schemas.openxmlformats.org/officeDocument/2006/relationships" xmlns:p="http://schemas.openxmlformats.org/presentationml/2006/main">
+  <p:cSld>
+    <p:spTree>
+      <p:nvGrpSpPr>
+        <p:cNvPr id="1" name=""/>
+        <p:cNvGrpSpPr/>
+        <p:nvPr/>
+      </p:nvGrpSpPr>
+      <p:grpSpPr>
+        <a:xfrm>
+          <a:off x="0" y="0"/>
+          <a:ext cx="0" cy="0"/>
+          <a:chOff x="0" y="0"/>
+          <a:chExt cx="0" cy="0"/>
+        </a:xfrm>
+      </p:grpSpPr>
+      <p:sp>
+        <p:nvSpPr>
+          <p:cNvPr id="4" name="Title 3"/>
+          <p:cNvSpPr>
+            <a:spLocks noGrp="1"/>
+          </p:cNvSpPr>
+          <p:nvPr>
+            <p:ph type="title"/>
+          </p:nvPr>
+        </p:nvSpPr>
+        <p:spPr/>
+        <p:txBody>
+          <a:bodyPr/>
+          <a:lstStyle/>
+          <a:p>
+            <a:r>
+              <a:rPr lang="en-US" altLang="ko-KR" sz="3600" dirty="0">
+                <a:latin typeface="+mj-lt"/>
+              </a:rPr>
+              <a:t> Docker Start</a:t>
             </a:r>
             <a:endParaRPr lang="ko-KR" altLang="en-US" sz="3600" dirty="0">
               <a:latin typeface="+mj-lt"/>
@@ -23857,7 +26540,7 @@
 </p:sld>
 </file>
 
-<file path=ppt/slides/slide19.xml><?xml version="1.0" encoding="utf-8"?>
+<file path=ppt/slides/slide23.xml><?xml version="1.0" encoding="utf-8"?>
 <p:sld xmlns:a="http://schemas.openxmlformats.org/drawingml/2006/main" xmlns:r="http://schemas.openxmlformats.org/officeDocument/2006/relationships" xmlns:p="http://schemas.openxmlformats.org/presentationml/2006/main">
   <p:cSld>
     <p:spTree>
@@ -23893,31 +26576,7 @@
               <a:rPr lang="en-US" altLang="ko-KR" sz="3600" dirty="0">
                 <a:latin typeface="+mj-lt"/>
               </a:rPr>
-              <a:t> [</a:t>
-            </a:r>
-            <a:r>
-              <a:rPr lang="ko-KR" altLang="en-US" sz="3600" dirty="0">
-                <a:latin typeface="+mj-lt"/>
-              </a:rPr>
-              <a:t>참고</a:t>
-            </a:r>
-            <a:r>
-              <a:rPr lang="en-US" altLang="ko-KR" sz="3600" dirty="0">
-                <a:latin typeface="+mj-lt"/>
-              </a:rPr>
-              <a:t>]Docker run</a:t>
-            </a:r>
-            <a:r>
-              <a:rPr lang="ko-KR" altLang="en-US" sz="3600" dirty="0">
-                <a:latin typeface="+mj-lt"/>
-              </a:rPr>
-              <a:t> </a:t>
-            </a:r>
-            <a:r>
-              <a:rPr lang="en-US" altLang="ko-KR" sz="3600" dirty="0">
-                <a:latin typeface="+mj-lt"/>
-              </a:rPr>
-              <a:t>option</a:t>
+              <a:t> Docker Start</a:t>
             </a:r>
             <a:endParaRPr lang="ko-KR" altLang="en-US" sz="3600" dirty="0">
               <a:latin typeface="+mj-lt"/>
@@ -24098,7 +26757,7 @@
         <p:spPr>
           <a:xfrm>
             <a:off x="32" y="1628800"/>
-            <a:ext cx="9143968" cy="4247317"/>
+            <a:ext cx="9143968" cy="4801314"/>
           </a:xfrm>
           <a:prstGeom prst="rect">
             <a:avLst/>
@@ -24116,13 +26775,41 @@
               <a:buChar char="•"/>
             </a:pPr>
             <a:r>
+              <a:rPr lang="ko-KR" altLang="en-US" dirty="0" err="1"/>
+              <a:t>도커</a:t>
+            </a:r>
+            <a:r>
+              <a:rPr lang="ko-KR" altLang="en-US" dirty="0"/>
+              <a:t> 이미지 검색</a:t>
+            </a:r>
+            <a:r>
               <a:rPr lang="en-US" altLang="ko-KR" dirty="0"/>
-              <a:t>P(publish) 		: </a:t>
+              <a:t>(</a:t>
             </a:r>
             <a:r>
               <a:rPr lang="ko-KR" altLang="en-US" dirty="0"/>
-              <a:t>포트 노출</a:t>
-            </a:r>
+              <a:t>기본이 최신버전</a:t>
+            </a:r>
+            <a:r>
+              <a:rPr lang="en-US" altLang="ko-KR" dirty="0"/>
+              <a:t>)</a:t>
+            </a:r>
+          </a:p>
+          <a:p>
+            <a:pPr marL="1200150" lvl="2" indent="-285750">
+              <a:buFont typeface="Wingdings" panose="05000000000000000000" pitchFamily="2" charset="2"/>
+              <a:buChar char="ü"/>
+            </a:pPr>
+            <a:r>
+              <a:rPr lang="en-US" altLang="ko-KR" dirty="0"/>
+              <a:t>docker search ubuntu</a:t>
+            </a:r>
+          </a:p>
+          <a:p>
+            <a:pPr marL="1200150" lvl="2" indent="-285750">
+              <a:buFont typeface="Wingdings" panose="05000000000000000000" pitchFamily="2" charset="2"/>
+              <a:buChar char="ü"/>
+            </a:pPr>
             <a:endParaRPr lang="en-US" altLang="ko-KR" dirty="0"/>
           </a:p>
           <a:p>
@@ -24130,6 +26817,27 @@
               <a:buFont typeface="Arial" panose="020B0604020202020204" pitchFamily="34" charset="0"/>
               <a:buChar char="•"/>
             </a:pPr>
+            <a:r>
+              <a:rPr lang="ko-KR" altLang="en-US" dirty="0"/>
+              <a:t>우분투 이미지 다운로드</a:t>
+            </a:r>
+            <a:endParaRPr lang="en-US" altLang="ko-KR" dirty="0"/>
+          </a:p>
+          <a:p>
+            <a:pPr marL="1200150" lvl="2" indent="-285750">
+              <a:buFont typeface="Wingdings" panose="05000000000000000000" pitchFamily="2" charset="2"/>
+              <a:buChar char="ü"/>
+            </a:pPr>
+            <a:r>
+              <a:rPr lang="en-US" altLang="ko-KR" dirty="0"/>
+              <a:t>docker pull ubuntu</a:t>
+            </a:r>
+          </a:p>
+          <a:p>
+            <a:pPr marL="1200150" lvl="2" indent="-285750">
+              <a:buFont typeface="Wingdings" panose="05000000000000000000" pitchFamily="2" charset="2"/>
+              <a:buChar char="ü"/>
+            </a:pPr>
             <a:endParaRPr lang="en-US" altLang="ko-KR" dirty="0"/>
           </a:p>
           <a:p>
@@ -24138,13 +26846,26 @@
               <a:buChar char="•"/>
             </a:pPr>
             <a:r>
+              <a:rPr lang="ko-KR" altLang="en-US" dirty="0"/>
+              <a:t>이미지 리스트 출력</a:t>
+            </a:r>
+            <a:endParaRPr lang="en-US" altLang="ko-KR" dirty="0"/>
+          </a:p>
+          <a:p>
+            <a:pPr marL="1200150" lvl="2" indent="-285750">
+              <a:buFont typeface="Wingdings" panose="05000000000000000000" pitchFamily="2" charset="2"/>
+              <a:buChar char="ü"/>
+            </a:pPr>
+            <a:r>
               <a:rPr lang="en-US" altLang="ko-KR" dirty="0"/>
-              <a:t>d(detach)/--detach		: </a:t>
-            </a:r>
-            <a:r>
-              <a:rPr lang="ko-KR" altLang="en-US" dirty="0"/>
-              <a:t>서버형 실행</a:t>
-            </a:r>
+              <a:t>docker images</a:t>
+            </a:r>
+          </a:p>
+          <a:p>
+            <a:pPr marL="1200150" lvl="2" indent="-285750">
+              <a:buFont typeface="Wingdings" panose="05000000000000000000" pitchFamily="2" charset="2"/>
+              <a:buChar char="ü"/>
+            </a:pPr>
             <a:endParaRPr lang="en-US" altLang="ko-KR" dirty="0"/>
           </a:p>
           <a:p>
@@ -24152,6 +26873,32 @@
               <a:buFont typeface="Arial" panose="020B0604020202020204" pitchFamily="34" charset="0"/>
               <a:buChar char="•"/>
             </a:pPr>
+            <a:r>
+              <a:rPr lang="ko-KR" altLang="en-US" dirty="0"/>
+              <a:t>컨테이너 생성</a:t>
+            </a:r>
+            <a:endParaRPr lang="en-US" altLang="ko-KR" dirty="0"/>
+          </a:p>
+          <a:p>
+            <a:pPr marL="1200150" lvl="2" indent="-285750">
+              <a:buFont typeface="Wingdings" panose="05000000000000000000" pitchFamily="2" charset="2"/>
+              <a:buChar char="ü"/>
+            </a:pPr>
+            <a:r>
+              <a:rPr lang="en-US" altLang="ko-KR" dirty="0"/>
+              <a:t>docker run --name=ubuntu </a:t>
+            </a:r>
+            <a:r>
+              <a:rPr lang="en-US" altLang="ko-KR" dirty="0" err="1"/>
+              <a:t>ubuntu</a:t>
+            </a:r>
+            <a:endParaRPr lang="en-US" altLang="ko-KR" dirty="0"/>
+          </a:p>
+          <a:p>
+            <a:pPr marL="1200150" lvl="2" indent="-285750">
+              <a:buFont typeface="Wingdings" panose="05000000000000000000" pitchFamily="2" charset="2"/>
+              <a:buChar char="ü"/>
+            </a:pPr>
             <a:endParaRPr lang="en-US" altLang="ko-KR" dirty="0"/>
           </a:p>
           <a:p>
@@ -24160,29 +26907,42 @@
               <a:buChar char="•"/>
             </a:pPr>
             <a:r>
+              <a:rPr lang="ko-KR" altLang="en-US" dirty="0"/>
+              <a:t>컨테이너 생성 및 접속</a:t>
+            </a:r>
+            <a:endParaRPr lang="en-US" altLang="ko-KR" dirty="0"/>
+          </a:p>
+          <a:p>
+            <a:pPr marL="1200150" lvl="2" indent="-285750">
+              <a:buFont typeface="Wingdings" panose="05000000000000000000" pitchFamily="2" charset="2"/>
+              <a:buChar char="ü"/>
+            </a:pPr>
+            <a:r>
               <a:rPr lang="en-US" altLang="ko-KR" dirty="0"/>
-              <a:t>e(</a:t>
+              <a:t>Docker run –</a:t>
             </a:r>
             <a:r>
               <a:rPr lang="en-US" altLang="ko-KR" dirty="0" err="1"/>
-              <a:t>env</a:t>
+              <a:t>rm</a:t>
             </a:r>
             <a:r>
               <a:rPr lang="en-US" altLang="ko-KR" dirty="0"/>
-              <a:t>)/--</a:t>
+              <a:t> –it –name=ubuntu </a:t>
             </a:r>
             <a:r>
               <a:rPr lang="en-US" altLang="ko-KR" dirty="0" err="1"/>
-              <a:t>env</a:t>
+              <a:t>ubuntu</a:t>
             </a:r>
             <a:r>
               <a:rPr lang="en-US" altLang="ko-KR" dirty="0"/>
-              <a:t> 		: </a:t>
-            </a:r>
-            <a:r>
-              <a:rPr lang="ko-KR" altLang="en-US" dirty="0"/>
-              <a:t>환경변수 설정</a:t>
-            </a:r>
+              <a:t> /bin/bash</a:t>
+            </a:r>
+          </a:p>
+          <a:p>
+            <a:pPr marL="1200150" lvl="2" indent="-285750">
+              <a:buFont typeface="Wingdings" panose="05000000000000000000" pitchFamily="2" charset="2"/>
+              <a:buChar char="ü"/>
+            </a:pPr>
             <a:endParaRPr lang="en-US" altLang="ko-KR" dirty="0"/>
           </a:p>
           <a:p>
@@ -24190,145 +26950,45 @@
               <a:buFont typeface="Arial" panose="020B0604020202020204" pitchFamily="34" charset="0"/>
               <a:buChar char="•"/>
             </a:pPr>
+            <a:r>
+              <a:rPr lang="ko-KR" altLang="en-US" dirty="0"/>
+              <a:t>컨테이너 탈출</a:t>
+            </a:r>
             <a:endParaRPr lang="en-US" altLang="ko-KR" dirty="0"/>
           </a:p>
           <a:p>
-            <a:pPr marL="742950" lvl="1" indent="-285750">
-              <a:buFont typeface="Arial" panose="020B0604020202020204" pitchFamily="34" charset="0"/>
-              <a:buChar char="•"/>
+            <a:pPr marL="1200150" lvl="2" indent="-285750">
+              <a:buFont typeface="Wingdings" panose="05000000000000000000" pitchFamily="2" charset="2"/>
+              <a:buChar char="ü"/>
             </a:pPr>
             <a:r>
-              <a:rPr lang="en-US" altLang="ko-KR" dirty="0" err="1"/>
-              <a:t>i</a:t>
-            </a:r>
-            <a:r>
               <a:rPr lang="en-US" altLang="ko-KR" dirty="0"/>
-              <a:t>(interactive) 		: </a:t>
+              <a:t>exit or </a:t>
             </a:r>
             <a:r>
               <a:rPr lang="ko-KR" altLang="en-US" dirty="0"/>
-              <a:t>표준입력 </a:t>
-            </a:r>
-            <a:r>
-              <a:rPr lang="ko-KR" altLang="en-US" dirty="0" err="1"/>
-              <a:t>열어두기</a:t>
-            </a:r>
-            <a:endParaRPr lang="en-US" altLang="ko-KR" dirty="0"/>
-          </a:p>
-          <a:p>
-            <a:pPr marL="742950" lvl="1" indent="-285750">
-              <a:buFont typeface="Arial" panose="020B0604020202020204" pitchFamily="34" charset="0"/>
-              <a:buChar char="•"/>
-            </a:pPr>
-            <a:endParaRPr lang="en-US" altLang="ko-KR" dirty="0"/>
-          </a:p>
-          <a:p>
-            <a:pPr marL="742950" lvl="1" indent="-285750">
-              <a:buFont typeface="Arial" panose="020B0604020202020204" pitchFamily="34" charset="0"/>
-              <a:buChar char="•"/>
-            </a:pPr>
+              <a:t>컨트롤</a:t>
+            </a:r>
             <a:r>
               <a:rPr lang="en-US" altLang="ko-KR" dirty="0"/>
-              <a:t>t(</a:t>
-            </a:r>
-            <a:r>
-              <a:rPr lang="en-US" altLang="ko-KR" dirty="0" err="1"/>
-              <a:t>tty</a:t>
+              <a:t>-P-Q(</a:t>
+            </a:r>
+            <a:r>
+              <a:rPr lang="ko-KR" altLang="en-US" dirty="0"/>
+              <a:t>컨테이너 정지하지 않고 나옴</a:t>
             </a:r>
             <a:r>
               <a:rPr lang="en-US" altLang="ko-KR" dirty="0"/>
-              <a:t>) 			: </a:t>
-            </a:r>
-            <a:r>
-              <a:rPr lang="ko-KR" altLang="en-US" dirty="0"/>
-              <a:t>터미널 인터페이스</a:t>
-            </a:r>
-            <a:endParaRPr lang="en-US" altLang="ko-KR" dirty="0"/>
-          </a:p>
-          <a:p>
-            <a:pPr marL="742950" lvl="1" indent="-285750">
-              <a:buFont typeface="Arial" panose="020B0604020202020204" pitchFamily="34" charset="0"/>
-              <a:buChar char="•"/>
-            </a:pPr>
-            <a:endParaRPr lang="en-US" altLang="ko-KR" dirty="0"/>
-          </a:p>
-          <a:p>
-            <a:pPr marL="742950" lvl="1" indent="-285750">
-              <a:buFont typeface="Arial" panose="020B0604020202020204" pitchFamily="34" charset="0"/>
-              <a:buChar char="•"/>
-            </a:pPr>
-            <a:r>
-              <a:rPr lang="en-US" altLang="ko-KR" dirty="0"/>
-              <a:t>v(volume) 		: </a:t>
-            </a:r>
-            <a:r>
-              <a:rPr lang="ko-KR" altLang="en-US" dirty="0"/>
-              <a:t>호스트 디렉토리 연결</a:t>
-            </a:r>
-            <a:endParaRPr lang="en-US" altLang="ko-KR" dirty="0"/>
-          </a:p>
-          <a:p>
-            <a:pPr marL="742950" lvl="1" indent="-285750">
-              <a:buFont typeface="Arial" panose="020B0604020202020204" pitchFamily="34" charset="0"/>
-              <a:buChar char="•"/>
-            </a:pPr>
-            <a:endParaRPr lang="en-US" altLang="ko-KR" dirty="0"/>
-          </a:p>
-          <a:p>
-            <a:pPr marL="742950" lvl="1" indent="-285750">
-              <a:buFont typeface="Arial" panose="020B0604020202020204" pitchFamily="34" charset="0"/>
-              <a:buChar char="•"/>
-            </a:pPr>
-            <a:r>
-              <a:rPr lang="en-US" altLang="ko-KR" dirty="0"/>
-              <a:t>w(</a:t>
-            </a:r>
-            <a:r>
-              <a:rPr lang="en-US" altLang="ko-KR" dirty="0" err="1"/>
-              <a:t>workdir</a:t>
-            </a:r>
-            <a:r>
-              <a:rPr lang="en-US" altLang="ko-KR" dirty="0"/>
-              <a:t>) 		: </a:t>
-            </a:r>
-            <a:r>
-              <a:rPr lang="ko-KR" altLang="en-US" dirty="0" err="1"/>
-              <a:t>작업디렉토리</a:t>
-            </a:r>
-            <a:r>
-              <a:rPr lang="ko-KR" altLang="en-US" dirty="0"/>
-              <a:t> 설정</a:t>
-            </a:r>
-            <a:endParaRPr lang="en-US" altLang="ko-KR" dirty="0"/>
-          </a:p>
-          <a:p>
-            <a:pPr marL="742950" lvl="1" indent="-285750">
-              <a:buFont typeface="Arial" panose="020B0604020202020204" pitchFamily="34" charset="0"/>
-              <a:buChar char="•"/>
-            </a:pPr>
-            <a:endParaRPr lang="en-US" altLang="ko-KR" dirty="0"/>
-          </a:p>
-          <a:p>
-            <a:pPr marL="742950" lvl="1" indent="-285750">
-              <a:buFont typeface="Arial" panose="020B0604020202020204" pitchFamily="34" charset="0"/>
-              <a:buChar char="•"/>
-            </a:pPr>
-            <a:r>
-              <a:rPr lang="en-US" altLang="ko-KR" dirty="0"/>
-              <a:t>l(link)/--link 		: </a:t>
-            </a:r>
-            <a:r>
-              <a:rPr lang="ko-KR" altLang="en-US" dirty="0"/>
-              <a:t>컨테이너 연결</a:t>
-            </a:r>
-            <a:endParaRPr lang="en-US" altLang="ko-KR" dirty="0"/>
+              <a:t>)</a:t>
+            </a:r>
+            <a:endParaRPr lang="ko-KR" altLang="en-US" dirty="0"/>
           </a:p>
         </p:txBody>
       </p:sp>
     </p:spTree>
     <p:extLst>
       <p:ext uri="{BB962C8B-B14F-4D97-AF65-F5344CB8AC3E}">
-        <p14:creationId xmlns:p14="http://schemas.microsoft.com/office/powerpoint/2010/main" val="2536506372"/>
+        <p14:creationId xmlns:p14="http://schemas.microsoft.com/office/powerpoint/2010/main" val="3134466091"/>
       </p:ext>
     </p:extLst>
   </p:cSld>
@@ -24338,7 +26998,7 @@
 </p:sld>
 </file>
 
-<file path=ppt/slides/slide2.xml><?xml version="1.0" encoding="utf-8"?>
+<file path=ppt/slides/slide24.xml><?xml version="1.0" encoding="utf-8"?>
 <p:sld xmlns:a="http://schemas.openxmlformats.org/drawingml/2006/main" xmlns:r="http://schemas.openxmlformats.org/officeDocument/2006/relationships" xmlns:p="http://schemas.openxmlformats.org/presentationml/2006/main">
   <p:cSld>
     <p:spTree>
@@ -24371,12 +27031,36 @@
           <a:lstStyle/>
           <a:p>
             <a:r>
-              <a:rPr lang="en-US" altLang="ko-KR" dirty="0">
+              <a:rPr lang="en-US" altLang="ko-KR" sz="3600" dirty="0">
                 <a:latin typeface="+mj-lt"/>
               </a:rPr>
-              <a:t> Index</a:t>
-            </a:r>
-            <a:endParaRPr lang="ko-KR" altLang="en-US" dirty="0">
+              <a:t> [</a:t>
+            </a:r>
+            <a:r>
+              <a:rPr lang="ko-KR" altLang="en-US" sz="3600" dirty="0">
+                <a:latin typeface="+mj-lt"/>
+              </a:rPr>
+              <a:t>참고</a:t>
+            </a:r>
+            <a:r>
+              <a:rPr lang="en-US" altLang="ko-KR" sz="3600" dirty="0">
+                <a:latin typeface="+mj-lt"/>
+              </a:rPr>
+              <a:t>]Docker run</a:t>
+            </a:r>
+            <a:r>
+              <a:rPr lang="ko-KR" altLang="en-US" sz="3600" dirty="0">
+                <a:latin typeface="+mj-lt"/>
+              </a:rPr>
+              <a:t> </a:t>
+            </a:r>
+            <a:r>
+              <a:rPr lang="en-US" altLang="ko-KR" sz="3600" dirty="0">
+                <a:latin typeface="+mj-lt"/>
+              </a:rPr>
+              <a:t>option</a:t>
+            </a:r>
+            <a:endParaRPr lang="ko-KR" altLang="en-US" sz="3600" dirty="0">
               <a:latin typeface="+mj-lt"/>
             </a:endParaRPr>
           </a:p>
@@ -24387,7 +27071,7 @@
           <p:cNvPr id="14" name="직사각형 13">
             <a:extLst>
               <a:ext uri="{FF2B5EF4-FFF2-40B4-BE49-F238E27FC236}">
-                <a16:creationId xmlns:a16="http://schemas.microsoft.com/office/drawing/2014/main" id="{949F04C5-9018-429D-99DE-6576F172F2D4}"/>
+                <a16:creationId xmlns:a16="http://schemas.microsoft.com/office/drawing/2014/main" id="{0298DF82-A921-4869-9374-AF9D8EFB100F}"/>
               </a:ext>
             </a:extLst>
           </p:cNvPr>
@@ -24441,7 +27125,7 @@
           <p:cNvPr id="15" name="직사각형 14">
             <a:extLst>
               <a:ext uri="{FF2B5EF4-FFF2-40B4-BE49-F238E27FC236}">
-                <a16:creationId xmlns:a16="http://schemas.microsoft.com/office/drawing/2014/main" id="{B891E2EC-4DCE-4386-9B25-7D66E09E417E}"/>
+                <a16:creationId xmlns:a16="http://schemas.microsoft.com/office/drawing/2014/main" id="{0ED2EFC4-D0F9-4943-9536-7252E13A7022}"/>
               </a:ext>
             </a:extLst>
           </p:cNvPr>
@@ -24495,7 +27179,7 @@
           <p:cNvPr id="16" name="Picture 2" descr="docker logo">
             <a:extLst>
               <a:ext uri="{FF2B5EF4-FFF2-40B4-BE49-F238E27FC236}">
-                <a16:creationId xmlns:a16="http://schemas.microsoft.com/office/drawing/2014/main" id="{C8A1A5E6-7918-4787-A1BC-14A14A871BCB}"/>
+                <a16:creationId xmlns:a16="http://schemas.microsoft.com/office/drawing/2014/main" id="{54A79DD9-3CC5-4E39-BBEB-5F7FB36FBC7C}"/>
               </a:ext>
             </a:extLst>
           </p:cNvPr>
@@ -24542,10 +27226,10 @@
       </p:pic>
       <p:sp>
         <p:nvSpPr>
-          <p:cNvPr id="29" name="TextBox 28">
+          <p:cNvPr id="3" name="TextBox 2">
             <a:extLst>
               <a:ext uri="{FF2B5EF4-FFF2-40B4-BE49-F238E27FC236}">
-                <a16:creationId xmlns:a16="http://schemas.microsoft.com/office/drawing/2014/main" id="{707976F6-E6FC-44A1-8BD2-C5A8C5B80BCA}"/>
+                <a16:creationId xmlns:a16="http://schemas.microsoft.com/office/drawing/2014/main" id="{920C7286-FC06-4491-BE23-24D8F2BC5471}"/>
               </a:ext>
             </a:extLst>
           </p:cNvPr>
@@ -24554,8 +27238,8 @@
         </p:nvSpPr>
         <p:spPr>
           <a:xfrm>
-            <a:off x="0" y="2276872"/>
-            <a:ext cx="9144000" cy="4093428"/>
+            <a:off x="32" y="1628800"/>
+            <a:ext cx="9143968" cy="4801314"/>
           </a:xfrm>
           <a:prstGeom prst="rect">
             <a:avLst/>
@@ -24573,81 +27257,103 @@
               <a:buChar char="•"/>
             </a:pPr>
             <a:r>
-              <a:rPr lang="ko-KR" altLang="en-US" sz="2000" b="1" dirty="0">
-                <a:solidFill>
-                  <a:srgbClr val="2E2E2E"/>
-                </a:solidFill>
-              </a:rPr>
-              <a:t>클라우드 구축의 필수개념</a:t>
-            </a:r>
-            <a:endParaRPr lang="en-US" altLang="ko-KR" sz="2000" b="1" dirty="0">
-              <a:solidFill>
-                <a:srgbClr val="2E2E2E"/>
-              </a:solidFill>
-            </a:endParaRPr>
+              <a:rPr lang="en-US" altLang="ko-KR" dirty="0"/>
+              <a:t>P(publish) 		: </a:t>
+            </a:r>
+            <a:r>
+              <a:rPr lang="ko-KR" altLang="en-US" dirty="0"/>
+              <a:t>호스트와 컨테이너 포트 연결 </a:t>
+            </a:r>
+            <a:r>
+              <a:rPr lang="en-US" altLang="ko-KR" dirty="0"/>
+              <a:t>( </a:t>
+            </a:r>
+            <a:r>
+              <a:rPr lang="ko-KR" altLang="en-US" dirty="0"/>
+              <a:t>포워딩 </a:t>
+            </a:r>
+            <a:r>
+              <a:rPr lang="en-US" altLang="ko-KR" dirty="0"/>
+              <a:t>)</a:t>
+            </a:r>
           </a:p>
           <a:p>
             <a:pPr marL="742950" lvl="1" indent="-285750">
               <a:buFont typeface="Arial" panose="020B0604020202020204" pitchFamily="34" charset="0"/>
               <a:buChar char="•"/>
             </a:pPr>
-            <a:endParaRPr lang="en-US" altLang="ko-KR" sz="2000" b="1" dirty="0">
-              <a:solidFill>
-                <a:srgbClr val="2E2E2E"/>
-              </a:solidFill>
-            </a:endParaRPr>
+            <a:endParaRPr lang="en-US" altLang="ko-KR" dirty="0"/>
           </a:p>
           <a:p>
             <a:pPr marL="742950" lvl="1" indent="-285750">
               <a:buFont typeface="Arial" panose="020B0604020202020204" pitchFamily="34" charset="0"/>
               <a:buChar char="•"/>
             </a:pPr>
-            <a:endParaRPr lang="en-US" altLang="ko-KR" sz="2000" b="1" dirty="0">
-              <a:solidFill>
-                <a:srgbClr val="2E2E2E"/>
-              </a:solidFill>
-            </a:endParaRPr>
+            <a:r>
+              <a:rPr lang="en-US" altLang="ko-KR" dirty="0"/>
+              <a:t>d(detach)/--detach		: </a:t>
+            </a:r>
+            <a:r>
+              <a:rPr lang="ko-KR" altLang="en-US" dirty="0"/>
+              <a:t>서버형 실행 </a:t>
+            </a:r>
+            <a:r>
+              <a:rPr lang="en-US" altLang="ko-KR" dirty="0"/>
+              <a:t>( </a:t>
+            </a:r>
+            <a:r>
+              <a:rPr lang="ko-KR" altLang="en-US" dirty="0"/>
+              <a:t>백그라운드 모드 </a:t>
+            </a:r>
+            <a:r>
+              <a:rPr lang="en-US" altLang="ko-KR" dirty="0"/>
+              <a:t>)</a:t>
+            </a:r>
           </a:p>
           <a:p>
             <a:pPr marL="742950" lvl="1" indent="-285750">
               <a:buFont typeface="Arial" panose="020B0604020202020204" pitchFamily="34" charset="0"/>
               <a:buChar char="•"/>
             </a:pPr>
-            <a:r>
-              <a:rPr lang="ko-KR" altLang="en-US" sz="2000" b="1" dirty="0">
-                <a:solidFill>
-                  <a:srgbClr val="2E2E2E"/>
-                </a:solidFill>
-              </a:rPr>
-              <a:t>가상화의 개념 및 정의</a:t>
-            </a:r>
-            <a:endParaRPr lang="en-US" altLang="ko-KR" sz="2000" b="1" dirty="0">
-              <a:solidFill>
-                <a:srgbClr val="2E2E2E"/>
-              </a:solidFill>
-            </a:endParaRPr>
+            <a:endParaRPr lang="en-US" altLang="ko-KR" dirty="0"/>
           </a:p>
           <a:p>
             <a:pPr marL="742950" lvl="1" indent="-285750">
               <a:buFont typeface="Arial" panose="020B0604020202020204" pitchFamily="34" charset="0"/>
               <a:buChar char="•"/>
             </a:pPr>
-            <a:endParaRPr lang="en-US" altLang="ko-KR" sz="2000" b="1" dirty="0">
-              <a:solidFill>
-                <a:srgbClr val="2E2E2E"/>
-              </a:solidFill>
-            </a:endParaRPr>
+            <a:r>
+              <a:rPr lang="en-US" altLang="ko-KR" dirty="0"/>
+              <a:t>e(</a:t>
+            </a:r>
+            <a:r>
+              <a:rPr lang="en-US" altLang="ko-KR" dirty="0" err="1"/>
+              <a:t>env</a:t>
+            </a:r>
+            <a:r>
+              <a:rPr lang="en-US" altLang="ko-KR" dirty="0"/>
+              <a:t>)/--</a:t>
+            </a:r>
+            <a:r>
+              <a:rPr lang="en-US" altLang="ko-KR" dirty="0" err="1"/>
+              <a:t>env</a:t>
+            </a:r>
+            <a:r>
+              <a:rPr lang="en-US" altLang="ko-KR" dirty="0"/>
+              <a:t> 		: </a:t>
+            </a:r>
+            <a:r>
+              <a:rPr lang="ko-KR" altLang="en-US" dirty="0"/>
+              <a:t>컨테이너 내에서 사용할 환경변수 설정</a:t>
+            </a:r>
+            <a:endParaRPr lang="en-US" altLang="ko-KR" dirty="0"/>
           </a:p>
           <a:p>
             <a:pPr marL="742950" lvl="1" indent="-285750">
               <a:buFont typeface="Arial" panose="020B0604020202020204" pitchFamily="34" charset="0"/>
               <a:buChar char="•"/>
             </a:pPr>
-            <a:endParaRPr lang="en-US" altLang="ko-KR" sz="2000" b="1" dirty="0">
-              <a:solidFill>
-                <a:srgbClr val="2E2E2E"/>
-              </a:solidFill>
-            </a:endParaRPr>
+            <a:endParaRPr lang="en-US" altLang="ko-KR" dirty="0"/>
           </a:p>
           <a:p>
             <a:pPr marL="742950" lvl="1" indent="-285750">
@@ -24655,115 +27361,167 @@
               <a:buChar char="•"/>
             </a:pPr>
             <a:r>
-              <a:rPr lang="ko-KR" altLang="en-US" sz="2000" b="1" dirty="0">
-                <a:solidFill>
-                  <a:srgbClr val="2E2E2E"/>
-                </a:solidFill>
-              </a:rPr>
-              <a:t>전가상화 </a:t>
-            </a:r>
-            <a:r>
-              <a:rPr lang="en-US" altLang="ko-KR" sz="2000" b="1" dirty="0">
-                <a:solidFill>
-                  <a:srgbClr val="2E2E2E"/>
-                </a:solidFill>
-              </a:rPr>
-              <a:t>vs </a:t>
-            </a:r>
-            <a:r>
-              <a:rPr lang="ko-KR" altLang="en-US" sz="2000" b="1" dirty="0">
-                <a:solidFill>
-                  <a:srgbClr val="2E2E2E"/>
-                </a:solidFill>
-              </a:rPr>
-              <a:t>반가상화</a:t>
-            </a:r>
-            <a:endParaRPr lang="en-US" altLang="ko-KR" sz="2000" b="1" dirty="0">
-              <a:solidFill>
-                <a:srgbClr val="2E2E2E"/>
-              </a:solidFill>
-            </a:endParaRPr>
+              <a:rPr lang="en-US" altLang="ko-KR" dirty="0" err="1"/>
+              <a:t>i</a:t>
+            </a:r>
+            <a:r>
+              <a:rPr lang="en-US" altLang="ko-KR" dirty="0"/>
+              <a:t>(interactive) 		: </a:t>
+            </a:r>
+            <a:r>
+              <a:rPr lang="ko-KR" altLang="en-US" dirty="0"/>
+              <a:t>표준입력 </a:t>
+            </a:r>
+            <a:r>
+              <a:rPr lang="ko-KR" altLang="en-US" dirty="0" err="1"/>
+              <a:t>열어두기</a:t>
+            </a:r>
+            <a:endParaRPr lang="en-US" altLang="ko-KR" dirty="0"/>
           </a:p>
           <a:p>
             <a:pPr marL="742950" lvl="1" indent="-285750">
               <a:buFont typeface="Arial" panose="020B0604020202020204" pitchFamily="34" charset="0"/>
               <a:buChar char="•"/>
             </a:pPr>
-            <a:endParaRPr lang="en-US" altLang="ko-KR" sz="2000" b="1" dirty="0">
-              <a:solidFill>
-                <a:srgbClr val="2E2E2E"/>
-              </a:solidFill>
-            </a:endParaRPr>
+            <a:endParaRPr lang="en-US" altLang="ko-KR" dirty="0"/>
           </a:p>
           <a:p>
             <a:pPr marL="742950" lvl="1" indent="-285750">
               <a:buFont typeface="Arial" panose="020B0604020202020204" pitchFamily="34" charset="0"/>
               <a:buChar char="•"/>
             </a:pPr>
-            <a:endParaRPr lang="en-US" altLang="ko-KR" sz="2000" b="1" dirty="0">
-              <a:solidFill>
-                <a:srgbClr val="2E2E2E"/>
-              </a:solidFill>
-            </a:endParaRPr>
+            <a:r>
+              <a:rPr lang="en-US" altLang="ko-KR" dirty="0"/>
+              <a:t>T(</a:t>
+            </a:r>
+            <a:r>
+              <a:rPr lang="en-US" altLang="ko-KR" dirty="0" err="1"/>
+              <a:t>tty</a:t>
+            </a:r>
+            <a:r>
+              <a:rPr lang="en-US" altLang="ko-KR" dirty="0"/>
+              <a:t>) 			: </a:t>
+            </a:r>
+            <a:r>
+              <a:rPr lang="ko-KR" altLang="en-US" dirty="0"/>
+              <a:t>터미널 인터페이스</a:t>
+            </a:r>
+            <a:endParaRPr lang="en-US" altLang="ko-KR" dirty="0"/>
           </a:p>
           <a:p>
             <a:pPr marL="742950" lvl="1" indent="-285750">
               <a:buFont typeface="Arial" panose="020B0604020202020204" pitchFamily="34" charset="0"/>
               <a:buChar char="•"/>
             </a:pPr>
-            <a:r>
-              <a:rPr lang="ko-KR" altLang="en-US" sz="2000" b="1" dirty="0">
-                <a:solidFill>
-                  <a:srgbClr val="2E2E2E"/>
-                </a:solidFill>
-              </a:rPr>
-              <a:t>컨테이너 기반 가상화</a:t>
-            </a:r>
-            <a:endParaRPr lang="en-US" altLang="ko-KR" sz="2000" b="1" dirty="0">
-              <a:solidFill>
-                <a:srgbClr val="2E2E2E"/>
-              </a:solidFill>
-            </a:endParaRPr>
+            <a:endParaRPr lang="en-US" altLang="ko-KR" dirty="0"/>
           </a:p>
           <a:p>
             <a:pPr marL="742950" lvl="1" indent="-285750">
               <a:buFont typeface="Arial" panose="020B0604020202020204" pitchFamily="34" charset="0"/>
               <a:buChar char="•"/>
             </a:pPr>
-            <a:endParaRPr lang="en-US" altLang="ko-KR" sz="2000" b="1" dirty="0">
-              <a:solidFill>
-                <a:srgbClr val="2E2E2E"/>
-              </a:solidFill>
-            </a:endParaRPr>
+            <a:r>
+              <a:rPr lang="en-US" altLang="ko-KR" dirty="0"/>
+              <a:t>v(volume) 		: </a:t>
+            </a:r>
+            <a:r>
+              <a:rPr lang="ko-KR" altLang="en-US" dirty="0"/>
+              <a:t>호스트 디렉토리 연결</a:t>
+            </a:r>
+            <a:endParaRPr lang="en-US" altLang="ko-KR" dirty="0"/>
           </a:p>
           <a:p>
             <a:pPr marL="742950" lvl="1" indent="-285750">
               <a:buFont typeface="Arial" panose="020B0604020202020204" pitchFamily="34" charset="0"/>
               <a:buChar char="•"/>
             </a:pPr>
-            <a:endParaRPr lang="en-US" altLang="ko-KR" sz="2000" b="1" dirty="0">
-              <a:solidFill>
-                <a:srgbClr val="2E2E2E"/>
-              </a:solidFill>
-            </a:endParaRPr>
-          </a:p>
-          <a:p>
-            <a:pPr marL="285750" indent="-285750">
+            <a:endParaRPr lang="en-US" altLang="ko-KR" dirty="0"/>
+          </a:p>
+          <a:p>
+            <a:pPr marL="742950" lvl="1" indent="-285750">
               <a:buFont typeface="Arial" panose="020B0604020202020204" pitchFamily="34" charset="0"/>
               <a:buChar char="•"/>
             </a:pPr>
-            <a:endParaRPr lang="ko-KR" altLang="en-US" sz="2000" b="1" dirty="0">
-              <a:solidFill>
-                <a:srgbClr val="2E2E2E"/>
-              </a:solidFill>
-            </a:endParaRPr>
+            <a:r>
+              <a:rPr lang="en-US" altLang="ko-KR" dirty="0"/>
+              <a:t>w(</a:t>
+            </a:r>
+            <a:r>
+              <a:rPr lang="en-US" altLang="ko-KR" dirty="0" err="1"/>
+              <a:t>workdir</a:t>
+            </a:r>
+            <a:r>
+              <a:rPr lang="en-US" altLang="ko-KR" dirty="0"/>
+              <a:t>) 		: </a:t>
+            </a:r>
+            <a:r>
+              <a:rPr lang="ko-KR" altLang="en-US" dirty="0" err="1"/>
+              <a:t>작업디렉토리</a:t>
+            </a:r>
+            <a:r>
+              <a:rPr lang="ko-KR" altLang="en-US" dirty="0"/>
+              <a:t> 설정</a:t>
+            </a:r>
+            <a:endParaRPr lang="en-US" altLang="ko-KR" dirty="0"/>
+          </a:p>
+          <a:p>
+            <a:pPr marL="742950" lvl="1" indent="-285750">
+              <a:buFont typeface="Arial" panose="020B0604020202020204" pitchFamily="34" charset="0"/>
+              <a:buChar char="•"/>
+            </a:pPr>
+            <a:endParaRPr lang="en-US" altLang="ko-KR" dirty="0"/>
+          </a:p>
+          <a:p>
+            <a:pPr marL="742950" lvl="1" indent="-285750">
+              <a:buFont typeface="Arial" panose="020B0604020202020204" pitchFamily="34" charset="0"/>
+              <a:buChar char="•"/>
+            </a:pPr>
+            <a:r>
+              <a:rPr lang="en-US" altLang="ko-KR" dirty="0"/>
+              <a:t>l(link)/--link 		: </a:t>
+            </a:r>
+            <a:r>
+              <a:rPr lang="ko-KR" altLang="en-US" dirty="0"/>
+              <a:t>컨테이너 연결</a:t>
+            </a:r>
+            <a:endParaRPr lang="en-US" altLang="ko-KR" dirty="0"/>
+          </a:p>
+          <a:p>
+            <a:pPr marL="742950" lvl="1" indent="-285750">
+              <a:buFont typeface="Arial" panose="020B0604020202020204" pitchFamily="34" charset="0"/>
+              <a:buChar char="•"/>
+            </a:pPr>
+            <a:endParaRPr lang="en-US" altLang="ko-KR" dirty="0"/>
+          </a:p>
+          <a:p>
+            <a:pPr marL="742950" lvl="1" indent="-285750">
+              <a:buFont typeface="Arial" panose="020B0604020202020204" pitchFamily="34" charset="0"/>
+              <a:buChar char="•"/>
+            </a:pPr>
+            <a:r>
+              <a:rPr lang="en-US" altLang="ko-KR" dirty="0"/>
+              <a:t>Rm			: </a:t>
+            </a:r>
+            <a:r>
+              <a:rPr lang="ko-KR" altLang="en-US" dirty="0"/>
+              <a:t>프로세스 </a:t>
+            </a:r>
+            <a:r>
+              <a:rPr lang="ko-KR" altLang="en-US" dirty="0" err="1"/>
+              <a:t>종료시</a:t>
+            </a:r>
+            <a:r>
+              <a:rPr lang="ko-KR" altLang="en-US" dirty="0"/>
+              <a:t> 컨테이너 자동 제거</a:t>
+            </a:r>
+            <a:endParaRPr lang="en-US" altLang="ko-KR" dirty="0"/>
           </a:p>
         </p:txBody>
       </p:sp>
     </p:spTree>
     <p:extLst>
       <p:ext uri="{BB962C8B-B14F-4D97-AF65-F5344CB8AC3E}">
-        <p14:creationId xmlns:p14="http://schemas.microsoft.com/office/powerpoint/2010/main" val="4276950658"/>
+        <p14:creationId xmlns:p14="http://schemas.microsoft.com/office/powerpoint/2010/main" val="2536506372"/>
       </p:ext>
     </p:extLst>
   </p:cSld>
@@ -24773,7 +27531,1218 @@
 </p:sld>
 </file>
 
-<file path=ppt/slides/slide20.xml><?xml version="1.0" encoding="utf-8"?>
+<file path=ppt/slides/slide25.xml><?xml version="1.0" encoding="utf-8"?>
+<p:sld xmlns:a="http://schemas.openxmlformats.org/drawingml/2006/main" xmlns:r="http://schemas.openxmlformats.org/officeDocument/2006/relationships" xmlns:p="http://schemas.openxmlformats.org/presentationml/2006/main">
+  <p:cSld>
+    <p:spTree>
+      <p:nvGrpSpPr>
+        <p:cNvPr id="1" name=""/>
+        <p:cNvGrpSpPr/>
+        <p:nvPr/>
+      </p:nvGrpSpPr>
+      <p:grpSpPr>
+        <a:xfrm>
+          <a:off x="0" y="0"/>
+          <a:ext cx="0" cy="0"/>
+          <a:chOff x="0" y="0"/>
+          <a:chExt cx="0" cy="0"/>
+        </a:xfrm>
+      </p:grpSpPr>
+      <p:sp>
+        <p:nvSpPr>
+          <p:cNvPr id="4" name="Title 3"/>
+          <p:cNvSpPr>
+            <a:spLocks noGrp="1"/>
+          </p:cNvSpPr>
+          <p:nvPr>
+            <p:ph type="title"/>
+          </p:nvPr>
+        </p:nvSpPr>
+        <p:spPr/>
+        <p:txBody>
+          <a:bodyPr/>
+          <a:lstStyle/>
+          <a:p>
+            <a:r>
+              <a:rPr lang="en-US" altLang="ko-KR" sz="3600" dirty="0">
+                <a:latin typeface="+mj-lt"/>
+              </a:rPr>
+              <a:t> Docker Run [Basic]</a:t>
+            </a:r>
+            <a:endParaRPr lang="ko-KR" altLang="en-US" sz="3600" dirty="0">
+              <a:latin typeface="+mj-lt"/>
+            </a:endParaRPr>
+          </a:p>
+        </p:txBody>
+      </p:sp>
+      <p:sp>
+        <p:nvSpPr>
+          <p:cNvPr id="14" name="직사각형 13">
+            <a:extLst>
+              <a:ext uri="{FF2B5EF4-FFF2-40B4-BE49-F238E27FC236}">
+                <a16:creationId xmlns:a16="http://schemas.microsoft.com/office/drawing/2014/main" id="{0298DF82-A921-4869-9374-AF9D8EFB100F}"/>
+              </a:ext>
+            </a:extLst>
+          </p:cNvPr>
+          <p:cNvSpPr/>
+          <p:nvPr/>
+        </p:nvSpPr>
+        <p:spPr>
+          <a:xfrm>
+            <a:off x="6660232" y="1086292"/>
+            <a:ext cx="2411760" cy="1007646"/>
+          </a:xfrm>
+          <a:prstGeom prst="rect">
+            <a:avLst/>
+          </a:prstGeom>
+          <a:solidFill>
+            <a:schemeClr val="bg1"/>
+          </a:solidFill>
+          <a:ln>
+            <a:solidFill>
+              <a:schemeClr val="bg1"/>
+            </a:solidFill>
+          </a:ln>
+        </p:spPr>
+        <p:style>
+          <a:lnRef idx="2">
+            <a:schemeClr val="accent1">
+              <a:shade val="50000"/>
+            </a:schemeClr>
+          </a:lnRef>
+          <a:fillRef idx="1">
+            <a:schemeClr val="accent1"/>
+          </a:fillRef>
+          <a:effectRef idx="0">
+            <a:schemeClr val="accent1"/>
+          </a:effectRef>
+          <a:fontRef idx="minor">
+            <a:schemeClr val="lt1"/>
+          </a:fontRef>
+        </p:style>
+        <p:txBody>
+          <a:bodyPr rtlCol="0" anchor="ctr"/>
+          <a:lstStyle/>
+          <a:p>
+            <a:pPr algn="ctr"/>
+            <a:endParaRPr lang="ko-KR" altLang="en-US"/>
+          </a:p>
+        </p:txBody>
+      </p:sp>
+      <p:sp>
+        <p:nvSpPr>
+          <p:cNvPr id="15" name="직사각형 14">
+            <a:extLst>
+              <a:ext uri="{FF2B5EF4-FFF2-40B4-BE49-F238E27FC236}">
+                <a16:creationId xmlns:a16="http://schemas.microsoft.com/office/drawing/2014/main" id="{0ED2EFC4-D0F9-4943-9536-7252E13A7022}"/>
+              </a:ext>
+            </a:extLst>
+          </p:cNvPr>
+          <p:cNvSpPr/>
+          <p:nvPr/>
+        </p:nvSpPr>
+        <p:spPr>
+          <a:xfrm>
+            <a:off x="6660232" y="60174"/>
+            <a:ext cx="2411760" cy="1007646"/>
+          </a:xfrm>
+          <a:prstGeom prst="rect">
+            <a:avLst/>
+          </a:prstGeom>
+          <a:solidFill>
+            <a:srgbClr val="E9EFEF"/>
+          </a:solidFill>
+          <a:ln>
+            <a:solidFill>
+              <a:srgbClr val="E9EFEF"/>
+            </a:solidFill>
+          </a:ln>
+        </p:spPr>
+        <p:style>
+          <a:lnRef idx="2">
+            <a:schemeClr val="accent1">
+              <a:shade val="50000"/>
+            </a:schemeClr>
+          </a:lnRef>
+          <a:fillRef idx="1">
+            <a:schemeClr val="accent1"/>
+          </a:fillRef>
+          <a:effectRef idx="0">
+            <a:schemeClr val="accent1"/>
+          </a:effectRef>
+          <a:fontRef idx="minor">
+            <a:schemeClr val="lt1"/>
+          </a:fontRef>
+        </p:style>
+        <p:txBody>
+          <a:bodyPr rtlCol="0" anchor="ctr"/>
+          <a:lstStyle/>
+          <a:p>
+            <a:pPr algn="ctr"/>
+            <a:endParaRPr lang="ko-KR" altLang="en-US"/>
+          </a:p>
+        </p:txBody>
+      </p:sp>
+      <p:pic>
+        <p:nvPicPr>
+          <p:cNvPr id="16" name="Picture 2" descr="docker logo">
+            <a:extLst>
+              <a:ext uri="{FF2B5EF4-FFF2-40B4-BE49-F238E27FC236}">
+                <a16:creationId xmlns:a16="http://schemas.microsoft.com/office/drawing/2014/main" id="{54A79DD9-3CC5-4E39-BBEB-5F7FB36FBC7C}"/>
+              </a:ext>
+            </a:extLst>
+          </p:cNvPr>
+          <p:cNvPicPr>
+            <a:picLocks noChangeAspect="1" noChangeArrowheads="1"/>
+          </p:cNvPicPr>
+          <p:nvPr/>
+        </p:nvPicPr>
+        <p:blipFill>
+          <a:blip r:embed="rId3" cstate="print">
+            <a:extLst>
+              <a:ext uri="{28A0092B-C50C-407E-A947-70E740481C1C}">
+                <a14:useLocalDpi xmlns:a14="http://schemas.microsoft.com/office/drawing/2010/main" val="0"/>
+              </a:ext>
+            </a:extLst>
+          </a:blip>
+          <a:srcRect/>
+          <a:stretch>
+            <a:fillRect/>
+          </a:stretch>
+        </p:blipFill>
+        <p:spPr bwMode="auto">
+          <a:xfrm>
+            <a:off x="6836361" y="132851"/>
+            <a:ext cx="2259851" cy="1567957"/>
+          </a:xfrm>
+          <a:prstGeom prst="rect">
+            <a:avLst/>
+          </a:prstGeom>
+          <a:noFill/>
+          <a:ln>
+            <a:noFill/>
+          </a:ln>
+          <a:extLst>
+            <a:ext uri="{909E8E84-426E-40DD-AFC4-6F175D3DCCD1}">
+              <a14:hiddenFill xmlns:a14="http://schemas.microsoft.com/office/drawing/2010/main">
+                <a:solidFill>
+                  <a:srgbClr val="FFFFFF"/>
+                </a:solidFill>
+              </a14:hiddenFill>
+            </a:ext>
+          </a:extLst>
+        </p:spPr>
+      </p:pic>
+      <p:sp>
+        <p:nvSpPr>
+          <p:cNvPr id="3" name="TextBox 2">
+            <a:extLst>
+              <a:ext uri="{FF2B5EF4-FFF2-40B4-BE49-F238E27FC236}">
+                <a16:creationId xmlns:a16="http://schemas.microsoft.com/office/drawing/2014/main" id="{920C7286-FC06-4491-BE23-24D8F2BC5471}"/>
+              </a:ext>
+            </a:extLst>
+          </p:cNvPr>
+          <p:cNvSpPr txBox="1"/>
+          <p:nvPr/>
+        </p:nvSpPr>
+        <p:spPr>
+          <a:xfrm>
+            <a:off x="32" y="1917987"/>
+            <a:ext cx="9143968" cy="4247317"/>
+          </a:xfrm>
+          <a:prstGeom prst="rect">
+            <a:avLst/>
+          </a:prstGeom>
+          <a:noFill/>
+        </p:spPr>
+        <p:txBody>
+          <a:bodyPr wrap="square" rtlCol="0">
+            <a:spAutoFit/>
+          </a:bodyPr>
+          <a:lstStyle/>
+          <a:p>
+            <a:pPr marL="742950" lvl="1" indent="-285750">
+              <a:buFont typeface="Arial" panose="020B0604020202020204" pitchFamily="34" charset="0"/>
+              <a:buChar char="•"/>
+            </a:pPr>
+            <a:r>
+              <a:rPr lang="en-US" altLang="ko-KR" dirty="0"/>
+              <a:t>Docker run ubuntu:16.04</a:t>
+            </a:r>
+          </a:p>
+          <a:p>
+            <a:pPr marL="742950" lvl="1" indent="-285750">
+              <a:buFont typeface="Arial" panose="020B0604020202020204" pitchFamily="34" charset="0"/>
+              <a:buChar char="•"/>
+            </a:pPr>
+            <a:endParaRPr lang="en-US" altLang="ko-KR" dirty="0"/>
+          </a:p>
+          <a:p>
+            <a:pPr marL="742950" lvl="1" indent="-285750">
+              <a:buFont typeface="Arial" panose="020B0604020202020204" pitchFamily="34" charset="0"/>
+              <a:buChar char="•"/>
+            </a:pPr>
+            <a:endParaRPr lang="en-US" altLang="ko-KR" dirty="0"/>
+          </a:p>
+          <a:p>
+            <a:pPr lvl="1"/>
+            <a:r>
+              <a:rPr lang="ko-KR" altLang="en-US" dirty="0"/>
+              <a:t>어떠한 동작을 할 것인지에 대한 명령어를 전달하지 않았기 때문에 컨테이너는 </a:t>
+            </a:r>
+            <a:r>
+              <a:rPr lang="ko-KR" altLang="en-US" dirty="0" err="1"/>
+              <a:t>생성되자마자</a:t>
+            </a:r>
+            <a:r>
+              <a:rPr lang="ko-KR" altLang="en-US" dirty="0"/>
+              <a:t> 종료됩니다</a:t>
+            </a:r>
+            <a:r>
+              <a:rPr lang="en-US" altLang="ko-KR" dirty="0"/>
+              <a:t>.</a:t>
+            </a:r>
+          </a:p>
+          <a:p>
+            <a:pPr lvl="1"/>
+            <a:endParaRPr lang="en-US" altLang="ko-KR" dirty="0"/>
+          </a:p>
+          <a:p>
+            <a:pPr lvl="1"/>
+            <a:r>
+              <a:rPr lang="ko-KR" altLang="en-US" dirty="0"/>
+              <a:t>컨테이너는 프로세스이기 때문에 실행중인 프로세스가 없으면 종료된다</a:t>
+            </a:r>
+            <a:r>
+              <a:rPr lang="en-US" altLang="ko-KR" dirty="0"/>
+              <a:t>.</a:t>
+            </a:r>
+          </a:p>
+          <a:p>
+            <a:pPr lvl="1"/>
+            <a:endParaRPr lang="en-US" altLang="ko-KR" dirty="0"/>
+          </a:p>
+          <a:p>
+            <a:pPr lvl="1"/>
+            <a:endParaRPr lang="en-US" altLang="ko-KR" dirty="0"/>
+          </a:p>
+          <a:p>
+            <a:pPr lvl="1"/>
+            <a:endParaRPr lang="ko-KR" altLang="en-US" dirty="0"/>
+          </a:p>
+          <a:p>
+            <a:pPr marL="742950" lvl="1" indent="-285750">
+              <a:buFont typeface="Arial" panose="020B0604020202020204" pitchFamily="34" charset="0"/>
+              <a:buChar char="•"/>
+            </a:pPr>
+            <a:r>
+              <a:rPr lang="en-US" altLang="ko-KR" dirty="0"/>
+              <a:t>Docker run –</a:t>
+            </a:r>
+            <a:r>
+              <a:rPr lang="en-US" altLang="ko-KR" dirty="0" err="1"/>
+              <a:t>rm</a:t>
+            </a:r>
+            <a:r>
+              <a:rPr lang="en-US" altLang="ko-KR" dirty="0"/>
+              <a:t> –it ubuntu:16.04 /bin/bash</a:t>
+            </a:r>
+          </a:p>
+          <a:p>
+            <a:pPr marL="742950" lvl="1" indent="-285750">
+              <a:buFont typeface="Arial" panose="020B0604020202020204" pitchFamily="34" charset="0"/>
+              <a:buChar char="•"/>
+            </a:pPr>
+            <a:endParaRPr lang="en-US" altLang="ko-KR" dirty="0"/>
+          </a:p>
+          <a:p>
+            <a:pPr marL="742950" lvl="1" indent="-285750">
+              <a:buFont typeface="Arial" panose="020B0604020202020204" pitchFamily="34" charset="0"/>
+              <a:buChar char="•"/>
+            </a:pPr>
+            <a:endParaRPr lang="en-US" altLang="ko-KR" dirty="0"/>
+          </a:p>
+          <a:p>
+            <a:pPr lvl="1"/>
+            <a:r>
+              <a:rPr lang="ko-KR" altLang="en-US" dirty="0"/>
+              <a:t>위의 명령어는 프로세스 종료 시 컨테이너도 삭제되며 터미널 입력을 위해 실행한다는 의미를 갖고 있다</a:t>
+            </a:r>
+            <a:r>
+              <a:rPr lang="en-US" altLang="ko-KR" dirty="0"/>
+              <a:t>.</a:t>
+            </a:r>
+            <a:r>
+              <a:rPr lang="ko-KR" altLang="en-US" dirty="0"/>
+              <a:t>  </a:t>
+            </a:r>
+            <a:endParaRPr lang="en-US" altLang="ko-KR" dirty="0"/>
+          </a:p>
+        </p:txBody>
+      </p:sp>
+    </p:spTree>
+    <p:extLst>
+      <p:ext uri="{BB962C8B-B14F-4D97-AF65-F5344CB8AC3E}">
+        <p14:creationId xmlns:p14="http://schemas.microsoft.com/office/powerpoint/2010/main" val="3083967250"/>
+      </p:ext>
+    </p:extLst>
+  </p:cSld>
+  <p:clrMapOvr>
+    <a:masterClrMapping/>
+  </p:clrMapOvr>
+</p:sld>
+</file>
+
+<file path=ppt/slides/slide26.xml><?xml version="1.0" encoding="utf-8"?>
+<p:sld xmlns:a="http://schemas.openxmlformats.org/drawingml/2006/main" xmlns:r="http://schemas.openxmlformats.org/officeDocument/2006/relationships" xmlns:p="http://schemas.openxmlformats.org/presentationml/2006/main">
+  <p:cSld>
+    <p:spTree>
+      <p:nvGrpSpPr>
+        <p:cNvPr id="1" name=""/>
+        <p:cNvGrpSpPr/>
+        <p:nvPr/>
+      </p:nvGrpSpPr>
+      <p:grpSpPr>
+        <a:xfrm>
+          <a:off x="0" y="0"/>
+          <a:ext cx="0" cy="0"/>
+          <a:chOff x="0" y="0"/>
+          <a:chExt cx="0" cy="0"/>
+        </a:xfrm>
+      </p:grpSpPr>
+      <p:sp>
+        <p:nvSpPr>
+          <p:cNvPr id="4" name="Title 3"/>
+          <p:cNvSpPr>
+            <a:spLocks noGrp="1"/>
+          </p:cNvSpPr>
+          <p:nvPr>
+            <p:ph type="title"/>
+          </p:nvPr>
+        </p:nvSpPr>
+        <p:spPr/>
+        <p:txBody>
+          <a:bodyPr/>
+          <a:lstStyle/>
+          <a:p>
+            <a:r>
+              <a:rPr lang="en-US" altLang="ko-KR" sz="3600" dirty="0">
+                <a:latin typeface="+mj-lt"/>
+              </a:rPr>
+              <a:t> Docker Run [</a:t>
+            </a:r>
+            <a:r>
+              <a:rPr lang="en-US" altLang="ko-KR" sz="3600" dirty="0" err="1">
+                <a:latin typeface="+mj-lt"/>
+              </a:rPr>
+              <a:t>redis</a:t>
+            </a:r>
+            <a:r>
+              <a:rPr lang="en-US" altLang="ko-KR" sz="3600" dirty="0">
+                <a:latin typeface="+mj-lt"/>
+              </a:rPr>
+              <a:t>]</a:t>
+            </a:r>
+            <a:endParaRPr lang="ko-KR" altLang="en-US" sz="3600" dirty="0">
+              <a:latin typeface="+mj-lt"/>
+            </a:endParaRPr>
+          </a:p>
+        </p:txBody>
+      </p:sp>
+      <p:sp>
+        <p:nvSpPr>
+          <p:cNvPr id="14" name="직사각형 13">
+            <a:extLst>
+              <a:ext uri="{FF2B5EF4-FFF2-40B4-BE49-F238E27FC236}">
+                <a16:creationId xmlns:a16="http://schemas.microsoft.com/office/drawing/2014/main" id="{0298DF82-A921-4869-9374-AF9D8EFB100F}"/>
+              </a:ext>
+            </a:extLst>
+          </p:cNvPr>
+          <p:cNvSpPr/>
+          <p:nvPr/>
+        </p:nvSpPr>
+        <p:spPr>
+          <a:xfrm>
+            <a:off x="6660232" y="1086292"/>
+            <a:ext cx="2411760" cy="1007646"/>
+          </a:xfrm>
+          <a:prstGeom prst="rect">
+            <a:avLst/>
+          </a:prstGeom>
+          <a:solidFill>
+            <a:schemeClr val="bg1"/>
+          </a:solidFill>
+          <a:ln>
+            <a:solidFill>
+              <a:schemeClr val="bg1"/>
+            </a:solidFill>
+          </a:ln>
+        </p:spPr>
+        <p:style>
+          <a:lnRef idx="2">
+            <a:schemeClr val="accent1">
+              <a:shade val="50000"/>
+            </a:schemeClr>
+          </a:lnRef>
+          <a:fillRef idx="1">
+            <a:schemeClr val="accent1"/>
+          </a:fillRef>
+          <a:effectRef idx="0">
+            <a:schemeClr val="accent1"/>
+          </a:effectRef>
+          <a:fontRef idx="minor">
+            <a:schemeClr val="lt1"/>
+          </a:fontRef>
+        </p:style>
+        <p:txBody>
+          <a:bodyPr rtlCol="0" anchor="ctr"/>
+          <a:lstStyle/>
+          <a:p>
+            <a:pPr algn="ctr"/>
+            <a:endParaRPr lang="ko-KR" altLang="en-US"/>
+          </a:p>
+        </p:txBody>
+      </p:sp>
+      <p:sp>
+        <p:nvSpPr>
+          <p:cNvPr id="15" name="직사각형 14">
+            <a:extLst>
+              <a:ext uri="{FF2B5EF4-FFF2-40B4-BE49-F238E27FC236}">
+                <a16:creationId xmlns:a16="http://schemas.microsoft.com/office/drawing/2014/main" id="{0ED2EFC4-D0F9-4943-9536-7252E13A7022}"/>
+              </a:ext>
+            </a:extLst>
+          </p:cNvPr>
+          <p:cNvSpPr/>
+          <p:nvPr/>
+        </p:nvSpPr>
+        <p:spPr>
+          <a:xfrm>
+            <a:off x="6660232" y="60174"/>
+            <a:ext cx="2411760" cy="1007646"/>
+          </a:xfrm>
+          <a:prstGeom prst="rect">
+            <a:avLst/>
+          </a:prstGeom>
+          <a:solidFill>
+            <a:srgbClr val="E9EFEF"/>
+          </a:solidFill>
+          <a:ln>
+            <a:solidFill>
+              <a:srgbClr val="E9EFEF"/>
+            </a:solidFill>
+          </a:ln>
+        </p:spPr>
+        <p:style>
+          <a:lnRef idx="2">
+            <a:schemeClr val="accent1">
+              <a:shade val="50000"/>
+            </a:schemeClr>
+          </a:lnRef>
+          <a:fillRef idx="1">
+            <a:schemeClr val="accent1"/>
+          </a:fillRef>
+          <a:effectRef idx="0">
+            <a:schemeClr val="accent1"/>
+          </a:effectRef>
+          <a:fontRef idx="minor">
+            <a:schemeClr val="lt1"/>
+          </a:fontRef>
+        </p:style>
+        <p:txBody>
+          <a:bodyPr rtlCol="0" anchor="ctr"/>
+          <a:lstStyle/>
+          <a:p>
+            <a:pPr algn="ctr"/>
+            <a:endParaRPr lang="ko-KR" altLang="en-US"/>
+          </a:p>
+        </p:txBody>
+      </p:sp>
+      <p:pic>
+        <p:nvPicPr>
+          <p:cNvPr id="16" name="Picture 2" descr="docker logo">
+            <a:extLst>
+              <a:ext uri="{FF2B5EF4-FFF2-40B4-BE49-F238E27FC236}">
+                <a16:creationId xmlns:a16="http://schemas.microsoft.com/office/drawing/2014/main" id="{54A79DD9-3CC5-4E39-BBEB-5F7FB36FBC7C}"/>
+              </a:ext>
+            </a:extLst>
+          </p:cNvPr>
+          <p:cNvPicPr>
+            <a:picLocks noChangeAspect="1" noChangeArrowheads="1"/>
+          </p:cNvPicPr>
+          <p:nvPr/>
+        </p:nvPicPr>
+        <p:blipFill>
+          <a:blip r:embed="rId3" cstate="print">
+            <a:extLst>
+              <a:ext uri="{28A0092B-C50C-407E-A947-70E740481C1C}">
+                <a14:useLocalDpi xmlns:a14="http://schemas.microsoft.com/office/drawing/2010/main" val="0"/>
+              </a:ext>
+            </a:extLst>
+          </a:blip>
+          <a:srcRect/>
+          <a:stretch>
+            <a:fillRect/>
+          </a:stretch>
+        </p:blipFill>
+        <p:spPr bwMode="auto">
+          <a:xfrm>
+            <a:off x="6836361" y="132851"/>
+            <a:ext cx="2259851" cy="1567957"/>
+          </a:xfrm>
+          <a:prstGeom prst="rect">
+            <a:avLst/>
+          </a:prstGeom>
+          <a:noFill/>
+          <a:ln>
+            <a:noFill/>
+          </a:ln>
+          <a:extLst>
+            <a:ext uri="{909E8E84-426E-40DD-AFC4-6F175D3DCCD1}">
+              <a14:hiddenFill xmlns:a14="http://schemas.microsoft.com/office/drawing/2010/main">
+                <a:solidFill>
+                  <a:srgbClr val="FFFFFF"/>
+                </a:solidFill>
+              </a14:hiddenFill>
+            </a:ext>
+          </a:extLst>
+        </p:spPr>
+      </p:pic>
+      <p:sp>
+        <p:nvSpPr>
+          <p:cNvPr id="3" name="TextBox 2">
+            <a:extLst>
+              <a:ext uri="{FF2B5EF4-FFF2-40B4-BE49-F238E27FC236}">
+                <a16:creationId xmlns:a16="http://schemas.microsoft.com/office/drawing/2014/main" id="{920C7286-FC06-4491-BE23-24D8F2BC5471}"/>
+              </a:ext>
+            </a:extLst>
+          </p:cNvPr>
+          <p:cNvSpPr txBox="1"/>
+          <p:nvPr/>
+        </p:nvSpPr>
+        <p:spPr>
+          <a:xfrm>
+            <a:off x="32" y="2316936"/>
+            <a:ext cx="9143968" cy="3693319"/>
+          </a:xfrm>
+          <a:prstGeom prst="rect">
+            <a:avLst/>
+          </a:prstGeom>
+          <a:noFill/>
+        </p:spPr>
+        <p:txBody>
+          <a:bodyPr wrap="square" rtlCol="0">
+            <a:spAutoFit/>
+          </a:bodyPr>
+          <a:lstStyle/>
+          <a:p>
+            <a:pPr marL="742950" lvl="1" indent="-285750">
+              <a:buFont typeface="Arial" panose="020B0604020202020204" pitchFamily="34" charset="0"/>
+              <a:buChar char="•"/>
+            </a:pPr>
+            <a:r>
+              <a:rPr lang="en-US" altLang="ko-KR" dirty="0" err="1"/>
+              <a:t>Redis</a:t>
+            </a:r>
+            <a:r>
+              <a:rPr lang="en-US" altLang="ko-KR" dirty="0"/>
+              <a:t> : 	</a:t>
+            </a:r>
+            <a:r>
+              <a:rPr lang="ko-KR" altLang="en-US" dirty="0"/>
+              <a:t>메모리기반의 다양한 기능을 가진 스토리지</a:t>
+            </a:r>
+            <a:endParaRPr lang="en-US" altLang="ko-KR" dirty="0"/>
+          </a:p>
+          <a:p>
+            <a:pPr lvl="1"/>
+            <a:r>
+              <a:rPr lang="en-US" altLang="ko-KR" dirty="0"/>
+              <a:t>		</a:t>
+            </a:r>
+            <a:r>
+              <a:rPr lang="ko-KR" altLang="en-US" dirty="0"/>
+              <a:t>기본적으로 </a:t>
+            </a:r>
+            <a:r>
+              <a:rPr lang="en-US" altLang="ko-KR" dirty="0"/>
+              <a:t>6379 </a:t>
+            </a:r>
+            <a:r>
+              <a:rPr lang="ko-KR" altLang="en-US" dirty="0"/>
+              <a:t>포트로 통신하며 </a:t>
+            </a:r>
+            <a:r>
+              <a:rPr lang="en-US" altLang="ko-KR" dirty="0"/>
+              <a:t>telnet </a:t>
+            </a:r>
+            <a:r>
+              <a:rPr lang="ko-KR" altLang="en-US" dirty="0"/>
+              <a:t>명령어로 테스트 가능</a:t>
+            </a:r>
+            <a:endParaRPr lang="en-US" altLang="ko-KR" dirty="0"/>
+          </a:p>
+          <a:p>
+            <a:pPr lvl="1"/>
+            <a:endParaRPr lang="en-US" altLang="ko-KR" dirty="0"/>
+          </a:p>
+          <a:p>
+            <a:pPr lvl="1"/>
+            <a:endParaRPr lang="en-US" altLang="ko-KR" dirty="0"/>
+          </a:p>
+          <a:p>
+            <a:pPr lvl="1"/>
+            <a:endParaRPr lang="en-US" altLang="ko-KR" dirty="0"/>
+          </a:p>
+          <a:p>
+            <a:pPr marL="742950" lvl="1" indent="-285750">
+              <a:buFont typeface="Arial" panose="020B0604020202020204" pitchFamily="34" charset="0"/>
+              <a:buChar char="•"/>
+            </a:pPr>
+            <a:r>
+              <a:rPr lang="en-US" altLang="ko-KR" dirty="0"/>
+              <a:t>Docker run –d –p 1234:6379 </a:t>
+            </a:r>
+            <a:r>
+              <a:rPr lang="en-US" altLang="ko-KR" dirty="0" err="1"/>
+              <a:t>redis</a:t>
+            </a:r>
+            <a:endParaRPr lang="en-US" altLang="ko-KR" dirty="0"/>
+          </a:p>
+          <a:p>
+            <a:pPr marL="742950" lvl="1" indent="-285750">
+              <a:buFont typeface="Arial" panose="020B0604020202020204" pitchFamily="34" charset="0"/>
+              <a:buChar char="•"/>
+            </a:pPr>
+            <a:endParaRPr lang="en-US" altLang="ko-KR" dirty="0"/>
+          </a:p>
+          <a:p>
+            <a:pPr lvl="1">
+              <a:lnSpc>
+                <a:spcPct val="150000"/>
+              </a:lnSpc>
+            </a:pPr>
+            <a:r>
+              <a:rPr lang="en-US" altLang="ko-KR" dirty="0"/>
+              <a:t>-d : background </a:t>
+            </a:r>
+            <a:r>
+              <a:rPr lang="ko-KR" altLang="en-US" dirty="0"/>
+              <a:t>실행</a:t>
+            </a:r>
+            <a:endParaRPr lang="en-US" altLang="ko-KR" dirty="0"/>
+          </a:p>
+          <a:p>
+            <a:pPr lvl="1">
+              <a:lnSpc>
+                <a:spcPct val="150000"/>
+              </a:lnSpc>
+            </a:pPr>
+            <a:r>
+              <a:rPr lang="en-US" altLang="ko-KR" dirty="0"/>
+              <a:t>-p : localhost</a:t>
+            </a:r>
+            <a:r>
+              <a:rPr lang="ko-KR" altLang="en-US" dirty="0"/>
+              <a:t>의 </a:t>
+            </a:r>
+            <a:r>
+              <a:rPr lang="en-US" altLang="ko-KR" dirty="0"/>
+              <a:t>1234</a:t>
+            </a:r>
+            <a:r>
+              <a:rPr lang="ko-KR" altLang="en-US" dirty="0"/>
+              <a:t>번 포트를 </a:t>
+            </a:r>
+            <a:r>
+              <a:rPr lang="en-US" altLang="ko-KR" dirty="0" err="1"/>
+              <a:t>redis</a:t>
+            </a:r>
+            <a:r>
+              <a:rPr lang="en-US" altLang="ko-KR" dirty="0"/>
+              <a:t> container</a:t>
+            </a:r>
+            <a:r>
+              <a:rPr lang="ko-KR" altLang="en-US" dirty="0"/>
+              <a:t>의 </a:t>
+            </a:r>
+            <a:r>
+              <a:rPr lang="en-US" altLang="ko-KR" dirty="0"/>
+              <a:t>6379 </a:t>
+            </a:r>
+            <a:r>
+              <a:rPr lang="ko-KR" altLang="en-US" dirty="0"/>
+              <a:t>포트를 연결</a:t>
+            </a:r>
+            <a:endParaRPr lang="en-US" altLang="ko-KR" dirty="0"/>
+          </a:p>
+          <a:p>
+            <a:pPr lvl="1"/>
+            <a:endParaRPr lang="en-US" altLang="ko-KR" dirty="0"/>
+          </a:p>
+          <a:p>
+            <a:pPr lvl="1"/>
+            <a:r>
+              <a:rPr lang="ko-KR" altLang="en-US" dirty="0"/>
+              <a:t>이 </a:t>
+            </a:r>
+            <a:r>
+              <a:rPr lang="ko-KR" altLang="en-US" dirty="0" err="1"/>
+              <a:t>처럼</a:t>
+            </a:r>
+            <a:r>
+              <a:rPr lang="ko-KR" altLang="en-US" dirty="0"/>
+              <a:t> 호스트의 포트만 다르게 하면 하나의 서버에 여러 개의 </a:t>
+            </a:r>
+            <a:r>
+              <a:rPr lang="en-US" altLang="ko-KR" dirty="0" err="1"/>
+              <a:t>redis</a:t>
+            </a:r>
+            <a:r>
+              <a:rPr lang="en-US" altLang="ko-KR" dirty="0"/>
+              <a:t> </a:t>
+            </a:r>
+            <a:r>
+              <a:rPr lang="ko-KR" altLang="en-US" dirty="0"/>
+              <a:t>서버를       띄우는 것이 매우 간단하다</a:t>
+            </a:r>
+            <a:r>
+              <a:rPr lang="en-US" altLang="ko-KR" dirty="0"/>
+              <a:t>.</a:t>
+            </a:r>
+          </a:p>
+        </p:txBody>
+      </p:sp>
+    </p:spTree>
+    <p:extLst>
+      <p:ext uri="{BB962C8B-B14F-4D97-AF65-F5344CB8AC3E}">
+        <p14:creationId xmlns:p14="http://schemas.microsoft.com/office/powerpoint/2010/main" val="2803856647"/>
+      </p:ext>
+    </p:extLst>
+  </p:cSld>
+  <p:clrMapOvr>
+    <a:masterClrMapping/>
+  </p:clrMapOvr>
+</p:sld>
+</file>
+
+<file path=ppt/slides/slide27.xml><?xml version="1.0" encoding="utf-8"?>
+<p:sld xmlns:a="http://schemas.openxmlformats.org/drawingml/2006/main" xmlns:r="http://schemas.openxmlformats.org/officeDocument/2006/relationships" xmlns:p="http://schemas.openxmlformats.org/presentationml/2006/main">
+  <p:cSld>
+    <p:spTree>
+      <p:nvGrpSpPr>
+        <p:cNvPr id="1" name=""/>
+        <p:cNvGrpSpPr/>
+        <p:nvPr/>
+      </p:nvGrpSpPr>
+      <p:grpSpPr>
+        <a:xfrm>
+          <a:off x="0" y="0"/>
+          <a:ext cx="0" cy="0"/>
+          <a:chOff x="0" y="0"/>
+          <a:chExt cx="0" cy="0"/>
+        </a:xfrm>
+      </p:grpSpPr>
+      <p:sp>
+        <p:nvSpPr>
+          <p:cNvPr id="4" name="Title 3"/>
+          <p:cNvSpPr>
+            <a:spLocks noGrp="1"/>
+          </p:cNvSpPr>
+          <p:nvPr>
+            <p:ph type="title"/>
+          </p:nvPr>
+        </p:nvSpPr>
+        <p:spPr/>
+        <p:txBody>
+          <a:bodyPr/>
+          <a:lstStyle/>
+          <a:p>
+            <a:r>
+              <a:rPr lang="en-US" altLang="ko-KR" sz="3600" dirty="0">
+                <a:latin typeface="+mj-lt"/>
+              </a:rPr>
+              <a:t> Docker Run [MYSQL]</a:t>
+            </a:r>
+            <a:endParaRPr lang="ko-KR" altLang="en-US" sz="3600" dirty="0">
+              <a:latin typeface="+mj-lt"/>
+            </a:endParaRPr>
+          </a:p>
+        </p:txBody>
+      </p:sp>
+      <p:sp>
+        <p:nvSpPr>
+          <p:cNvPr id="14" name="직사각형 13">
+            <a:extLst>
+              <a:ext uri="{FF2B5EF4-FFF2-40B4-BE49-F238E27FC236}">
+                <a16:creationId xmlns:a16="http://schemas.microsoft.com/office/drawing/2014/main" id="{0298DF82-A921-4869-9374-AF9D8EFB100F}"/>
+              </a:ext>
+            </a:extLst>
+          </p:cNvPr>
+          <p:cNvSpPr/>
+          <p:nvPr/>
+        </p:nvSpPr>
+        <p:spPr>
+          <a:xfrm>
+            <a:off x="6660232" y="1086292"/>
+            <a:ext cx="2411760" cy="1007646"/>
+          </a:xfrm>
+          <a:prstGeom prst="rect">
+            <a:avLst/>
+          </a:prstGeom>
+          <a:solidFill>
+            <a:schemeClr val="bg1"/>
+          </a:solidFill>
+          <a:ln>
+            <a:solidFill>
+              <a:schemeClr val="bg1"/>
+            </a:solidFill>
+          </a:ln>
+        </p:spPr>
+        <p:style>
+          <a:lnRef idx="2">
+            <a:schemeClr val="accent1">
+              <a:shade val="50000"/>
+            </a:schemeClr>
+          </a:lnRef>
+          <a:fillRef idx="1">
+            <a:schemeClr val="accent1"/>
+          </a:fillRef>
+          <a:effectRef idx="0">
+            <a:schemeClr val="accent1"/>
+          </a:effectRef>
+          <a:fontRef idx="minor">
+            <a:schemeClr val="lt1"/>
+          </a:fontRef>
+        </p:style>
+        <p:txBody>
+          <a:bodyPr rtlCol="0" anchor="ctr"/>
+          <a:lstStyle/>
+          <a:p>
+            <a:pPr algn="ctr"/>
+            <a:endParaRPr lang="ko-KR" altLang="en-US"/>
+          </a:p>
+        </p:txBody>
+      </p:sp>
+      <p:sp>
+        <p:nvSpPr>
+          <p:cNvPr id="15" name="직사각형 14">
+            <a:extLst>
+              <a:ext uri="{FF2B5EF4-FFF2-40B4-BE49-F238E27FC236}">
+                <a16:creationId xmlns:a16="http://schemas.microsoft.com/office/drawing/2014/main" id="{0ED2EFC4-D0F9-4943-9536-7252E13A7022}"/>
+              </a:ext>
+            </a:extLst>
+          </p:cNvPr>
+          <p:cNvSpPr/>
+          <p:nvPr/>
+        </p:nvSpPr>
+        <p:spPr>
+          <a:xfrm>
+            <a:off x="6660232" y="60174"/>
+            <a:ext cx="2411760" cy="1007646"/>
+          </a:xfrm>
+          <a:prstGeom prst="rect">
+            <a:avLst/>
+          </a:prstGeom>
+          <a:solidFill>
+            <a:srgbClr val="E9EFEF"/>
+          </a:solidFill>
+          <a:ln>
+            <a:solidFill>
+              <a:srgbClr val="E9EFEF"/>
+            </a:solidFill>
+          </a:ln>
+        </p:spPr>
+        <p:style>
+          <a:lnRef idx="2">
+            <a:schemeClr val="accent1">
+              <a:shade val="50000"/>
+            </a:schemeClr>
+          </a:lnRef>
+          <a:fillRef idx="1">
+            <a:schemeClr val="accent1"/>
+          </a:fillRef>
+          <a:effectRef idx="0">
+            <a:schemeClr val="accent1"/>
+          </a:effectRef>
+          <a:fontRef idx="minor">
+            <a:schemeClr val="lt1"/>
+          </a:fontRef>
+        </p:style>
+        <p:txBody>
+          <a:bodyPr rtlCol="0" anchor="ctr"/>
+          <a:lstStyle/>
+          <a:p>
+            <a:pPr algn="ctr"/>
+            <a:endParaRPr lang="ko-KR" altLang="en-US"/>
+          </a:p>
+        </p:txBody>
+      </p:sp>
+      <p:pic>
+        <p:nvPicPr>
+          <p:cNvPr id="16" name="Picture 2" descr="docker logo">
+            <a:extLst>
+              <a:ext uri="{FF2B5EF4-FFF2-40B4-BE49-F238E27FC236}">
+                <a16:creationId xmlns:a16="http://schemas.microsoft.com/office/drawing/2014/main" id="{54A79DD9-3CC5-4E39-BBEB-5F7FB36FBC7C}"/>
+              </a:ext>
+            </a:extLst>
+          </p:cNvPr>
+          <p:cNvPicPr>
+            <a:picLocks noChangeAspect="1" noChangeArrowheads="1"/>
+          </p:cNvPicPr>
+          <p:nvPr/>
+        </p:nvPicPr>
+        <p:blipFill>
+          <a:blip r:embed="rId3" cstate="print">
+            <a:extLst>
+              <a:ext uri="{28A0092B-C50C-407E-A947-70E740481C1C}">
+                <a14:useLocalDpi xmlns:a14="http://schemas.microsoft.com/office/drawing/2010/main" val="0"/>
+              </a:ext>
+            </a:extLst>
+          </a:blip>
+          <a:srcRect/>
+          <a:stretch>
+            <a:fillRect/>
+          </a:stretch>
+        </p:blipFill>
+        <p:spPr bwMode="auto">
+          <a:xfrm>
+            <a:off x="6836361" y="132851"/>
+            <a:ext cx="2259851" cy="1567957"/>
+          </a:xfrm>
+          <a:prstGeom prst="rect">
+            <a:avLst/>
+          </a:prstGeom>
+          <a:noFill/>
+          <a:ln>
+            <a:noFill/>
+          </a:ln>
+          <a:extLst>
+            <a:ext uri="{909E8E84-426E-40DD-AFC4-6F175D3DCCD1}">
+              <a14:hiddenFill xmlns:a14="http://schemas.microsoft.com/office/drawing/2010/main">
+                <a:solidFill>
+                  <a:srgbClr val="FFFFFF"/>
+                </a:solidFill>
+              </a14:hiddenFill>
+            </a:ext>
+          </a:extLst>
+        </p:spPr>
+      </p:pic>
+      <p:sp>
+        <p:nvSpPr>
+          <p:cNvPr id="3" name="TextBox 2">
+            <a:extLst>
+              <a:ext uri="{FF2B5EF4-FFF2-40B4-BE49-F238E27FC236}">
+                <a16:creationId xmlns:a16="http://schemas.microsoft.com/office/drawing/2014/main" id="{920C7286-FC06-4491-BE23-24D8F2BC5471}"/>
+              </a:ext>
+            </a:extLst>
+          </p:cNvPr>
+          <p:cNvSpPr txBox="1"/>
+          <p:nvPr/>
+        </p:nvSpPr>
+        <p:spPr>
+          <a:xfrm>
+            <a:off x="32" y="1700808"/>
+            <a:ext cx="9143968" cy="4524315"/>
+          </a:xfrm>
+          <a:prstGeom prst="rect">
+            <a:avLst/>
+          </a:prstGeom>
+          <a:noFill/>
+        </p:spPr>
+        <p:txBody>
+          <a:bodyPr wrap="square" rtlCol="0">
+            <a:spAutoFit/>
+          </a:bodyPr>
+          <a:lstStyle/>
+          <a:p>
+            <a:pPr lvl="1"/>
+            <a:endParaRPr lang="ko-KR" altLang="en-US" dirty="0"/>
+          </a:p>
+          <a:p>
+            <a:pPr marL="742950" lvl="1" indent="-285750">
+              <a:buFont typeface="Arial" panose="020B0604020202020204" pitchFamily="34" charset="0"/>
+              <a:buChar char="•"/>
+            </a:pPr>
+            <a:r>
+              <a:rPr lang="en-US" altLang="ko-KR" dirty="0"/>
+              <a:t>Docker run –d –p 3306:3306 –e MYSQL_ALLOW_EMPTY_PASSWORD = true mysql:5.7</a:t>
+            </a:r>
+          </a:p>
+          <a:p>
+            <a:pPr marL="742950" lvl="1" indent="-285750">
+              <a:buFont typeface="Arial" panose="020B0604020202020204" pitchFamily="34" charset="0"/>
+              <a:buChar char="•"/>
+            </a:pPr>
+            <a:endParaRPr lang="en-US" altLang="ko-KR" dirty="0"/>
+          </a:p>
+          <a:p>
+            <a:pPr lvl="2">
+              <a:lnSpc>
+                <a:spcPct val="150000"/>
+              </a:lnSpc>
+            </a:pPr>
+            <a:r>
+              <a:rPr lang="en-US" altLang="ko-KR" dirty="0"/>
+              <a:t>-d : background </a:t>
+            </a:r>
+            <a:r>
+              <a:rPr lang="ko-KR" altLang="en-US" dirty="0"/>
+              <a:t>실행</a:t>
+            </a:r>
+            <a:endParaRPr lang="en-US" altLang="ko-KR" dirty="0"/>
+          </a:p>
+          <a:p>
+            <a:pPr lvl="2">
+              <a:lnSpc>
+                <a:spcPct val="150000"/>
+              </a:lnSpc>
+            </a:pPr>
+            <a:r>
+              <a:rPr lang="en-US" altLang="ko-KR" dirty="0"/>
+              <a:t>-p : localhost</a:t>
+            </a:r>
+            <a:r>
+              <a:rPr lang="ko-KR" altLang="en-US" dirty="0"/>
+              <a:t>의 </a:t>
+            </a:r>
+            <a:r>
+              <a:rPr lang="en-US" altLang="ko-KR" dirty="0"/>
+              <a:t>1234</a:t>
+            </a:r>
+            <a:r>
+              <a:rPr lang="ko-KR" altLang="en-US" dirty="0"/>
+              <a:t>번 포트를 </a:t>
+            </a:r>
+            <a:r>
+              <a:rPr lang="en-US" altLang="ko-KR" dirty="0" err="1"/>
+              <a:t>redis</a:t>
+            </a:r>
+            <a:r>
+              <a:rPr lang="en-US" altLang="ko-KR" dirty="0"/>
+              <a:t> container</a:t>
+            </a:r>
+            <a:r>
+              <a:rPr lang="ko-KR" altLang="en-US" dirty="0"/>
+              <a:t>의 </a:t>
+            </a:r>
+            <a:r>
+              <a:rPr lang="en-US" altLang="ko-KR" dirty="0"/>
+              <a:t>6379 </a:t>
+            </a:r>
+            <a:r>
+              <a:rPr lang="ko-KR" altLang="en-US" dirty="0"/>
+              <a:t>포트를 연결</a:t>
+            </a:r>
+            <a:endParaRPr lang="en-US" altLang="ko-KR" dirty="0"/>
+          </a:p>
+          <a:p>
+            <a:pPr lvl="2">
+              <a:lnSpc>
+                <a:spcPct val="150000"/>
+              </a:lnSpc>
+            </a:pPr>
+            <a:r>
+              <a:rPr lang="en-US" altLang="ko-KR" dirty="0"/>
+              <a:t>-e : MYSQL_ALLOW_EMPTY_PASSWORD </a:t>
+            </a:r>
+            <a:r>
+              <a:rPr lang="ko-KR" altLang="en-US" dirty="0"/>
+              <a:t>환경변수 설정</a:t>
+            </a:r>
+            <a:endParaRPr lang="en-US" altLang="ko-KR" dirty="0"/>
+          </a:p>
+          <a:p>
+            <a:pPr lvl="2">
+              <a:lnSpc>
+                <a:spcPct val="150000"/>
+              </a:lnSpc>
+            </a:pPr>
+            <a:endParaRPr lang="en-US" altLang="ko-KR" dirty="0"/>
+          </a:p>
+          <a:p>
+            <a:pPr marL="742950" lvl="1" indent="-285750">
+              <a:lnSpc>
+                <a:spcPct val="150000"/>
+              </a:lnSpc>
+              <a:buFont typeface="Arial" panose="020B0604020202020204" pitchFamily="34" charset="0"/>
+              <a:buChar char="•"/>
+            </a:pPr>
+            <a:r>
+              <a:rPr lang="en-US" altLang="ko-KR" dirty="0"/>
+              <a:t>docker exec –</a:t>
+            </a:r>
+            <a:r>
+              <a:rPr lang="en-US" altLang="ko-KR" dirty="0" err="1"/>
+              <a:t>i</a:t>
+            </a:r>
+            <a:r>
+              <a:rPr lang="en-US" altLang="ko-KR" dirty="0"/>
+              <a:t> –t [</a:t>
+            </a:r>
+            <a:r>
+              <a:rPr lang="en-US" altLang="ko-KR" dirty="0" err="1"/>
+              <a:t>containerID</a:t>
+            </a:r>
+            <a:r>
+              <a:rPr lang="en-US" altLang="ko-KR" dirty="0"/>
+              <a:t>] bash</a:t>
+            </a:r>
+          </a:p>
+          <a:p>
+            <a:pPr lvl="2">
+              <a:lnSpc>
+                <a:spcPct val="150000"/>
+              </a:lnSpc>
+            </a:pPr>
+            <a:r>
+              <a:rPr lang="ko-KR" altLang="en-US" dirty="0"/>
+              <a:t>컨테이너에 접속</a:t>
+            </a:r>
+            <a:endParaRPr lang="en-US" altLang="ko-KR" dirty="0"/>
+          </a:p>
+          <a:p>
+            <a:pPr marL="742950" lvl="1" indent="-285750">
+              <a:lnSpc>
+                <a:spcPct val="150000"/>
+              </a:lnSpc>
+              <a:buFont typeface="Arial" panose="020B0604020202020204" pitchFamily="34" charset="0"/>
+              <a:buChar char="•"/>
+            </a:pPr>
+            <a:endParaRPr lang="en-US" altLang="ko-KR" dirty="0"/>
+          </a:p>
+          <a:p>
+            <a:pPr marL="742950" lvl="1" indent="-285750">
+              <a:lnSpc>
+                <a:spcPct val="150000"/>
+              </a:lnSpc>
+              <a:buFont typeface="Arial" panose="020B0604020202020204" pitchFamily="34" charset="0"/>
+              <a:buChar char="•"/>
+            </a:pPr>
+            <a:r>
+              <a:rPr lang="en-US" altLang="ko-KR" dirty="0" err="1"/>
+              <a:t>Mysql</a:t>
+            </a:r>
+            <a:r>
+              <a:rPr lang="en-US" altLang="ko-KR" dirty="0"/>
+              <a:t> –u root -p</a:t>
+            </a:r>
+          </a:p>
+        </p:txBody>
+      </p:sp>
+    </p:spTree>
+    <p:extLst>
+      <p:ext uri="{BB962C8B-B14F-4D97-AF65-F5344CB8AC3E}">
+        <p14:creationId xmlns:p14="http://schemas.microsoft.com/office/powerpoint/2010/main" val="3849371706"/>
+      </p:ext>
+    </p:extLst>
+  </p:cSld>
+  <p:clrMapOvr>
+    <a:masterClrMapping/>
+  </p:clrMapOvr>
+</p:sld>
+</file>
+
+<file path=ppt/slides/slide28.xml><?xml version="1.0" encoding="utf-8"?>
 <p:sld xmlns:a="http://schemas.openxmlformats.org/drawingml/2006/main" xmlns:r="http://schemas.openxmlformats.org/officeDocument/2006/relationships" xmlns:p="http://schemas.openxmlformats.org/presentationml/2006/main">
   <p:cSld>
     <p:spTree>
@@ -25076,7 +29045,7 @@
             </a:pPr>
             <a:r>
               <a:rPr lang="en-US" altLang="ko-KR" dirty="0"/>
-              <a:t>docker stop ubuntu</a:t>
+              <a:t>docker stop [container]</a:t>
             </a:r>
           </a:p>
           <a:p>
@@ -25116,7 +29085,7 @@
             </a:r>
             <a:r>
               <a:rPr lang="en-US" altLang="ko-KR" dirty="0"/>
-              <a:t>ubuntu</a:t>
+              <a:t>[container]</a:t>
             </a:r>
           </a:p>
           <a:p>
@@ -25156,7 +29125,7 @@
             </a:r>
             <a:r>
               <a:rPr lang="en-US" altLang="ko-KR" dirty="0"/>
-              <a:t> [option] ubuntu</a:t>
+              <a:t> [option] [container]</a:t>
             </a:r>
           </a:p>
           <a:p>
@@ -25166,13 +29135,8 @@
             </a:pPr>
             <a:r>
               <a:rPr lang="en-US" altLang="ko-KR" dirty="0"/>
-              <a:t>docker kill </a:t>
-            </a:r>
-            <a:r>
-              <a:rPr lang="en-US" altLang="ko-KR" dirty="0" err="1"/>
-              <a:t>ubutnu</a:t>
-            </a:r>
-            <a:endParaRPr lang="en-US" altLang="ko-KR" dirty="0"/>
+              <a:t>docker kill [container]</a:t>
+            </a:r>
           </a:p>
           <a:p>
             <a:pPr marL="1200150" lvl="2" indent="-285750">
@@ -25214,13 +29178,8 @@
             </a:r>
             <a:r>
               <a:rPr lang="en-US" altLang="ko-KR" dirty="0"/>
-              <a:t> </a:t>
-            </a:r>
-            <a:r>
-              <a:rPr lang="en-US" altLang="ko-KR" dirty="0" err="1"/>
-              <a:t>ubutnu</a:t>
-            </a:r>
-            <a:endParaRPr lang="en-US" altLang="ko-KR" dirty="0"/>
+              <a:t> [container]</a:t>
+            </a:r>
           </a:p>
           <a:p>
             <a:pPr marL="1200150" lvl="2" indent="-285750">
@@ -25247,7 +29206,7 @@
 </p:sld>
 </file>
 
-<file path=ppt/slides/slide21.xml><?xml version="1.0" encoding="utf-8"?>
+<file path=ppt/slides/slide29.xml><?xml version="1.0" encoding="utf-8"?>
 <p:sld xmlns:a="http://schemas.openxmlformats.org/drawingml/2006/main" xmlns:r="http://schemas.openxmlformats.org/officeDocument/2006/relationships" xmlns:p="http://schemas.openxmlformats.org/presentationml/2006/main">
   <p:cSld>
     <p:spTree>
@@ -25476,7 +29435,7 @@
         <p:spPr>
           <a:xfrm>
             <a:off x="32" y="1628800"/>
-            <a:ext cx="9143968" cy="5024773"/>
+            <a:ext cx="9143968" cy="5078313"/>
           </a:xfrm>
           <a:prstGeom prst="rect">
             <a:avLst/>
@@ -25536,7 +29495,7 @@
             </a:r>
             <a:r>
               <a:rPr lang="en-US" altLang="ko-KR" dirty="0"/>
-              <a:t>ubuntu_img.tar</a:t>
+              <a:t>[container]_img.tar</a:t>
             </a:r>
             <a:r>
               <a:rPr lang="ko-KR" altLang="en-US" dirty="0"/>
@@ -25544,7 +29503,7 @@
             </a:r>
             <a:r>
               <a:rPr lang="en-US" altLang="ko-KR" dirty="0"/>
-              <a:t>ubuntu</a:t>
+              <a:t>[container]</a:t>
             </a:r>
           </a:p>
           <a:p>
@@ -25593,7 +29552,7 @@
             </a:r>
             <a:r>
               <a:rPr lang="en-US" altLang="ko-KR" dirty="0"/>
-              <a:t> ubuntu_img.tar / bzip2 ubuntu_img.tar </a:t>
+              <a:t> [container]_ mg.tar / bzip2 [container]_ img.tar </a:t>
             </a:r>
           </a:p>
           <a:p>
@@ -25610,7 +29569,7 @@
             </a:r>
             <a:r>
               <a:rPr lang="en-US" altLang="ko-KR" dirty="0"/>
-              <a:t> -d ubuntu_img.tar.gz / bzip2 -d ubuntu_img.tar.bz2 </a:t>
+              <a:t> -d [container]_ img.tar.gz / bzip2 -d [container]_ img.tar.bz2 </a:t>
             </a:r>
           </a:p>
           <a:p>
@@ -25647,7 +29606,15 @@
             </a:pPr>
             <a:r>
               <a:rPr lang="sv-SE" altLang="ko-KR" dirty="0"/>
-              <a:t>docker load -i ubuntu_img.tar</a:t>
+              <a:t>docker load -i </a:t>
+            </a:r>
+            <a:r>
+              <a:rPr lang="en-US" altLang="ko-KR" dirty="0"/>
+              <a:t>[container]_ </a:t>
+            </a:r>
+            <a:r>
+              <a:rPr lang="sv-SE" altLang="ko-KR" dirty="0"/>
+              <a:t>img.tar</a:t>
             </a:r>
           </a:p>
           <a:p>
@@ -25712,6 +29679,637 @@
 </file>
 
 <file path=ppt/slides/slide3.xml><?xml version="1.0" encoding="utf-8"?>
+<p:sld xmlns:a="http://schemas.openxmlformats.org/drawingml/2006/main" xmlns:r="http://schemas.openxmlformats.org/officeDocument/2006/relationships" xmlns:p="http://schemas.openxmlformats.org/presentationml/2006/main">
+  <p:cSld>
+    <p:spTree>
+      <p:nvGrpSpPr>
+        <p:cNvPr id="1" name=""/>
+        <p:cNvGrpSpPr/>
+        <p:nvPr/>
+      </p:nvGrpSpPr>
+      <p:grpSpPr>
+        <a:xfrm>
+          <a:off x="0" y="0"/>
+          <a:ext cx="0" cy="0"/>
+          <a:chOff x="0" y="0"/>
+          <a:chExt cx="0" cy="0"/>
+        </a:xfrm>
+      </p:grpSpPr>
+      <p:sp>
+        <p:nvSpPr>
+          <p:cNvPr id="4" name="Title 3"/>
+          <p:cNvSpPr>
+            <a:spLocks noGrp="1"/>
+          </p:cNvSpPr>
+          <p:nvPr>
+            <p:ph type="title"/>
+          </p:nvPr>
+        </p:nvSpPr>
+        <p:spPr/>
+        <p:txBody>
+          <a:bodyPr/>
+          <a:lstStyle/>
+          <a:p>
+            <a:r>
+              <a:rPr lang="en-US" altLang="ko-KR" dirty="0">
+                <a:latin typeface="+mj-lt"/>
+              </a:rPr>
+              <a:t> Scale-Up VS Scale-Out</a:t>
+            </a:r>
+            <a:endParaRPr lang="ko-KR" altLang="en-US" dirty="0">
+              <a:latin typeface="+mj-lt"/>
+            </a:endParaRPr>
+          </a:p>
+        </p:txBody>
+      </p:sp>
+      <p:sp>
+        <p:nvSpPr>
+          <p:cNvPr id="14" name="직사각형 13">
+            <a:extLst>
+              <a:ext uri="{FF2B5EF4-FFF2-40B4-BE49-F238E27FC236}">
+                <a16:creationId xmlns:a16="http://schemas.microsoft.com/office/drawing/2014/main" id="{0298DF82-A921-4869-9374-AF9D8EFB100F}"/>
+              </a:ext>
+            </a:extLst>
+          </p:cNvPr>
+          <p:cNvSpPr/>
+          <p:nvPr/>
+        </p:nvSpPr>
+        <p:spPr>
+          <a:xfrm>
+            <a:off x="6660232" y="1086292"/>
+            <a:ext cx="2411760" cy="1007646"/>
+          </a:xfrm>
+          <a:prstGeom prst="rect">
+            <a:avLst/>
+          </a:prstGeom>
+          <a:solidFill>
+            <a:schemeClr val="bg1"/>
+          </a:solidFill>
+          <a:ln>
+            <a:solidFill>
+              <a:schemeClr val="bg1"/>
+            </a:solidFill>
+          </a:ln>
+        </p:spPr>
+        <p:style>
+          <a:lnRef idx="2">
+            <a:schemeClr val="accent1">
+              <a:shade val="50000"/>
+            </a:schemeClr>
+          </a:lnRef>
+          <a:fillRef idx="1">
+            <a:schemeClr val="accent1"/>
+          </a:fillRef>
+          <a:effectRef idx="0">
+            <a:schemeClr val="accent1"/>
+          </a:effectRef>
+          <a:fontRef idx="minor">
+            <a:schemeClr val="lt1"/>
+          </a:fontRef>
+        </p:style>
+        <p:txBody>
+          <a:bodyPr rtlCol="0" anchor="ctr"/>
+          <a:lstStyle/>
+          <a:p>
+            <a:pPr algn="ctr"/>
+            <a:endParaRPr lang="ko-KR" altLang="en-US"/>
+          </a:p>
+        </p:txBody>
+      </p:sp>
+      <p:sp>
+        <p:nvSpPr>
+          <p:cNvPr id="15" name="직사각형 14">
+            <a:extLst>
+              <a:ext uri="{FF2B5EF4-FFF2-40B4-BE49-F238E27FC236}">
+                <a16:creationId xmlns:a16="http://schemas.microsoft.com/office/drawing/2014/main" id="{0ED2EFC4-D0F9-4943-9536-7252E13A7022}"/>
+              </a:ext>
+            </a:extLst>
+          </p:cNvPr>
+          <p:cNvSpPr/>
+          <p:nvPr/>
+        </p:nvSpPr>
+        <p:spPr>
+          <a:xfrm>
+            <a:off x="6660232" y="60174"/>
+            <a:ext cx="2411760" cy="1007646"/>
+          </a:xfrm>
+          <a:prstGeom prst="rect">
+            <a:avLst/>
+          </a:prstGeom>
+          <a:solidFill>
+            <a:srgbClr val="E9EFEF"/>
+          </a:solidFill>
+          <a:ln>
+            <a:solidFill>
+              <a:srgbClr val="E9EFEF"/>
+            </a:solidFill>
+          </a:ln>
+        </p:spPr>
+        <p:style>
+          <a:lnRef idx="2">
+            <a:schemeClr val="accent1">
+              <a:shade val="50000"/>
+            </a:schemeClr>
+          </a:lnRef>
+          <a:fillRef idx="1">
+            <a:schemeClr val="accent1"/>
+          </a:fillRef>
+          <a:effectRef idx="0">
+            <a:schemeClr val="accent1"/>
+          </a:effectRef>
+          <a:fontRef idx="minor">
+            <a:schemeClr val="lt1"/>
+          </a:fontRef>
+        </p:style>
+        <p:txBody>
+          <a:bodyPr rtlCol="0" anchor="ctr"/>
+          <a:lstStyle/>
+          <a:p>
+            <a:pPr algn="ctr"/>
+            <a:endParaRPr lang="ko-KR" altLang="en-US"/>
+          </a:p>
+        </p:txBody>
+      </p:sp>
+      <p:pic>
+        <p:nvPicPr>
+          <p:cNvPr id="16" name="Picture 2" descr="docker logo">
+            <a:extLst>
+              <a:ext uri="{FF2B5EF4-FFF2-40B4-BE49-F238E27FC236}">
+                <a16:creationId xmlns:a16="http://schemas.microsoft.com/office/drawing/2014/main" id="{54A79DD9-3CC5-4E39-BBEB-5F7FB36FBC7C}"/>
+              </a:ext>
+            </a:extLst>
+          </p:cNvPr>
+          <p:cNvPicPr>
+            <a:picLocks noChangeAspect="1" noChangeArrowheads="1"/>
+          </p:cNvPicPr>
+          <p:nvPr/>
+        </p:nvPicPr>
+        <p:blipFill>
+          <a:blip r:embed="rId3" cstate="print">
+            <a:extLst>
+              <a:ext uri="{28A0092B-C50C-407E-A947-70E740481C1C}">
+                <a14:useLocalDpi xmlns:a14="http://schemas.microsoft.com/office/drawing/2010/main" val="0"/>
+              </a:ext>
+            </a:extLst>
+          </a:blip>
+          <a:srcRect/>
+          <a:stretch>
+            <a:fillRect/>
+          </a:stretch>
+        </p:blipFill>
+        <p:spPr bwMode="auto">
+          <a:xfrm>
+            <a:off x="6836361" y="132851"/>
+            <a:ext cx="2259851" cy="1567957"/>
+          </a:xfrm>
+          <a:prstGeom prst="rect">
+            <a:avLst/>
+          </a:prstGeom>
+          <a:noFill/>
+          <a:ln>
+            <a:noFill/>
+          </a:ln>
+          <a:extLst>
+            <a:ext uri="{909E8E84-426E-40DD-AFC4-6F175D3DCCD1}">
+              <a14:hiddenFill xmlns:a14="http://schemas.microsoft.com/office/drawing/2010/main">
+                <a:solidFill>
+                  <a:srgbClr val="FFFFFF"/>
+                </a:solidFill>
+              </a14:hiddenFill>
+            </a:ext>
+          </a:extLst>
+        </p:spPr>
+      </p:pic>
+      <p:pic>
+        <p:nvPicPr>
+          <p:cNvPr id="2" name="그림 1">
+            <a:extLst>
+              <a:ext uri="{FF2B5EF4-FFF2-40B4-BE49-F238E27FC236}">
+                <a16:creationId xmlns:a16="http://schemas.microsoft.com/office/drawing/2014/main" id="{67FEFF9A-7474-4851-AAA8-615B5CF6A371}"/>
+              </a:ext>
+            </a:extLst>
+          </p:cNvPr>
+          <p:cNvPicPr>
+            <a:picLocks noChangeAspect="1"/>
+          </p:cNvPicPr>
+          <p:nvPr/>
+        </p:nvPicPr>
+        <p:blipFill>
+          <a:blip r:embed="rId4"/>
+          <a:stretch>
+            <a:fillRect/>
+          </a:stretch>
+        </p:blipFill>
+        <p:spPr>
+          <a:xfrm>
+            <a:off x="671512" y="1719280"/>
+            <a:ext cx="7800975" cy="4448175"/>
+          </a:xfrm>
+          <a:prstGeom prst="rect">
+            <a:avLst/>
+          </a:prstGeom>
+        </p:spPr>
+      </p:pic>
+    </p:spTree>
+    <p:extLst>
+      <p:ext uri="{BB962C8B-B14F-4D97-AF65-F5344CB8AC3E}">
+        <p14:creationId xmlns:p14="http://schemas.microsoft.com/office/powerpoint/2010/main" val="3634323421"/>
+      </p:ext>
+    </p:extLst>
+  </p:cSld>
+  <p:clrMapOvr>
+    <a:masterClrMapping/>
+  </p:clrMapOvr>
+</p:sld>
+</file>
+
+<file path=ppt/slides/slide30.xml><?xml version="1.0" encoding="utf-8"?>
+<p:sld xmlns:a="http://schemas.openxmlformats.org/drawingml/2006/main" xmlns:r="http://schemas.openxmlformats.org/officeDocument/2006/relationships" xmlns:p="http://schemas.openxmlformats.org/presentationml/2006/main">
+  <p:cSld>
+    <p:spTree>
+      <p:nvGrpSpPr>
+        <p:cNvPr id="1" name=""/>
+        <p:cNvGrpSpPr/>
+        <p:nvPr/>
+      </p:nvGrpSpPr>
+      <p:grpSpPr>
+        <a:xfrm>
+          <a:off x="0" y="0"/>
+          <a:ext cx="0" cy="0"/>
+          <a:chOff x="0" y="0"/>
+          <a:chExt cx="0" cy="0"/>
+        </a:xfrm>
+      </p:grpSpPr>
+      <p:sp>
+        <p:nvSpPr>
+          <p:cNvPr id="4" name="Title 3"/>
+          <p:cNvSpPr>
+            <a:spLocks noGrp="1"/>
+          </p:cNvSpPr>
+          <p:nvPr>
+            <p:ph type="title"/>
+          </p:nvPr>
+        </p:nvSpPr>
+        <p:spPr/>
+        <p:txBody>
+          <a:bodyPr/>
+          <a:lstStyle/>
+          <a:p>
+            <a:r>
+              <a:rPr lang="en-US" altLang="ko-KR" sz="3600" dirty="0">
+                <a:latin typeface="+mj-lt"/>
+              </a:rPr>
+              <a:t> Docker Version Update</a:t>
+            </a:r>
+            <a:endParaRPr lang="ko-KR" altLang="en-US" sz="3600" dirty="0">
+              <a:latin typeface="+mj-lt"/>
+            </a:endParaRPr>
+          </a:p>
+        </p:txBody>
+      </p:sp>
+      <p:sp>
+        <p:nvSpPr>
+          <p:cNvPr id="14" name="직사각형 13">
+            <a:extLst>
+              <a:ext uri="{FF2B5EF4-FFF2-40B4-BE49-F238E27FC236}">
+                <a16:creationId xmlns:a16="http://schemas.microsoft.com/office/drawing/2014/main" id="{0298DF82-A921-4869-9374-AF9D8EFB100F}"/>
+              </a:ext>
+            </a:extLst>
+          </p:cNvPr>
+          <p:cNvSpPr/>
+          <p:nvPr/>
+        </p:nvSpPr>
+        <p:spPr>
+          <a:xfrm>
+            <a:off x="6660232" y="1086292"/>
+            <a:ext cx="2411760" cy="1007646"/>
+          </a:xfrm>
+          <a:prstGeom prst="rect">
+            <a:avLst/>
+          </a:prstGeom>
+          <a:solidFill>
+            <a:schemeClr val="bg1"/>
+          </a:solidFill>
+          <a:ln>
+            <a:solidFill>
+              <a:schemeClr val="bg1"/>
+            </a:solidFill>
+          </a:ln>
+        </p:spPr>
+        <p:style>
+          <a:lnRef idx="2">
+            <a:schemeClr val="accent1">
+              <a:shade val="50000"/>
+            </a:schemeClr>
+          </a:lnRef>
+          <a:fillRef idx="1">
+            <a:schemeClr val="accent1"/>
+          </a:fillRef>
+          <a:effectRef idx="0">
+            <a:schemeClr val="accent1"/>
+          </a:effectRef>
+          <a:fontRef idx="minor">
+            <a:schemeClr val="lt1"/>
+          </a:fontRef>
+        </p:style>
+        <p:txBody>
+          <a:bodyPr rtlCol="0" anchor="ctr"/>
+          <a:lstStyle/>
+          <a:p>
+            <a:pPr algn="ctr"/>
+            <a:endParaRPr lang="ko-KR" altLang="en-US"/>
+          </a:p>
+        </p:txBody>
+      </p:sp>
+      <p:sp>
+        <p:nvSpPr>
+          <p:cNvPr id="15" name="직사각형 14">
+            <a:extLst>
+              <a:ext uri="{FF2B5EF4-FFF2-40B4-BE49-F238E27FC236}">
+                <a16:creationId xmlns:a16="http://schemas.microsoft.com/office/drawing/2014/main" id="{0ED2EFC4-D0F9-4943-9536-7252E13A7022}"/>
+              </a:ext>
+            </a:extLst>
+          </p:cNvPr>
+          <p:cNvSpPr/>
+          <p:nvPr/>
+        </p:nvSpPr>
+        <p:spPr>
+          <a:xfrm>
+            <a:off x="6660232" y="60174"/>
+            <a:ext cx="2411760" cy="1007646"/>
+          </a:xfrm>
+          <a:prstGeom prst="rect">
+            <a:avLst/>
+          </a:prstGeom>
+          <a:solidFill>
+            <a:srgbClr val="E9EFEF"/>
+          </a:solidFill>
+          <a:ln>
+            <a:solidFill>
+              <a:srgbClr val="E9EFEF"/>
+            </a:solidFill>
+          </a:ln>
+        </p:spPr>
+        <p:style>
+          <a:lnRef idx="2">
+            <a:schemeClr val="accent1">
+              <a:shade val="50000"/>
+            </a:schemeClr>
+          </a:lnRef>
+          <a:fillRef idx="1">
+            <a:schemeClr val="accent1"/>
+          </a:fillRef>
+          <a:effectRef idx="0">
+            <a:schemeClr val="accent1"/>
+          </a:effectRef>
+          <a:fontRef idx="minor">
+            <a:schemeClr val="lt1"/>
+          </a:fontRef>
+        </p:style>
+        <p:txBody>
+          <a:bodyPr rtlCol="0" anchor="ctr"/>
+          <a:lstStyle/>
+          <a:p>
+            <a:pPr algn="ctr"/>
+            <a:endParaRPr lang="ko-KR" altLang="en-US"/>
+          </a:p>
+        </p:txBody>
+      </p:sp>
+      <p:pic>
+        <p:nvPicPr>
+          <p:cNvPr id="16" name="Picture 2" descr="docker logo">
+            <a:extLst>
+              <a:ext uri="{FF2B5EF4-FFF2-40B4-BE49-F238E27FC236}">
+                <a16:creationId xmlns:a16="http://schemas.microsoft.com/office/drawing/2014/main" id="{54A79DD9-3CC5-4E39-BBEB-5F7FB36FBC7C}"/>
+              </a:ext>
+            </a:extLst>
+          </p:cNvPr>
+          <p:cNvPicPr>
+            <a:picLocks noChangeAspect="1" noChangeArrowheads="1"/>
+          </p:cNvPicPr>
+          <p:nvPr/>
+        </p:nvPicPr>
+        <p:blipFill>
+          <a:blip r:embed="rId3" cstate="print">
+            <a:extLst>
+              <a:ext uri="{28A0092B-C50C-407E-A947-70E740481C1C}">
+                <a14:useLocalDpi xmlns:a14="http://schemas.microsoft.com/office/drawing/2010/main" val="0"/>
+              </a:ext>
+            </a:extLst>
+          </a:blip>
+          <a:srcRect/>
+          <a:stretch>
+            <a:fillRect/>
+          </a:stretch>
+        </p:blipFill>
+        <p:spPr bwMode="auto">
+          <a:xfrm>
+            <a:off x="6836361" y="132851"/>
+            <a:ext cx="2259851" cy="1567957"/>
+          </a:xfrm>
+          <a:prstGeom prst="rect">
+            <a:avLst/>
+          </a:prstGeom>
+          <a:noFill/>
+          <a:ln>
+            <a:noFill/>
+          </a:ln>
+          <a:extLst>
+            <a:ext uri="{909E8E84-426E-40DD-AFC4-6F175D3DCCD1}">
+              <a14:hiddenFill xmlns:a14="http://schemas.microsoft.com/office/drawing/2010/main">
+                <a:solidFill>
+                  <a:srgbClr val="FFFFFF"/>
+                </a:solidFill>
+              </a14:hiddenFill>
+            </a:ext>
+          </a:extLst>
+        </p:spPr>
+      </p:pic>
+      <p:pic>
+        <p:nvPicPr>
+          <p:cNvPr id="3074" name="Picture 2" descr="ëì»¤ ì»¨í+ì´ë ì+ë°ì´í¸">
+            <a:extLst>
+              <a:ext uri="{FF2B5EF4-FFF2-40B4-BE49-F238E27FC236}">
+                <a16:creationId xmlns:a16="http://schemas.microsoft.com/office/drawing/2014/main" id="{49074E53-180B-4D9E-9FAD-2572D6C3931B}"/>
+              </a:ext>
+            </a:extLst>
+          </p:cNvPr>
+          <p:cNvPicPr>
+            <a:picLocks noChangeAspect="1" noChangeArrowheads="1"/>
+          </p:cNvPicPr>
+          <p:nvPr/>
+        </p:nvPicPr>
+        <p:blipFill>
+          <a:blip r:embed="rId4" cstate="print">
+            <a:extLst>
+              <a:ext uri="{28A0092B-C50C-407E-A947-70E740481C1C}">
+                <a14:useLocalDpi xmlns:a14="http://schemas.microsoft.com/office/drawing/2010/main" val="0"/>
+              </a:ext>
+            </a:extLst>
+          </a:blip>
+          <a:srcRect/>
+          <a:stretch>
+            <a:fillRect/>
+          </a:stretch>
+        </p:blipFill>
+        <p:spPr bwMode="auto">
+          <a:xfrm>
+            <a:off x="-2647" y="2530361"/>
+            <a:ext cx="4790672" cy="3490927"/>
+          </a:xfrm>
+          <a:prstGeom prst="rect">
+            <a:avLst/>
+          </a:prstGeom>
+          <a:noFill/>
+          <a:extLst>
+            <a:ext uri="{909E8E84-426E-40DD-AFC4-6F175D3DCCD1}">
+              <a14:hiddenFill xmlns:a14="http://schemas.microsoft.com/office/drawing/2010/main">
+                <a:solidFill>
+                  <a:srgbClr val="FFFFFF"/>
+                </a:solidFill>
+              </a14:hiddenFill>
+            </a:ext>
+          </a:extLst>
+        </p:spPr>
+      </p:pic>
+      <p:sp>
+        <p:nvSpPr>
+          <p:cNvPr id="8" name="TextBox 7">
+            <a:extLst>
+              <a:ext uri="{FF2B5EF4-FFF2-40B4-BE49-F238E27FC236}">
+                <a16:creationId xmlns:a16="http://schemas.microsoft.com/office/drawing/2014/main" id="{A0D4226F-E60D-4B39-842E-4431750FFF32}"/>
+              </a:ext>
+            </a:extLst>
+          </p:cNvPr>
+          <p:cNvSpPr txBox="1"/>
+          <p:nvPr/>
+        </p:nvSpPr>
+        <p:spPr>
+          <a:xfrm>
+            <a:off x="3995936" y="2494051"/>
+            <a:ext cx="5112568" cy="3739485"/>
+          </a:xfrm>
+          <a:prstGeom prst="rect">
+            <a:avLst/>
+          </a:prstGeom>
+          <a:noFill/>
+        </p:spPr>
+        <p:txBody>
+          <a:bodyPr wrap="square" rtlCol="0">
+            <a:spAutoFit/>
+          </a:bodyPr>
+          <a:lstStyle/>
+          <a:p>
+            <a:pPr marL="742950" lvl="1" indent="-285750">
+              <a:lnSpc>
+                <a:spcPct val="150000"/>
+              </a:lnSpc>
+              <a:buFontTx/>
+              <a:buChar char="-"/>
+            </a:pPr>
+            <a:r>
+              <a:rPr lang="ko-KR" altLang="en-US" sz="1400" dirty="0"/>
+              <a:t>새 버전의 이미지를 다운받고 기존 컨테이너를 삭제한 후 새 이미지를 기반으로 새 컨테이너를 실행하면 된다</a:t>
+            </a:r>
+            <a:r>
+              <a:rPr lang="en-US" altLang="ko-KR" sz="1400" dirty="0"/>
+              <a:t>.</a:t>
+            </a:r>
+          </a:p>
+          <a:p>
+            <a:pPr marL="742950" lvl="1" indent="-285750">
+              <a:lnSpc>
+                <a:spcPct val="150000"/>
+              </a:lnSpc>
+              <a:buFontTx/>
+              <a:buChar char="-"/>
+            </a:pPr>
+            <a:endParaRPr lang="en-US" altLang="ko-KR" sz="1400" dirty="0"/>
+          </a:p>
+          <a:p>
+            <a:pPr marL="742950" lvl="1" indent="-285750">
+              <a:lnSpc>
+                <a:spcPct val="150000"/>
+              </a:lnSpc>
+              <a:buFontTx/>
+              <a:buChar char="-"/>
+            </a:pPr>
+            <a:r>
+              <a:rPr lang="ko-KR" altLang="en-US" sz="1400" dirty="0"/>
+              <a:t>컨테이너를 삭제한다는 것은 컨테이너에서 생성된 파일이 사라진다는 뜻이다</a:t>
+            </a:r>
+            <a:r>
+              <a:rPr lang="en-US" altLang="ko-KR" sz="1400" dirty="0"/>
+              <a:t>. </a:t>
+            </a:r>
+            <a:r>
+              <a:rPr lang="ko-KR" altLang="en-US" sz="1400" dirty="0"/>
+              <a:t>이는 데이터베이스라면 그동안 쌓였던 데이터가 모두 사라진다는 것이다</a:t>
+            </a:r>
+            <a:r>
+              <a:rPr lang="en-US" altLang="ko-KR" sz="1400" dirty="0"/>
+              <a:t>.</a:t>
+            </a:r>
+          </a:p>
+          <a:p>
+            <a:pPr marL="742950" lvl="1" indent="-285750">
+              <a:lnSpc>
+                <a:spcPct val="150000"/>
+              </a:lnSpc>
+              <a:buFontTx/>
+              <a:buChar char="-"/>
+            </a:pPr>
+            <a:endParaRPr lang="en-US" altLang="ko-KR" sz="1400" dirty="0"/>
+          </a:p>
+          <a:p>
+            <a:pPr marL="742950" lvl="1" indent="-285750">
+              <a:lnSpc>
+                <a:spcPct val="150000"/>
+              </a:lnSpc>
+              <a:buFontTx/>
+              <a:buChar char="-"/>
+            </a:pPr>
+            <a:r>
+              <a:rPr lang="ko-KR" altLang="en-US" sz="1400" dirty="0" err="1"/>
+              <a:t>유지되어야하는</a:t>
+            </a:r>
+            <a:r>
+              <a:rPr lang="ko-KR" altLang="en-US" sz="1400" dirty="0"/>
+              <a:t> 데이터는 반드시 컨테이너 내부가 아닌 외부 스토리지에 저장해야 한다</a:t>
+            </a:r>
+            <a:r>
+              <a:rPr lang="en-US" altLang="ko-KR" sz="1400" dirty="0"/>
+              <a:t>.</a:t>
+            </a:r>
+          </a:p>
+          <a:p>
+            <a:pPr marL="742950" lvl="1" indent="-285750">
+              <a:lnSpc>
+                <a:spcPct val="150000"/>
+              </a:lnSpc>
+              <a:buFontTx/>
+              <a:buChar char="-"/>
+            </a:pPr>
+            <a:endParaRPr lang="en-US" altLang="ko-KR" dirty="0"/>
+          </a:p>
+        </p:txBody>
+      </p:sp>
+    </p:spTree>
+    <p:extLst>
+      <p:ext uri="{BB962C8B-B14F-4D97-AF65-F5344CB8AC3E}">
+        <p14:creationId xmlns:p14="http://schemas.microsoft.com/office/powerpoint/2010/main" val="233564725"/>
+      </p:ext>
+    </p:extLst>
+  </p:cSld>
+  <p:clrMapOvr>
+    <a:masterClrMapping/>
+  </p:clrMapOvr>
+</p:sld>
+</file>
+
+<file path=ppt/slides/slide4.xml><?xml version="1.0" encoding="utf-8"?>
 <p:sld xmlns:a="http://schemas.openxmlformats.org/drawingml/2006/main" xmlns:r="http://schemas.openxmlformats.org/officeDocument/2006/relationships" xmlns:p="http://schemas.openxmlformats.org/presentationml/2006/main">
   <p:cSld>
     <p:spTree>
@@ -26042,13 +30640,13 @@
         </p:nvSpPr>
         <p:spPr>
           <a:xfrm>
-            <a:off x="3950208" y="2185350"/>
-            <a:ext cx="5014280" cy="1008112"/>
+            <a:off x="4563600" y="2185350"/>
+            <a:ext cx="4400888" cy="1008112"/>
           </a:xfrm>
           <a:prstGeom prst="wedgeRectCallout">
             <a:avLst>
-              <a:gd name="adj1" fmla="val -65956"/>
-              <a:gd name="adj2" fmla="val 58872"/>
+              <a:gd name="adj1" fmla="val -79531"/>
+              <a:gd name="adj2" fmla="val 72175"/>
             </a:avLst>
           </a:prstGeom>
           <a:solidFill>
@@ -26088,37 +30686,20 @@
               <a:buChar char="-"/>
             </a:pPr>
             <a:r>
-              <a:rPr lang="ko-KR" altLang="en-US" dirty="0">
-                <a:solidFill>
-                  <a:schemeClr val="tx1"/>
-                </a:solidFill>
-              </a:rPr>
-              <a:t>서버 자원 </a:t>
-            </a:r>
-            <a:r>
               <a:rPr lang="en-US" altLang="ko-KR" dirty="0">
                 <a:solidFill>
                   <a:schemeClr val="tx1"/>
                 </a:solidFill>
               </a:rPr>
-              <a:t>(CPU/MEMORY/NETWORK)</a:t>
-            </a:r>
-          </a:p>
-          <a:p>
-            <a:pPr marL="285750" indent="-285750">
-              <a:lnSpc>
-                <a:spcPct val="150000"/>
-              </a:lnSpc>
-              <a:buFontTx/>
-              <a:buChar char="-"/>
-            </a:pPr>
-            <a:r>
-              <a:rPr lang="ko-KR" altLang="en-US" dirty="0">
+              <a:t>Drive, </a:t>
+            </a:r>
+            <a:r>
+              <a:rPr lang="en-US" altLang="ko-KR" dirty="0" err="1">
                 <a:solidFill>
                   <a:schemeClr val="tx1"/>
                 </a:solidFill>
               </a:rPr>
-              <a:t>아마존 </a:t>
+              <a:t>Naver</a:t>
             </a:r>
             <a:r>
               <a:rPr lang="en-US" altLang="ko-KR" dirty="0">
@@ -26126,7 +30707,7 @@
                   <a:schemeClr val="tx1"/>
                 </a:solidFill>
               </a:rPr>
-              <a:t>AWS EC2</a:t>
+              <a:t> Cloud</a:t>
             </a:r>
             <a:endParaRPr lang="ko-KR" altLang="en-US" dirty="0">
               <a:solidFill>
@@ -26250,13 +30831,13 @@
         </p:nvSpPr>
         <p:spPr>
           <a:xfrm>
-            <a:off x="5267908" y="4671718"/>
-            <a:ext cx="3696580" cy="1008112"/>
+            <a:off x="4955704" y="4671718"/>
+            <a:ext cx="4008784" cy="1008112"/>
           </a:xfrm>
           <a:prstGeom prst="wedgeRectCallout">
             <a:avLst>
-              <a:gd name="adj1" fmla="val -70171"/>
-              <a:gd name="adj2" fmla="val 56452"/>
+              <a:gd name="adj1" fmla="val -58918"/>
+              <a:gd name="adj2" fmla="val 40730"/>
             </a:avLst>
           </a:prstGeom>
           <a:solidFill>
@@ -26296,30 +30877,47 @@
               <a:buChar char="-"/>
             </a:pPr>
             <a:r>
-              <a:rPr lang="en-US" altLang="ko-KR" sz="1700" dirty="0">
+              <a:rPr lang="ko-KR" altLang="en-US" sz="1600" dirty="0">
                 <a:solidFill>
                   <a:schemeClr val="tx1"/>
                 </a:solidFill>
               </a:rPr>
-              <a:t>Google Drive, </a:t>
-            </a:r>
-            <a:r>
-              <a:rPr lang="en-US" altLang="ko-KR" sz="1700" dirty="0" err="1">
+              <a:t>서버 자원 </a:t>
+            </a:r>
+            <a:r>
+              <a:rPr lang="en-US" altLang="ko-KR" sz="1600" dirty="0">
                 <a:solidFill>
                   <a:schemeClr val="tx1"/>
                 </a:solidFill>
               </a:rPr>
-              <a:t>Naver</a:t>
-            </a:r>
-            <a:r>
-              <a:rPr lang="en-US" altLang="ko-KR" sz="1700" dirty="0">
+              <a:t>(CPU/MEMORY/NETWORK)</a:t>
+            </a:r>
+          </a:p>
+          <a:p>
+            <a:pPr marL="285750" indent="-285750">
+              <a:lnSpc>
+                <a:spcPct val="150000"/>
+              </a:lnSpc>
+              <a:buFontTx/>
+              <a:buChar char="-"/>
+            </a:pPr>
+            <a:r>
+              <a:rPr lang="ko-KR" altLang="en-US" sz="1600" dirty="0">
                 <a:solidFill>
                   <a:schemeClr val="tx1"/>
                 </a:solidFill>
               </a:rPr>
-              <a:t> Cloud</a:t>
-            </a:r>
-            <a:endParaRPr lang="ko-KR" altLang="en-US" sz="1700" dirty="0">
+              <a:t>아마존 </a:t>
+            </a:r>
+            <a:r>
+              <a:rPr lang="en-US" altLang="ko-KR" sz="1600" dirty="0">
+                <a:solidFill>
+                  <a:schemeClr val="tx1"/>
+                </a:solidFill>
+              </a:rPr>
+              <a:t>AWS EC2</a:t>
+            </a:r>
+            <a:endParaRPr lang="ko-KR" altLang="en-US" sz="1600" dirty="0">
               <a:solidFill>
                 <a:schemeClr val="tx1"/>
               </a:solidFill>
@@ -26340,7 +30938,7 @@
 </p:sld>
 </file>
 
-<file path=ppt/slides/slide4.xml><?xml version="1.0" encoding="utf-8"?>
+<file path=ppt/slides/slide5.xml><?xml version="1.0" encoding="utf-8"?>
 <p:sld xmlns:a="http://schemas.openxmlformats.org/drawingml/2006/main" xmlns:r="http://schemas.openxmlformats.org/officeDocument/2006/relationships" xmlns:p="http://schemas.openxmlformats.org/presentationml/2006/main">
   <p:cSld>
     <p:spTree>
@@ -26372,14 +30970,14 @@
           <p:nvPr>
             <p:extLst>
               <p:ext uri="{D42A27DB-BD31-4B8C-83A1-F6EECF244321}">
-                <p14:modId xmlns:p14="http://schemas.microsoft.com/office/powerpoint/2010/main" val="2945557178"/>
+                <p14:modId xmlns:p14="http://schemas.microsoft.com/office/powerpoint/2010/main" val="329969954"/>
               </p:ext>
             </p:extLst>
           </p:nvPr>
         </p:nvGraphicFramePr>
         <p:xfrm>
           <a:off x="161820" y="2538480"/>
-          <a:ext cx="8730660" cy="4130880"/>
+          <a:ext cx="8730660" cy="3842848"/>
         </p:xfrm>
         <a:graphic>
           <a:graphicData uri="http://schemas.openxmlformats.org/drawingml/2006/table">
@@ -26403,7 +31001,7 @@
                   </a:extLst>
                 </a:gridCol>
               </a:tblGrid>
-              <a:tr h="436594">
+              <a:tr h="406152">
                 <a:tc>
                   <a:txBody>
                     <a:bodyPr/>
@@ -26545,7 +31143,7 @@
                   </a:ext>
                 </a:extLst>
               </a:tr>
-              <a:tr h="3694286">
+              <a:tr h="3436696">
                 <a:tc>
                   <a:txBody>
                     <a:bodyPr/>
@@ -26986,7 +31584,7 @@
 </p:sld>
 </file>
 
-<file path=ppt/slides/slide5.xml><?xml version="1.0" encoding="utf-8"?>
+<file path=ppt/slides/slide6.xml><?xml version="1.0" encoding="utf-8"?>
 <p:sld xmlns:a="http://schemas.openxmlformats.org/drawingml/2006/main" xmlns:r="http://schemas.openxmlformats.org/officeDocument/2006/relationships" xmlns:p="http://schemas.openxmlformats.org/presentationml/2006/main">
   <p:cSld>
     <p:spTree>
@@ -27239,7 +31837,7 @@
         <p:spPr>
           <a:xfrm>
             <a:off x="23632" y="2348073"/>
-            <a:ext cx="9144000" cy="3970318"/>
+            <a:ext cx="9144000" cy="4247317"/>
           </a:xfrm>
           <a:prstGeom prst="rect">
             <a:avLst/>
@@ -27321,6 +31919,24 @@
             <a:endParaRPr lang="en-US" altLang="ko-KR" dirty="0"/>
           </a:p>
           <a:p>
+            <a:pPr marL="742950" lvl="1" indent="-285750">
+              <a:buFont typeface="Wingdings" panose="05000000000000000000" pitchFamily="2" charset="2"/>
+              <a:buChar char="§"/>
+            </a:pPr>
+            <a:endParaRPr lang="en-US" altLang="ko-KR" dirty="0"/>
+          </a:p>
+          <a:p>
+            <a:pPr marL="742950" lvl="1" indent="-285750">
+              <a:buFont typeface="Wingdings" panose="05000000000000000000" pitchFamily="2" charset="2"/>
+              <a:buChar char="§"/>
+            </a:pPr>
+            <a:r>
+              <a:rPr lang="en-US" altLang="ko-KR" dirty="0"/>
+              <a:t>Emulator</a:t>
+            </a:r>
+          </a:p>
+          <a:p>
+            <a:pPr lvl="2"/>
             <a:endParaRPr lang="en-US" altLang="ko-KR" dirty="0"/>
           </a:p>
           <a:p>
@@ -27398,18 +32014,11 @@
             </a:r>
           </a:p>
           <a:p>
-            <a:pPr lvl="2"/>
-            <a:endParaRPr lang="en-US" altLang="ko-KR" dirty="0"/>
-          </a:p>
-          <a:p>
             <a:pPr marL="800100" lvl="1" indent="-342900">
               <a:buFont typeface="Wingdings" panose="05000000000000000000" pitchFamily="2" charset="2"/>
               <a:buChar char="§"/>
             </a:pPr>
-            <a:r>
-              <a:rPr lang="en-US" altLang="ko-KR" dirty="0"/>
-              <a:t>Emulator</a:t>
-            </a:r>
+            <a:endParaRPr lang="en-US" altLang="ko-KR" dirty="0"/>
           </a:p>
         </p:txBody>
       </p:sp>
@@ -27426,7 +32035,7 @@
 </p:sld>
 </file>
 
-<file path=ppt/slides/slide6.xml><?xml version="1.0" encoding="utf-8"?>
+<file path=ppt/slides/slide7.xml><?xml version="1.0" encoding="utf-8"?>
 <p:sld xmlns:a="http://schemas.openxmlformats.org/drawingml/2006/main" xmlns:r="http://schemas.openxmlformats.org/officeDocument/2006/relationships" xmlns:p="http://schemas.openxmlformats.org/presentationml/2006/main">
   <p:cSld>
     <p:spTree>
@@ -28018,7 +32627,7 @@
 </p:sld>
 </file>
 
-<file path=ppt/slides/slide7.xml><?xml version="1.0" encoding="utf-8"?>
+<file path=ppt/slides/slide8.xml><?xml version="1.0" encoding="utf-8"?>
 <p:sld xmlns:a="http://schemas.openxmlformats.org/drawingml/2006/main" xmlns:r="http://schemas.openxmlformats.org/officeDocument/2006/relationships" xmlns:p="http://schemas.openxmlformats.org/presentationml/2006/main">
   <p:cSld>
     <p:spTree>
@@ -28280,7 +32889,7 @@
 </p:sld>
 </file>
 
-<file path=ppt/slides/slide8.xml><?xml version="1.0" encoding="utf-8"?>
+<file path=ppt/slides/slide9.xml><?xml version="1.0" encoding="utf-8"?>
 <p:sld xmlns:a="http://schemas.openxmlformats.org/drawingml/2006/main" xmlns:r="http://schemas.openxmlformats.org/officeDocument/2006/relationships" xmlns:p="http://schemas.openxmlformats.org/presentationml/2006/main">
   <p:cSld>
     <p:spTree>
@@ -28313,12 +32922,12 @@
           <a:lstStyle/>
           <a:p>
             <a:r>
-              <a:rPr lang="en-US" altLang="ko-KR" dirty="0">
+              <a:rPr lang="en-US" altLang="ko-KR" sz="3600" dirty="0">
                 <a:latin typeface="+mj-lt"/>
               </a:rPr>
-              <a:t> Scale-Up VS Scale-Out</a:t>
-            </a:r>
-            <a:endParaRPr lang="ko-KR" altLang="en-US" dirty="0">
+              <a:t> Container Base Virtualization</a:t>
+            </a:r>
+            <a:endParaRPr lang="ko-KR" altLang="en-US" sz="3600" dirty="0">
               <a:latin typeface="+mj-lt"/>
             </a:endParaRPr>
           </a:p>
@@ -28487,7 +33096,7 @@
           <p:cNvPr id="2" name="그림 1">
             <a:extLst>
               <a:ext uri="{FF2B5EF4-FFF2-40B4-BE49-F238E27FC236}">
-                <a16:creationId xmlns:a16="http://schemas.microsoft.com/office/drawing/2014/main" id="{67FEFF9A-7474-4851-AAA8-615B5CF6A371}"/>
+                <a16:creationId xmlns:a16="http://schemas.microsoft.com/office/drawing/2014/main" id="{612BAF8E-4357-463A-81CD-5F2A43DD77AB}"/>
               </a:ext>
             </a:extLst>
           </p:cNvPr>
@@ -28504,263 +33113,92 @@
         </p:blipFill>
         <p:spPr>
           <a:xfrm>
-            <a:off x="671512" y="1719280"/>
-            <a:ext cx="7800975" cy="4448175"/>
+            <a:off x="271462" y="2006153"/>
+            <a:ext cx="8601075" cy="3511079"/>
           </a:xfrm>
           <a:prstGeom prst="rect">
             <a:avLst/>
           </a:prstGeom>
         </p:spPr>
       </p:pic>
-    </p:spTree>
-    <p:extLst>
-      <p:ext uri="{BB962C8B-B14F-4D97-AF65-F5344CB8AC3E}">
-        <p14:creationId xmlns:p14="http://schemas.microsoft.com/office/powerpoint/2010/main" val="3634323421"/>
-      </p:ext>
-    </p:extLst>
-  </p:cSld>
-  <p:clrMapOvr>
-    <a:masterClrMapping/>
-  </p:clrMapOvr>
-</p:sld>
-</file>
-
-<file path=ppt/slides/slide9.xml><?xml version="1.0" encoding="utf-8"?>
-<p:sld xmlns:a="http://schemas.openxmlformats.org/drawingml/2006/main" xmlns:r="http://schemas.openxmlformats.org/officeDocument/2006/relationships" xmlns:p="http://schemas.openxmlformats.org/presentationml/2006/main">
-  <p:cSld>
-    <p:spTree>
-      <p:nvGrpSpPr>
-        <p:cNvPr id="1" name=""/>
-        <p:cNvGrpSpPr/>
-        <p:nvPr/>
-      </p:nvGrpSpPr>
-      <p:grpSpPr>
-        <a:xfrm>
-          <a:off x="0" y="0"/>
-          <a:ext cx="0" cy="0"/>
-          <a:chOff x="0" y="0"/>
-          <a:chExt cx="0" cy="0"/>
-        </a:xfrm>
-      </p:grpSpPr>
       <p:sp>
         <p:nvSpPr>
-          <p:cNvPr id="4" name="Title 3"/>
-          <p:cNvSpPr>
-            <a:spLocks noGrp="1"/>
-          </p:cNvSpPr>
-          <p:nvPr>
-            <p:ph type="title"/>
-          </p:nvPr>
-        </p:nvSpPr>
-        <p:spPr/>
-        <p:txBody>
-          <a:bodyPr/>
-          <a:lstStyle/>
-          <a:p>
-            <a:r>
-              <a:rPr lang="en-US" altLang="ko-KR" dirty="0">
-                <a:latin typeface="+mj-lt"/>
-              </a:rPr>
-              <a:t> Hypervisor</a:t>
-            </a:r>
-            <a:endParaRPr lang="ko-KR" altLang="en-US" dirty="0">
-              <a:latin typeface="+mj-lt"/>
-            </a:endParaRPr>
-          </a:p>
-        </p:txBody>
-      </p:sp>
-      <p:sp>
-        <p:nvSpPr>
-          <p:cNvPr id="14" name="직사각형 13">
+          <p:cNvPr id="5" name="TextBox 4">
             <a:extLst>
               <a:ext uri="{FF2B5EF4-FFF2-40B4-BE49-F238E27FC236}">
-                <a16:creationId xmlns:a16="http://schemas.microsoft.com/office/drawing/2014/main" id="{0298DF82-A921-4869-9374-AF9D8EFB100F}"/>
+                <a16:creationId xmlns:a16="http://schemas.microsoft.com/office/drawing/2014/main" id="{8045D957-3A21-4A45-B4EA-02D9C305A131}"/>
               </a:ext>
             </a:extLst>
           </p:cNvPr>
-          <p:cNvSpPr/>
+          <p:cNvSpPr txBox="1"/>
           <p:nvPr/>
         </p:nvSpPr>
         <p:spPr>
           <a:xfrm>
-            <a:off x="6660232" y="1086292"/>
-            <a:ext cx="2411760" cy="1007646"/>
-          </a:xfrm>
-          <a:prstGeom prst="rect">
-            <a:avLst/>
-          </a:prstGeom>
-          <a:solidFill>
-            <a:schemeClr val="bg1"/>
-          </a:solidFill>
-          <a:ln>
-            <a:solidFill>
-              <a:schemeClr val="bg1"/>
-            </a:solidFill>
-          </a:ln>
-        </p:spPr>
-        <p:style>
-          <a:lnRef idx="2">
-            <a:schemeClr val="accent1">
-              <a:shade val="50000"/>
-            </a:schemeClr>
-          </a:lnRef>
-          <a:fillRef idx="1">
-            <a:schemeClr val="accent1"/>
-          </a:fillRef>
-          <a:effectRef idx="0">
-            <a:schemeClr val="accent1"/>
-          </a:effectRef>
-          <a:fontRef idx="minor">
-            <a:schemeClr val="lt1"/>
-          </a:fontRef>
-        </p:style>
-        <p:txBody>
-          <a:bodyPr rtlCol="0" anchor="ctr"/>
-          <a:lstStyle/>
-          <a:p>
-            <a:pPr algn="ctr"/>
-            <a:endParaRPr lang="ko-KR" altLang="en-US"/>
-          </a:p>
-        </p:txBody>
-      </p:sp>
-      <p:sp>
-        <p:nvSpPr>
-          <p:cNvPr id="15" name="직사각형 14">
-            <a:extLst>
-              <a:ext uri="{FF2B5EF4-FFF2-40B4-BE49-F238E27FC236}">
-                <a16:creationId xmlns:a16="http://schemas.microsoft.com/office/drawing/2014/main" id="{0ED2EFC4-D0F9-4943-9536-7252E13A7022}"/>
-              </a:ext>
-            </a:extLst>
-          </p:cNvPr>
-          <p:cNvSpPr/>
-          <p:nvPr/>
-        </p:nvSpPr>
-        <p:spPr>
-          <a:xfrm>
-            <a:off x="6660232" y="60174"/>
-            <a:ext cx="2411760" cy="1007646"/>
-          </a:xfrm>
-          <a:prstGeom prst="rect">
-            <a:avLst/>
-          </a:prstGeom>
-          <a:solidFill>
-            <a:srgbClr val="E9EFEF"/>
-          </a:solidFill>
-          <a:ln>
-            <a:solidFill>
-              <a:srgbClr val="E9EFEF"/>
-            </a:solidFill>
-          </a:ln>
-        </p:spPr>
-        <p:style>
-          <a:lnRef idx="2">
-            <a:schemeClr val="accent1">
-              <a:shade val="50000"/>
-            </a:schemeClr>
-          </a:lnRef>
-          <a:fillRef idx="1">
-            <a:schemeClr val="accent1"/>
-          </a:fillRef>
-          <a:effectRef idx="0">
-            <a:schemeClr val="accent1"/>
-          </a:effectRef>
-          <a:fontRef idx="minor">
-            <a:schemeClr val="lt1"/>
-          </a:fontRef>
-        </p:style>
-        <p:txBody>
-          <a:bodyPr rtlCol="0" anchor="ctr"/>
-          <a:lstStyle/>
-          <a:p>
-            <a:pPr algn="ctr"/>
-            <a:endParaRPr lang="ko-KR" altLang="en-US"/>
-          </a:p>
-        </p:txBody>
-      </p:sp>
-      <p:pic>
-        <p:nvPicPr>
-          <p:cNvPr id="16" name="Picture 2" descr="docker logo">
-            <a:extLst>
-              <a:ext uri="{FF2B5EF4-FFF2-40B4-BE49-F238E27FC236}">
-                <a16:creationId xmlns:a16="http://schemas.microsoft.com/office/drawing/2014/main" id="{54A79DD9-3CC5-4E39-BBEB-5F7FB36FBC7C}"/>
-              </a:ext>
-            </a:extLst>
-          </p:cNvPr>
-          <p:cNvPicPr>
-            <a:picLocks noChangeAspect="1" noChangeArrowheads="1"/>
-          </p:cNvPicPr>
-          <p:nvPr/>
-        </p:nvPicPr>
-        <p:blipFill>
-          <a:blip r:embed="rId3" cstate="print">
-            <a:extLst>
-              <a:ext uri="{28A0092B-C50C-407E-A947-70E740481C1C}">
-                <a14:useLocalDpi xmlns:a14="http://schemas.microsoft.com/office/drawing/2010/main" val="0"/>
-              </a:ext>
-            </a:extLst>
-          </a:blip>
-          <a:srcRect/>
-          <a:stretch>
-            <a:fillRect/>
-          </a:stretch>
-        </p:blipFill>
-        <p:spPr bwMode="auto">
-          <a:xfrm>
-            <a:off x="6836361" y="132851"/>
-            <a:ext cx="2259851" cy="1567957"/>
+            <a:off x="271462" y="5517232"/>
+            <a:ext cx="4156522" cy="369332"/>
           </a:xfrm>
           <a:prstGeom prst="rect">
             <a:avLst/>
           </a:prstGeom>
           <a:noFill/>
-          <a:ln>
-            <a:noFill/>
-          </a:ln>
-          <a:extLst>
-            <a:ext uri="{909E8E84-426E-40DD-AFC4-6F175D3DCCD1}">
-              <a14:hiddenFill xmlns:a14="http://schemas.microsoft.com/office/drawing/2010/main">
-                <a:solidFill>
-                  <a:srgbClr val="FFFFFF"/>
-                </a:solidFill>
-              </a14:hiddenFill>
-            </a:ext>
-          </a:extLst>
         </p:spPr>
-      </p:pic>
-      <p:pic>
-        <p:nvPicPr>
-          <p:cNvPr id="3" name="그림 2">
+        <p:txBody>
+          <a:bodyPr wrap="square" rtlCol="0">
+            <a:spAutoFit/>
+          </a:bodyPr>
+          <a:lstStyle/>
+          <a:p>
+            <a:pPr algn="ctr"/>
+            <a:r>
+              <a:rPr lang="en-US" altLang="ko-KR" dirty="0"/>
+              <a:t>HYPERVISOR</a:t>
+            </a:r>
+            <a:endParaRPr lang="ko-KR" altLang="en-US" dirty="0"/>
+          </a:p>
+        </p:txBody>
+      </p:sp>
+      <p:sp>
+        <p:nvSpPr>
+          <p:cNvPr id="9" name="TextBox 8">
             <a:extLst>
               <a:ext uri="{FF2B5EF4-FFF2-40B4-BE49-F238E27FC236}">
-                <a16:creationId xmlns:a16="http://schemas.microsoft.com/office/drawing/2014/main" id="{875F8A47-38CE-4C85-90C3-34B99C7D2FC3}"/>
+                <a16:creationId xmlns:a16="http://schemas.microsoft.com/office/drawing/2014/main" id="{AD18EABF-56F1-4FFF-8748-4D768989B204}"/>
               </a:ext>
             </a:extLst>
           </p:cNvPr>
-          <p:cNvPicPr>
-            <a:picLocks noChangeAspect="1"/>
-          </p:cNvPicPr>
+          <p:cNvSpPr txBox="1"/>
           <p:nvPr/>
-        </p:nvPicPr>
-        <p:blipFill>
-          <a:blip r:embed="rId4"/>
-          <a:stretch>
-            <a:fillRect/>
-          </a:stretch>
-        </p:blipFill>
+        </p:nvSpPr>
         <p:spPr>
           <a:xfrm>
-            <a:off x="1043608" y="2112410"/>
-            <a:ext cx="7056784" cy="4392621"/>
+            <a:off x="4600535" y="5517232"/>
+            <a:ext cx="4156522" cy="369332"/>
           </a:xfrm>
           <a:prstGeom prst="rect">
             <a:avLst/>
           </a:prstGeom>
+          <a:noFill/>
         </p:spPr>
-      </p:pic>
+        <p:txBody>
+          <a:bodyPr wrap="square" rtlCol="0">
+            <a:spAutoFit/>
+          </a:bodyPr>
+          <a:lstStyle/>
+          <a:p>
+            <a:pPr algn="ctr"/>
+            <a:r>
+              <a:rPr lang="en-US" altLang="ko-KR" dirty="0"/>
+              <a:t>DOCKER</a:t>
+            </a:r>
+            <a:endParaRPr lang="ko-KR" altLang="en-US" dirty="0"/>
+          </a:p>
+        </p:txBody>
+      </p:sp>
     </p:spTree>
     <p:extLst>
       <p:ext uri="{BB962C8B-B14F-4D97-AF65-F5344CB8AC3E}">
-        <p14:creationId xmlns:p14="http://schemas.microsoft.com/office/powerpoint/2010/main" val="3466676928"/>
+        <p14:creationId xmlns:p14="http://schemas.microsoft.com/office/powerpoint/2010/main" val="3450746535"/>
       </p:ext>
     </p:extLst>
   </p:cSld>
